--- a/doc/diplomski.pptx
+++ b/doc/diplomski.pptx
@@ -8,16 +8,11 @@
     <p:sldId id="256" r:id="rId2"/>
     <p:sldId id="257" r:id="rId3"/>
     <p:sldId id="259" r:id="rId4"/>
-    <p:sldId id="261" r:id="rId5"/>
-    <p:sldId id="260" r:id="rId6"/>
-    <p:sldId id="262" r:id="rId7"/>
-    <p:sldId id="258" r:id="rId8"/>
-    <p:sldId id="264" r:id="rId9"/>
-    <p:sldId id="265" r:id="rId10"/>
-    <p:sldId id="266" r:id="rId11"/>
-    <p:sldId id="267" r:id="rId12"/>
-    <p:sldId id="263" r:id="rId13"/>
-    <p:sldId id="268" r:id="rId14"/>
+    <p:sldId id="260" r:id="rId5"/>
+    <p:sldId id="264" r:id="rId6"/>
+    <p:sldId id="267" r:id="rId7"/>
+    <p:sldId id="263" r:id="rId8"/>
+    <p:sldId id="268" r:id="rId9"/>
   </p:sldIdLst>
   <p:sldSz cx="12192000" cy="6858000"/>
   <p:notesSz cx="6858000" cy="9144000"/>
@@ -294,7 +289,7 @@
           <a:p>
             <a:fld id="{A4ECD7A8-2C0B-4056-8B80-A04139EEE1E6}" type="datetimeFigureOut">
               <a:rPr lang="en-US" smtClean="0"/>
-              <a:t>9/26/2021</a:t>
+              <a:t>9/28/2021</a:t>
             </a:fld>
             <a:endParaRPr lang="en-US"/>
           </a:p>
@@ -561,7 +556,7 @@
           <a:p>
             <a:fld id="{A4ECD7A8-2C0B-4056-8B80-A04139EEE1E6}" type="datetimeFigureOut">
               <a:rPr lang="en-US" smtClean="0"/>
-              <a:t>9/26/2021</a:t>
+              <a:t>9/28/2021</a:t>
             </a:fld>
             <a:endParaRPr lang="en-US"/>
           </a:p>
@@ -792,7 +787,7 @@
           <a:p>
             <a:fld id="{A4ECD7A8-2C0B-4056-8B80-A04139EEE1E6}" type="datetimeFigureOut">
               <a:rPr lang="en-US" smtClean="0"/>
-              <a:t>9/26/2021</a:t>
+              <a:t>9/28/2021</a:t>
             </a:fld>
             <a:endParaRPr lang="en-US"/>
           </a:p>
@@ -1102,7 +1097,7 @@
           <a:p>
             <a:fld id="{A4ECD7A8-2C0B-4056-8B80-A04139EEE1E6}" type="datetimeFigureOut">
               <a:rPr lang="en-US" smtClean="0"/>
-              <a:t>9/26/2021</a:t>
+              <a:t>9/28/2021</a:t>
             </a:fld>
             <a:endParaRPr lang="en-US"/>
           </a:p>
@@ -1575,7 +1570,7 @@
           <a:p>
             <a:fld id="{A4ECD7A8-2C0B-4056-8B80-A04139EEE1E6}" type="datetimeFigureOut">
               <a:rPr lang="en-US" smtClean="0"/>
-              <a:t>9/26/2021</a:t>
+              <a:t>9/28/2021</a:t>
             </a:fld>
             <a:endParaRPr lang="en-US"/>
           </a:p>
@@ -2122,7 +2117,7 @@
           <a:p>
             <a:fld id="{A4ECD7A8-2C0B-4056-8B80-A04139EEE1E6}" type="datetimeFigureOut">
               <a:rPr lang="en-US" smtClean="0"/>
-              <a:t>9/26/2021</a:t>
+              <a:t>9/28/2021</a:t>
             </a:fld>
             <a:endParaRPr lang="en-US"/>
           </a:p>
@@ -2896,7 +2891,7 @@
           <a:p>
             <a:fld id="{A4ECD7A8-2C0B-4056-8B80-A04139EEE1E6}" type="datetimeFigureOut">
               <a:rPr lang="en-US" smtClean="0"/>
-              <a:t>9/26/2021</a:t>
+              <a:t>9/28/2021</a:t>
             </a:fld>
             <a:endParaRPr lang="en-US"/>
           </a:p>
@@ -3071,7 +3066,7 @@
           <a:p>
             <a:fld id="{A4ECD7A8-2C0B-4056-8B80-A04139EEE1E6}" type="datetimeFigureOut">
               <a:rPr lang="en-US" smtClean="0"/>
-              <a:t>9/26/2021</a:t>
+              <a:t>9/28/2021</a:t>
             </a:fld>
             <a:endParaRPr lang="en-US"/>
           </a:p>
@@ -3294,7 +3289,7 @@
           <a:p>
             <a:fld id="{A4ECD7A8-2C0B-4056-8B80-A04139EEE1E6}" type="datetimeFigureOut">
               <a:rPr lang="en-US" smtClean="0"/>
-              <a:t>9/26/2021</a:t>
+              <a:t>9/28/2021</a:t>
             </a:fld>
             <a:endParaRPr lang="en-US"/>
           </a:p>
@@ -3474,7 +3469,7 @@
           <a:p>
             <a:fld id="{A4ECD7A8-2C0B-4056-8B80-A04139EEE1E6}" type="datetimeFigureOut">
               <a:rPr lang="en-US" smtClean="0"/>
-              <a:t>9/26/2021</a:t>
+              <a:t>9/28/2021</a:t>
             </a:fld>
             <a:endParaRPr lang="en-US"/>
           </a:p>
@@ -3763,7 +3758,7 @@
           <a:p>
             <a:fld id="{A4ECD7A8-2C0B-4056-8B80-A04139EEE1E6}" type="datetimeFigureOut">
               <a:rPr lang="en-US" smtClean="0"/>
-              <a:t>9/26/2021</a:t>
+              <a:t>9/28/2021</a:t>
             </a:fld>
             <a:endParaRPr lang="en-US"/>
           </a:p>
@@ -4005,7 +4000,7 @@
           <a:p>
             <a:fld id="{A4ECD7A8-2C0B-4056-8B80-A04139EEE1E6}" type="datetimeFigureOut">
               <a:rPr lang="en-US" smtClean="0"/>
-              <a:t>9/26/2021</a:t>
+              <a:t>9/28/2021</a:t>
             </a:fld>
             <a:endParaRPr lang="en-US"/>
           </a:p>
@@ -4384,7 +4379,7 @@
           <a:p>
             <a:fld id="{A4ECD7A8-2C0B-4056-8B80-A04139EEE1E6}" type="datetimeFigureOut">
               <a:rPr lang="en-US" smtClean="0"/>
-              <a:t>9/26/2021</a:t>
+              <a:t>9/28/2021</a:t>
             </a:fld>
             <a:endParaRPr lang="en-US"/>
           </a:p>
@@ -4502,7 +4497,7 @@
           <a:p>
             <a:fld id="{A4ECD7A8-2C0B-4056-8B80-A04139EEE1E6}" type="datetimeFigureOut">
               <a:rPr lang="en-US" smtClean="0"/>
-              <a:t>9/26/2021</a:t>
+              <a:t>9/28/2021</a:t>
             </a:fld>
             <a:endParaRPr lang="en-US"/>
           </a:p>
@@ -4597,7 +4592,7 @@
           <a:p>
             <a:fld id="{A4ECD7A8-2C0B-4056-8B80-A04139EEE1E6}" type="datetimeFigureOut">
               <a:rPr lang="en-US" smtClean="0"/>
-              <a:t>9/26/2021</a:t>
+              <a:t>9/28/2021</a:t>
             </a:fld>
             <a:endParaRPr lang="en-US"/>
           </a:p>
@@ -4846,7 +4841,7 @@
           <a:p>
             <a:fld id="{A4ECD7A8-2C0B-4056-8B80-A04139EEE1E6}" type="datetimeFigureOut">
               <a:rPr lang="en-US" smtClean="0"/>
-              <a:t>9/26/2021</a:t>
+              <a:t>9/28/2021</a:t>
             </a:fld>
             <a:endParaRPr lang="en-US"/>
           </a:p>
@@ -5103,7 +5098,7 @@
           <a:p>
             <a:fld id="{A4ECD7A8-2C0B-4056-8B80-A04139EEE1E6}" type="datetimeFigureOut">
               <a:rPr lang="en-US" smtClean="0"/>
-              <a:t>9/26/2021</a:t>
+              <a:t>9/28/2021</a:t>
             </a:fld>
             <a:endParaRPr lang="en-US"/>
           </a:p>
@@ -5346,7 +5341,7 @@
           <a:p>
             <a:fld id="{A4ECD7A8-2C0B-4056-8B80-A04139EEE1E6}" type="datetimeFigureOut">
               <a:rPr lang="en-US" smtClean="0"/>
-              <a:t>9/26/2021</a:t>
+              <a:t>9/28/2021</a:t>
             </a:fld>
             <a:endParaRPr lang="en-US"/>
           </a:p>
@@ -5834,7 +5829,7 @@
             </a:r>
             <a:r>
               <a:rPr lang="sr-Cyrl-RS" sz="1600"/>
-              <a:t>доц. др Саша Стојановић</a:t>
+              <a:t>Доц. др Саша Стојановић</a:t>
             </a:r>
           </a:p>
           <a:p>
@@ -5860,7 +5855,6 @@
             <a:endParaRPr lang="en-US" sz="1600"/>
           </a:p>
           <a:p>
-            <a:pPr algn="ctr"/>
             <a:r>
               <a:rPr lang="sr-Cyrl-RS"/>
               <a:t>Београд, септембар 2021. године</a:t>
@@ -5888,7 +5882,7 @@
 </p:sld>
 </file>
 
-<file path=ppt/slides/slide10.xml><?xml version="1.0" encoding="utf-8"?>
+<file path=ppt/slides/slide2.xml><?xml version="1.0" encoding="utf-8"?>
 <p:sld xmlns:a="http://schemas.openxmlformats.org/drawingml/2006/main" xmlns:r="http://schemas.openxmlformats.org/officeDocument/2006/relationships" xmlns:p="http://schemas.openxmlformats.org/presentationml/2006/main">
   <p:cSld>
     <p:spTree>
@@ -5928,9 +5922,12 @@
           <a:p>
             <a:r>
               <a:rPr lang="sr-Cyrl-RS"/>
-              <a:t>Алати и библиотеке</a:t>
-            </a:r>
-            <a:endParaRPr lang="en-US"/>
+              <a:t>Шта је </a:t>
+            </a:r>
+            <a:r>
+              <a:rPr lang="en-US"/>
+              <a:t>CHIP-8?</a:t>
+            </a:r>
           </a:p>
         </p:txBody>
       </p:sp>
@@ -5956,39 +5953,64 @@
           <a:lstStyle/>
           <a:p>
             <a:r>
-              <a:rPr lang="en-US"/>
-              <a:t>C++ 17</a:t>
-            </a:r>
-          </a:p>
-          <a:p>
-            <a:r>
               <a:rPr lang="sr-Cyrl-RS"/>
-              <a:t>Графичка библиотека </a:t>
-            </a:r>
-            <a:r>
-              <a:rPr lang="en-US"/>
-              <a:t>SDL</a:t>
-            </a:r>
-          </a:p>
-          <a:p>
-            <a:r>
-              <a:rPr lang="en-US"/>
-              <a:t>CLion </a:t>
+              <a:t>Интерпретирани програмски језик из 1970</a:t>
+            </a:r>
+            <a:r>
+              <a:rPr lang="en-US"/>
+              <a:t>-</a:t>
             </a:r>
             <a:r>
               <a:rPr lang="sr-Cyrl-RS"/>
-              <a:t>развојно окружење</a:t>
-            </a:r>
-            <a:endParaRPr lang="en-US"/>
+              <a:t>их година</a:t>
+            </a:r>
           </a:p>
           <a:p>
             <a:r>
               <a:rPr lang="sr-Cyrl-RS"/>
-              <a:t>Оперативни систем </a:t>
-            </a:r>
-            <a:r>
-              <a:rPr lang="en-US"/>
-              <a:t>Windows</a:t>
+              <a:t>Осмишљен због лакшег развијања видео игара</a:t>
+            </a:r>
+          </a:p>
+          <a:p>
+            <a:r>
+              <a:rPr lang="en-US"/>
+              <a:t>CHIP-8 </a:t>
+            </a:r>
+            <a:r>
+              <a:rPr lang="sr-Cyrl-RS"/>
+              <a:t>програми се извршавају на </a:t>
+            </a:r>
+            <a:r>
+              <a:rPr lang="en-US"/>
+              <a:t>CHIP-8 </a:t>
+            </a:r>
+            <a:r>
+              <a:rPr lang="sr-Cyrl-RS"/>
+              <a:t>виртуелној машини</a:t>
+            </a:r>
+          </a:p>
+          <a:p>
+            <a:r>
+              <a:rPr lang="en-US"/>
+              <a:t>CHIP-8</a:t>
+            </a:r>
+            <a:r>
+              <a:rPr lang="sr-Cyrl-RS"/>
+              <a:t> покреће многе аркадне игре као што су </a:t>
+            </a:r>
+            <a:r>
+              <a:rPr lang="en-US"/>
+              <a:t>Tetris, Pong, Chicken Invaders </a:t>
+            </a:r>
+            <a:r>
+              <a:rPr lang="sr-Cyrl-RS"/>
+              <a:t>итд.</a:t>
+            </a:r>
+          </a:p>
+          <a:p>
+            <a:r>
+              <a:rPr lang="sr-Cyrl-RS"/>
+              <a:t>Архитектура слична данашњим рачунарима, садржи већину главних компоненти</a:t>
             </a:r>
           </a:p>
         </p:txBody>
@@ -5996,7 +6018,7 @@
     </p:spTree>
     <p:extLst>
       <p:ext uri="{BB962C8B-B14F-4D97-AF65-F5344CB8AC3E}">
-        <p14:creationId xmlns:p14="http://schemas.microsoft.com/office/powerpoint/2010/main" val="2402196292"/>
+        <p14:creationId xmlns:p14="http://schemas.microsoft.com/office/powerpoint/2010/main" val="3804310890"/>
       </p:ext>
     </p:extLst>
   </p:cSld>
@@ -6006,7 +6028,7 @@
 </p:sld>
 </file>
 
-<file path=ppt/slides/slide11.xml><?xml version="1.0" encoding="utf-8"?>
+<file path=ppt/slides/slide3.xml><?xml version="1.0" encoding="utf-8"?>
 <p:sld xmlns:a="http://schemas.openxmlformats.org/drawingml/2006/main" xmlns:r="http://schemas.openxmlformats.org/officeDocument/2006/relationships" xmlns:p="http://schemas.openxmlformats.org/presentationml/2006/main">
   <p:cSld>
     <p:spTree>
@@ -6046,7 +6068,514 @@
           <a:p>
             <a:r>
               <a:rPr lang="sr-Cyrl-RS"/>
-              <a:t>Приказ рада емулатора</a:t>
+              <a:t>Опис проблема</a:t>
+            </a:r>
+            <a:endParaRPr lang="en-US"/>
+          </a:p>
+        </p:txBody>
+      </p:sp>
+      <p:sp>
+        <p:nvSpPr>
+          <p:cNvPr id="3" name="Content Placeholder 2">
+            <a:extLst>
+              <a:ext uri="{FF2B5EF4-FFF2-40B4-BE49-F238E27FC236}">
+                <a16:creationId xmlns:a16="http://schemas.microsoft.com/office/drawing/2014/main" id="{5D98D4F2-8554-4967-A894-5E37CEF8A9C6}"/>
+              </a:ext>
+            </a:extLst>
+          </p:cNvPr>
+          <p:cNvSpPr>
+            <a:spLocks noGrp="1"/>
+          </p:cNvSpPr>
+          <p:nvPr>
+            <p:ph idx="1"/>
+          </p:nvPr>
+        </p:nvSpPr>
+        <p:spPr/>
+        <p:txBody>
+          <a:bodyPr/>
+          <a:lstStyle/>
+          <a:p>
+            <a:r>
+              <a:rPr lang="sr-Cyrl-RS"/>
+              <a:t>Имплементирати емулатор система са </a:t>
+            </a:r>
+            <a:r>
+              <a:rPr lang="en-US"/>
+              <a:t>CHIP-8 </a:t>
+            </a:r>
+            <a:r>
+              <a:rPr lang="sr-Cyrl-RS"/>
+              <a:t>архитектуром</a:t>
+            </a:r>
+          </a:p>
+          <a:p>
+            <a:r>
+              <a:rPr lang="sr-Cyrl-RS"/>
+              <a:t>Кораци у решавању проблема:</a:t>
+            </a:r>
+          </a:p>
+          <a:p>
+            <a:pPr lvl="1"/>
+            <a:r>
+              <a:rPr lang="sr-Cyrl-RS"/>
+              <a:t>Анализа архитектуре и имплементација хардвера</a:t>
+            </a:r>
+          </a:p>
+          <a:p>
+            <a:pPr lvl="1"/>
+            <a:r>
+              <a:rPr lang="sr-Cyrl-RS"/>
+              <a:t>Анализа инструкцијског сета</a:t>
+            </a:r>
+          </a:p>
+          <a:p>
+            <a:pPr lvl="1"/>
+            <a:r>
+              <a:rPr lang="sr-Cyrl-RS"/>
+              <a:t>Имплементација петље емулатора</a:t>
+            </a:r>
+          </a:p>
+          <a:p>
+            <a:pPr lvl="1"/>
+            <a:r>
+              <a:rPr lang="sr-Cyrl-RS"/>
+              <a:t>Реаговање програма на унос корисника са тастатуре</a:t>
+            </a:r>
+          </a:p>
+          <a:p>
+            <a:pPr lvl="1"/>
+            <a:r>
+              <a:rPr lang="sr-Cyrl-RS"/>
+              <a:t>Графички приказ извршавања програма</a:t>
+            </a:r>
+            <a:endParaRPr lang="en-US"/>
+          </a:p>
+        </p:txBody>
+      </p:sp>
+    </p:spTree>
+    <p:extLst>
+      <p:ext uri="{BB962C8B-B14F-4D97-AF65-F5344CB8AC3E}">
+        <p14:creationId xmlns:p14="http://schemas.microsoft.com/office/powerpoint/2010/main" val="1121989260"/>
+      </p:ext>
+    </p:extLst>
+  </p:cSld>
+  <p:clrMapOvr>
+    <a:masterClrMapping/>
+  </p:clrMapOvr>
+</p:sld>
+</file>
+
+<file path=ppt/slides/slide4.xml><?xml version="1.0" encoding="utf-8"?>
+<p:sld xmlns:a="http://schemas.openxmlformats.org/drawingml/2006/main" xmlns:r="http://schemas.openxmlformats.org/officeDocument/2006/relationships" xmlns:p="http://schemas.openxmlformats.org/presentationml/2006/main">
+  <p:cSld>
+    <p:spTree>
+      <p:nvGrpSpPr>
+        <p:cNvPr id="1" name=""/>
+        <p:cNvGrpSpPr/>
+        <p:nvPr/>
+      </p:nvGrpSpPr>
+      <p:grpSpPr>
+        <a:xfrm>
+          <a:off x="0" y="0"/>
+          <a:ext cx="0" cy="0"/>
+          <a:chOff x="0" y="0"/>
+          <a:chExt cx="0" cy="0"/>
+        </a:xfrm>
+      </p:grpSpPr>
+      <p:sp>
+        <p:nvSpPr>
+          <p:cNvPr id="2" name="Title 1">
+            <a:extLst>
+              <a:ext uri="{FF2B5EF4-FFF2-40B4-BE49-F238E27FC236}">
+                <a16:creationId xmlns:a16="http://schemas.microsoft.com/office/drawing/2014/main" id="{45C3D9FA-C7E0-49C3-A9FD-D13F0AEAF233}"/>
+              </a:ext>
+            </a:extLst>
+          </p:cNvPr>
+          <p:cNvSpPr>
+            <a:spLocks noGrp="1"/>
+          </p:cNvSpPr>
+          <p:nvPr>
+            <p:ph type="title"/>
+          </p:nvPr>
+        </p:nvSpPr>
+        <p:spPr/>
+        <p:txBody>
+          <a:bodyPr/>
+          <a:lstStyle/>
+          <a:p>
+            <a:r>
+              <a:rPr lang="sr-Cyrl-RS"/>
+              <a:t>Архитектура </a:t>
+            </a:r>
+            <a:r>
+              <a:rPr lang="en-US"/>
+              <a:t>CHIP-8 </a:t>
+            </a:r>
+            <a:r>
+              <a:rPr lang="sr-Cyrl-RS"/>
+              <a:t>система</a:t>
+            </a:r>
+            <a:endParaRPr lang="en-US"/>
+          </a:p>
+        </p:txBody>
+      </p:sp>
+      <p:sp>
+        <p:nvSpPr>
+          <p:cNvPr id="3" name="Content Placeholder 2">
+            <a:extLst>
+              <a:ext uri="{FF2B5EF4-FFF2-40B4-BE49-F238E27FC236}">
+                <a16:creationId xmlns:a16="http://schemas.microsoft.com/office/drawing/2014/main" id="{5D98D4F2-8554-4967-A894-5E37CEF8A9C6}"/>
+              </a:ext>
+            </a:extLst>
+          </p:cNvPr>
+          <p:cNvSpPr>
+            <a:spLocks noGrp="1"/>
+          </p:cNvSpPr>
+          <p:nvPr>
+            <p:ph idx="1"/>
+          </p:nvPr>
+        </p:nvSpPr>
+        <p:spPr/>
+        <p:txBody>
+          <a:bodyPr>
+            <a:normAutofit lnSpcReduction="10000"/>
+          </a:bodyPr>
+          <a:lstStyle/>
+          <a:p>
+            <a:r>
+              <a:rPr lang="en-US"/>
+              <a:t>[Memory] – </a:t>
+            </a:r>
+            <a:r>
+              <a:rPr lang="sr-Cyrl-RS"/>
+              <a:t>Адресни простор величине 4</a:t>
+            </a:r>
+            <a:r>
+              <a:rPr lang="en-US"/>
+              <a:t>KB</a:t>
+            </a:r>
+          </a:p>
+          <a:p>
+            <a:r>
+              <a:rPr lang="en-US"/>
+              <a:t>[V0-VF] </a:t>
+            </a:r>
+            <a:r>
+              <a:rPr lang="sr-Cyrl-RS"/>
+              <a:t>16 8-битних регистара опште намене </a:t>
+            </a:r>
+            <a:endParaRPr lang="en-US"/>
+          </a:p>
+          <a:p>
+            <a:r>
+              <a:rPr lang="en-US"/>
+              <a:t>[VF]</a:t>
+            </a:r>
+            <a:r>
+              <a:rPr lang="sr-Cyrl-RS"/>
+              <a:t> </a:t>
+            </a:r>
+            <a:r>
+              <a:rPr lang="en-US"/>
+              <a:t>-</a:t>
+            </a:r>
+            <a:r>
+              <a:rPr lang="sr-Cyrl-RS"/>
+              <a:t> помоћни регистар за чување информација</a:t>
+            </a:r>
+          </a:p>
+          <a:p>
+            <a:r>
+              <a:rPr lang="en-US"/>
+              <a:t>[I] – </a:t>
+            </a:r>
+            <a:r>
+              <a:rPr lang="sr-Cyrl-RS"/>
+              <a:t>16-битни индексни регистар</a:t>
+            </a:r>
+          </a:p>
+          <a:p>
+            <a:r>
+              <a:rPr lang="en-US"/>
+              <a:t>[PC] – </a:t>
+            </a:r>
+            <a:r>
+              <a:rPr lang="sr-Cyrl-RS"/>
+              <a:t>16-битни регистар који указује на следећу инструкцију</a:t>
+            </a:r>
+          </a:p>
+          <a:p>
+            <a:r>
+              <a:rPr lang="en-US"/>
+              <a:t>[DT] – Delay Timer</a:t>
+            </a:r>
+            <a:endParaRPr lang="sr-Cyrl-RS"/>
+          </a:p>
+          <a:p>
+            <a:r>
+              <a:rPr lang="en-US"/>
+              <a:t>[ST] – Sound Timer</a:t>
+            </a:r>
+          </a:p>
+          <a:p>
+            <a:r>
+              <a:rPr lang="en-US"/>
+              <a:t>[SP] – </a:t>
+            </a:r>
+            <a:r>
+              <a:rPr lang="sr-Cyrl-RS"/>
+              <a:t>стек 16-битних адреса за повратак из потптограма</a:t>
+            </a:r>
+            <a:endParaRPr lang="en-US"/>
+          </a:p>
+          <a:p>
+            <a:r>
+              <a:rPr lang="en-US"/>
+              <a:t>[Keyboard] – </a:t>
+            </a:r>
+            <a:r>
+              <a:rPr lang="sr-Cyrl-RS"/>
+              <a:t>Тастатура од 16 тастера</a:t>
+            </a:r>
+          </a:p>
+          <a:p>
+            <a:r>
+              <a:rPr lang="en-US"/>
+              <a:t>[Display] – </a:t>
+            </a:r>
+            <a:r>
+              <a:rPr lang="sr-Cyrl-RS"/>
+              <a:t>Монохроматски дисплеј димензија 64</a:t>
+            </a:r>
+            <a:r>
+              <a:rPr lang="en-US"/>
+              <a:t> x 32</a:t>
+            </a:r>
+            <a:endParaRPr lang="sr-Cyrl-RS"/>
+          </a:p>
+          <a:p>
+            <a:endParaRPr lang="en-US"/>
+          </a:p>
+        </p:txBody>
+      </p:sp>
+    </p:spTree>
+    <p:extLst>
+      <p:ext uri="{BB962C8B-B14F-4D97-AF65-F5344CB8AC3E}">
+        <p14:creationId xmlns:p14="http://schemas.microsoft.com/office/powerpoint/2010/main" val="1071272781"/>
+      </p:ext>
+    </p:extLst>
+  </p:cSld>
+  <p:clrMapOvr>
+    <a:masterClrMapping/>
+  </p:clrMapOvr>
+</p:sld>
+</file>
+
+<file path=ppt/slides/slide5.xml><?xml version="1.0" encoding="utf-8"?>
+<p:sld xmlns:a="http://schemas.openxmlformats.org/drawingml/2006/main" xmlns:r="http://schemas.openxmlformats.org/officeDocument/2006/relationships" xmlns:p="http://schemas.openxmlformats.org/presentationml/2006/main">
+  <p:cSld>
+    <p:bg>
+      <p:bgPr>
+        <a:solidFill>
+          <a:schemeClr val="bg1"/>
+        </a:solidFill>
+        <a:effectLst/>
+      </p:bgPr>
+    </p:bg>
+    <p:spTree>
+      <p:nvGrpSpPr>
+        <p:cNvPr id="1" name=""/>
+        <p:cNvGrpSpPr/>
+        <p:nvPr/>
+      </p:nvGrpSpPr>
+      <p:grpSpPr>
+        <a:xfrm>
+          <a:off x="0" y="0"/>
+          <a:ext cx="0" cy="0"/>
+          <a:chOff x="0" y="0"/>
+          <a:chExt cx="0" cy="0"/>
+        </a:xfrm>
+      </p:grpSpPr>
+      <p:sp>
+        <p:nvSpPr>
+          <p:cNvPr id="2" name="Title 1">
+            <a:extLst>
+              <a:ext uri="{FF2B5EF4-FFF2-40B4-BE49-F238E27FC236}">
+                <a16:creationId xmlns:a16="http://schemas.microsoft.com/office/drawing/2014/main" id="{45C3D9FA-C7E0-49C3-A9FD-D13F0AEAF233}"/>
+              </a:ext>
+            </a:extLst>
+          </p:cNvPr>
+          <p:cNvSpPr>
+            <a:spLocks noGrp="1"/>
+          </p:cNvSpPr>
+          <p:nvPr>
+            <p:ph type="title"/>
+          </p:nvPr>
+        </p:nvSpPr>
+        <p:spPr>
+          <a:xfrm>
+            <a:off x="4673600" y="764373"/>
+            <a:ext cx="6832600" cy="1293028"/>
+          </a:xfrm>
+        </p:spPr>
+        <p:txBody>
+          <a:bodyPr>
+            <a:normAutofit/>
+          </a:bodyPr>
+          <a:lstStyle/>
+          <a:p>
+            <a:r>
+              <a:rPr lang="sr-Cyrl-RS"/>
+              <a:t>Графички приказ система</a:t>
+            </a:r>
+            <a:endParaRPr lang="en-US"/>
+          </a:p>
+        </p:txBody>
+      </p:sp>
+      <p:pic>
+        <p:nvPicPr>
+          <p:cNvPr id="5" name="Content Placeholder 4">
+            <a:extLst>
+              <a:ext uri="{FF2B5EF4-FFF2-40B4-BE49-F238E27FC236}">
+                <a16:creationId xmlns:a16="http://schemas.microsoft.com/office/drawing/2014/main" id="{7D9D509A-0BEB-4065-8B60-B143D516FCF4}"/>
+              </a:ext>
+            </a:extLst>
+          </p:cNvPr>
+          <p:cNvPicPr>
+            <a:picLocks noChangeAspect="1"/>
+          </p:cNvPicPr>
+          <p:nvPr/>
+        </p:nvPicPr>
+        <p:blipFill>
+          <a:blip r:embed="rId2"/>
+          <a:stretch>
+            <a:fillRect/>
+          </a:stretch>
+        </p:blipFill>
+        <p:spPr>
+          <a:xfrm>
+            <a:off x="6050598" y="2057401"/>
+            <a:ext cx="5476854" cy="2914649"/>
+          </a:xfrm>
+          <a:prstGeom prst="rect">
+            <a:avLst/>
+          </a:prstGeom>
+        </p:spPr>
+      </p:pic>
+      <p:pic>
+        <p:nvPicPr>
+          <p:cNvPr id="7" name="Picture 6">
+            <a:extLst>
+              <a:ext uri="{FF2B5EF4-FFF2-40B4-BE49-F238E27FC236}">
+                <a16:creationId xmlns:a16="http://schemas.microsoft.com/office/drawing/2014/main" id="{B344D65E-3A31-4316-ADF3-F8665ABF5A07}"/>
+              </a:ext>
+            </a:extLst>
+          </p:cNvPr>
+          <p:cNvPicPr>
+            <a:picLocks noChangeAspect="1"/>
+          </p:cNvPicPr>
+          <p:nvPr/>
+        </p:nvPicPr>
+        <p:blipFill>
+          <a:blip r:embed="rId3"/>
+          <a:stretch>
+            <a:fillRect/>
+          </a:stretch>
+        </p:blipFill>
+        <p:spPr>
+          <a:xfrm>
+            <a:off x="778848" y="1506941"/>
+            <a:ext cx="4928852" cy="2610565"/>
+          </a:xfrm>
+          <a:prstGeom prst="rect">
+            <a:avLst/>
+          </a:prstGeom>
+        </p:spPr>
+      </p:pic>
+      <p:pic>
+        <p:nvPicPr>
+          <p:cNvPr id="6" name="Content Placeholder 4">
+            <a:extLst>
+              <a:ext uri="{FF2B5EF4-FFF2-40B4-BE49-F238E27FC236}">
+                <a16:creationId xmlns:a16="http://schemas.microsoft.com/office/drawing/2014/main" id="{89D0B5EF-6C7F-483F-A5A6-D93FC70B5121}"/>
+              </a:ext>
+            </a:extLst>
+          </p:cNvPr>
+          <p:cNvPicPr>
+            <a:picLocks noChangeAspect="1"/>
+          </p:cNvPicPr>
+          <p:nvPr/>
+        </p:nvPicPr>
+        <p:blipFill>
+          <a:blip r:embed="rId4"/>
+          <a:stretch>
+            <a:fillRect/>
+          </a:stretch>
+        </p:blipFill>
+        <p:spPr>
+          <a:xfrm>
+            <a:off x="664548" y="4195388"/>
+            <a:ext cx="5043152" cy="2662611"/>
+          </a:xfrm>
+          <a:prstGeom prst="rect">
+            <a:avLst/>
+          </a:prstGeom>
+        </p:spPr>
+      </p:pic>
+    </p:spTree>
+    <p:extLst>
+      <p:ext uri="{BB962C8B-B14F-4D97-AF65-F5344CB8AC3E}">
+        <p14:creationId xmlns:p14="http://schemas.microsoft.com/office/powerpoint/2010/main" val="3998515542"/>
+      </p:ext>
+    </p:extLst>
+  </p:cSld>
+  <p:clrMapOvr>
+    <a:masterClrMapping/>
+  </p:clrMapOvr>
+</p:sld>
+</file>
+
+<file path=ppt/slides/slide6.xml><?xml version="1.0" encoding="utf-8"?>
+<p:sld xmlns:a="http://schemas.openxmlformats.org/drawingml/2006/main" xmlns:r="http://schemas.openxmlformats.org/officeDocument/2006/relationships" xmlns:p="http://schemas.openxmlformats.org/presentationml/2006/main">
+  <p:cSld>
+    <p:spTree>
+      <p:nvGrpSpPr>
+        <p:cNvPr id="1" name=""/>
+        <p:cNvGrpSpPr/>
+        <p:nvPr/>
+      </p:nvGrpSpPr>
+      <p:grpSpPr>
+        <a:xfrm>
+          <a:off x="0" y="0"/>
+          <a:ext cx="0" cy="0"/>
+          <a:chOff x="0" y="0"/>
+          <a:chExt cx="0" cy="0"/>
+        </a:xfrm>
+      </p:grpSpPr>
+      <p:sp>
+        <p:nvSpPr>
+          <p:cNvPr id="2" name="Title 1">
+            <a:extLst>
+              <a:ext uri="{FF2B5EF4-FFF2-40B4-BE49-F238E27FC236}">
+                <a16:creationId xmlns:a16="http://schemas.microsoft.com/office/drawing/2014/main" id="{45C3D9FA-C7E0-49C3-A9FD-D13F0AEAF233}"/>
+              </a:ext>
+            </a:extLst>
+          </p:cNvPr>
+          <p:cNvSpPr>
+            <a:spLocks noGrp="1"/>
+          </p:cNvSpPr>
+          <p:nvPr>
+            <p:ph type="title"/>
+          </p:nvPr>
+        </p:nvSpPr>
+        <p:spPr/>
+        <p:txBody>
+          <a:bodyPr/>
+          <a:lstStyle/>
+          <a:p>
+            <a:r>
+              <a:rPr lang="sr-Cyrl-RS"/>
+              <a:t>Приказ рада СИСТЕМА</a:t>
             </a:r>
             <a:endParaRPr lang="en-US"/>
           </a:p>
@@ -6083,8 +6612,8 @@
         </p:blipFill>
         <p:spPr>
           <a:xfrm>
-            <a:off x="2239862" y="1631861"/>
-            <a:ext cx="9169298" cy="5157349"/>
+            <a:off x="2427033" y="1682556"/>
+            <a:ext cx="9079167" cy="5106654"/>
           </a:xfrm>
         </p:spPr>
       </p:pic>
@@ -6236,5737 +6765,6 @@
 </p:sld>
 </file>
 
-<file path=ppt/slides/slide12.xml><?xml version="1.0" encoding="utf-8"?>
-<p:sld xmlns:a="http://schemas.openxmlformats.org/drawingml/2006/main" xmlns:r="http://schemas.openxmlformats.org/officeDocument/2006/relationships" xmlns:p="http://schemas.openxmlformats.org/presentationml/2006/main">
-  <p:cSld>
-    <p:spTree>
-      <p:nvGrpSpPr>
-        <p:cNvPr id="1" name=""/>
-        <p:cNvGrpSpPr/>
-        <p:nvPr/>
-      </p:nvGrpSpPr>
-      <p:grpSpPr>
-        <a:xfrm>
-          <a:off x="0" y="0"/>
-          <a:ext cx="0" cy="0"/>
-          <a:chOff x="0" y="0"/>
-          <a:chExt cx="0" cy="0"/>
-        </a:xfrm>
-      </p:grpSpPr>
-      <p:sp>
-        <p:nvSpPr>
-          <p:cNvPr id="2" name="Title 1">
-            <a:extLst>
-              <a:ext uri="{FF2B5EF4-FFF2-40B4-BE49-F238E27FC236}">
-                <a16:creationId xmlns:a16="http://schemas.microsoft.com/office/drawing/2014/main" id="{45C3D9FA-C7E0-49C3-A9FD-D13F0AEAF233}"/>
-              </a:ext>
-            </a:extLst>
-          </p:cNvPr>
-          <p:cNvSpPr>
-            <a:spLocks noGrp="1"/>
-          </p:cNvSpPr>
-          <p:nvPr>
-            <p:ph type="title"/>
-          </p:nvPr>
-        </p:nvSpPr>
-        <p:spPr/>
-        <p:txBody>
-          <a:bodyPr/>
-          <a:lstStyle/>
-          <a:p>
-            <a:r>
-              <a:rPr lang="sr-Cyrl-RS"/>
-              <a:t>Закључак</a:t>
-            </a:r>
-            <a:endParaRPr lang="en-US"/>
-          </a:p>
-        </p:txBody>
-      </p:sp>
-      <p:sp>
-        <p:nvSpPr>
-          <p:cNvPr id="3" name="Content Placeholder 2">
-            <a:extLst>
-              <a:ext uri="{FF2B5EF4-FFF2-40B4-BE49-F238E27FC236}">
-                <a16:creationId xmlns:a16="http://schemas.microsoft.com/office/drawing/2014/main" id="{5D98D4F2-8554-4967-A894-5E37CEF8A9C6}"/>
-              </a:ext>
-            </a:extLst>
-          </p:cNvPr>
-          <p:cNvSpPr>
-            <a:spLocks noGrp="1"/>
-          </p:cNvSpPr>
-          <p:nvPr>
-            <p:ph idx="1"/>
-          </p:nvPr>
-        </p:nvSpPr>
-        <p:spPr/>
-        <p:txBody>
-          <a:bodyPr/>
-          <a:lstStyle/>
-          <a:p>
-            <a:r>
-              <a:rPr lang="sr-Cyrl-RS"/>
-              <a:t>Потпуно искуство играња аркадних видео игара</a:t>
-            </a:r>
-            <a:r>
-              <a:rPr lang="en-US"/>
-              <a:t>:</a:t>
-            </a:r>
-          </a:p>
-          <a:p>
-            <a:pPr lvl="1"/>
-            <a:r>
-              <a:rPr lang="sr-Cyrl-RS"/>
-              <a:t>Интерактивни мени за одабир игара</a:t>
-            </a:r>
-          </a:p>
-          <a:p>
-            <a:pPr lvl="1"/>
-            <a:r>
-              <a:rPr lang="sr-Cyrl-RS"/>
-              <a:t>Конфигурабилни монохроматски дисплеј</a:t>
-            </a:r>
-          </a:p>
-          <a:p>
-            <a:pPr lvl="1"/>
-            <a:r>
-              <a:rPr lang="sr-Cyrl-RS"/>
-              <a:t>Прозор са упутством за сваку игру</a:t>
-            </a:r>
-          </a:p>
-          <a:p>
-            <a:pPr lvl="1"/>
-            <a:r>
-              <a:rPr lang="sr-Cyrl-RS"/>
-              <a:t>Музика коју је могуће укључити</a:t>
-            </a:r>
-            <a:r>
-              <a:rPr lang="en-US"/>
-              <a:t>/</a:t>
-            </a:r>
-            <a:r>
-              <a:rPr lang="sr-Cyrl-RS"/>
-              <a:t>искључити</a:t>
-            </a:r>
-          </a:p>
-          <a:p>
-            <a:pPr lvl="1"/>
-            <a:r>
-              <a:rPr lang="sr-Cyrl-RS"/>
-              <a:t>Емулатор који интерпретира игре и приказује их на екрану</a:t>
-            </a:r>
-          </a:p>
-          <a:p>
-            <a:r>
-              <a:rPr lang="sr-Cyrl-RS"/>
-              <a:t>Унапређење тренутне имплементације</a:t>
-            </a:r>
-            <a:r>
-              <a:rPr lang="en-US"/>
-              <a:t>:</a:t>
-            </a:r>
-          </a:p>
-          <a:p>
-            <a:pPr lvl="1"/>
-            <a:r>
-              <a:rPr lang="sr-Cyrl-RS"/>
-              <a:t>Динамичка рекомпилација</a:t>
-            </a:r>
-          </a:p>
-          <a:p>
-            <a:pPr lvl="1"/>
-            <a:r>
-              <a:rPr lang="sr-Cyrl-RS"/>
-              <a:t>Граматика и асемблер за програме написане на </a:t>
-            </a:r>
-            <a:r>
-              <a:rPr lang="en-US"/>
-              <a:t>CHIP-8 </a:t>
-            </a:r>
-            <a:r>
-              <a:rPr lang="sr-Cyrl-RS"/>
-              <a:t>језику</a:t>
-            </a:r>
-          </a:p>
-          <a:p>
-            <a:pPr lvl="1"/>
-            <a:r>
-              <a:rPr lang="sr-Cyrl-RS"/>
-              <a:t>Допуњени инструкцијски сет у новијим верзијама </a:t>
-            </a:r>
-            <a:r>
-              <a:rPr lang="en-US"/>
-              <a:t>CHIP-8 </a:t>
-            </a:r>
-            <a:r>
-              <a:rPr lang="sr-Cyrl-RS"/>
-              <a:t>архитектуре</a:t>
-            </a:r>
-            <a:endParaRPr lang="en-US"/>
-          </a:p>
-        </p:txBody>
-      </p:sp>
-    </p:spTree>
-    <p:extLst>
-      <p:ext uri="{BB962C8B-B14F-4D97-AF65-F5344CB8AC3E}">
-        <p14:creationId xmlns:p14="http://schemas.microsoft.com/office/powerpoint/2010/main" val="3911287364"/>
-      </p:ext>
-    </p:extLst>
-  </p:cSld>
-  <p:clrMapOvr>
-    <a:masterClrMapping/>
-  </p:clrMapOvr>
-</p:sld>
-</file>
-
-<file path=ppt/slides/slide13.xml><?xml version="1.0" encoding="utf-8"?>
-<p:sld xmlns:a="http://schemas.openxmlformats.org/drawingml/2006/main" xmlns:r="http://schemas.openxmlformats.org/officeDocument/2006/relationships" xmlns:p="http://schemas.openxmlformats.org/presentationml/2006/main">
-  <p:cSld>
-    <p:spTree>
-      <p:nvGrpSpPr>
-        <p:cNvPr id="1" name=""/>
-        <p:cNvGrpSpPr/>
-        <p:nvPr/>
-      </p:nvGrpSpPr>
-      <p:grpSpPr>
-        <a:xfrm>
-          <a:off x="0" y="0"/>
-          <a:ext cx="0" cy="0"/>
-          <a:chOff x="0" y="0"/>
-          <a:chExt cx="0" cy="0"/>
-        </a:xfrm>
-      </p:grpSpPr>
-      <p:sp>
-        <p:nvSpPr>
-          <p:cNvPr id="3" name="Content Placeholder 2">
-            <a:extLst>
-              <a:ext uri="{FF2B5EF4-FFF2-40B4-BE49-F238E27FC236}">
-                <a16:creationId xmlns:a16="http://schemas.microsoft.com/office/drawing/2014/main" id="{BB0114EB-1C67-41BE-A19D-C0D521AD4C7A}"/>
-              </a:ext>
-            </a:extLst>
-          </p:cNvPr>
-          <p:cNvSpPr>
-            <a:spLocks noGrp="1"/>
-          </p:cNvSpPr>
-          <p:nvPr>
-            <p:ph idx="1"/>
-          </p:nvPr>
-        </p:nvSpPr>
-        <p:spPr>
-          <a:xfrm>
-            <a:off x="1187391" y="2328784"/>
-            <a:ext cx="9817217" cy="2956279"/>
-          </a:xfrm>
-        </p:spPr>
-        <p:txBody>
-          <a:bodyPr>
-            <a:noAutofit/>
-          </a:bodyPr>
-          <a:lstStyle/>
-          <a:p>
-            <a:pPr marL="0" indent="0" algn="ctr">
-              <a:buNone/>
-            </a:pPr>
-            <a:r>
-              <a:rPr lang="sr-Cyrl-RS" sz="9600"/>
-              <a:t>ХВАЛА НА ПАЖЊИ!</a:t>
-            </a:r>
-            <a:endParaRPr lang="en-US" sz="9600"/>
-          </a:p>
-        </p:txBody>
-      </p:sp>
-    </p:spTree>
-    <p:extLst>
-      <p:ext uri="{BB962C8B-B14F-4D97-AF65-F5344CB8AC3E}">
-        <p14:creationId xmlns:p14="http://schemas.microsoft.com/office/powerpoint/2010/main" val="2387478300"/>
-      </p:ext>
-    </p:extLst>
-  </p:cSld>
-  <p:clrMapOvr>
-    <a:masterClrMapping/>
-  </p:clrMapOvr>
-</p:sld>
-</file>
-
-<file path=ppt/slides/slide2.xml><?xml version="1.0" encoding="utf-8"?>
-<p:sld xmlns:a="http://schemas.openxmlformats.org/drawingml/2006/main" xmlns:r="http://schemas.openxmlformats.org/officeDocument/2006/relationships" xmlns:p="http://schemas.openxmlformats.org/presentationml/2006/main">
-  <p:cSld>
-    <p:spTree>
-      <p:nvGrpSpPr>
-        <p:cNvPr id="1" name=""/>
-        <p:cNvGrpSpPr/>
-        <p:nvPr/>
-      </p:nvGrpSpPr>
-      <p:grpSpPr>
-        <a:xfrm>
-          <a:off x="0" y="0"/>
-          <a:ext cx="0" cy="0"/>
-          <a:chOff x="0" y="0"/>
-          <a:chExt cx="0" cy="0"/>
-        </a:xfrm>
-      </p:grpSpPr>
-      <p:sp>
-        <p:nvSpPr>
-          <p:cNvPr id="2" name="Title 1">
-            <a:extLst>
-              <a:ext uri="{FF2B5EF4-FFF2-40B4-BE49-F238E27FC236}">
-                <a16:creationId xmlns:a16="http://schemas.microsoft.com/office/drawing/2014/main" id="{45C3D9FA-C7E0-49C3-A9FD-D13F0AEAF233}"/>
-              </a:ext>
-            </a:extLst>
-          </p:cNvPr>
-          <p:cNvSpPr>
-            <a:spLocks noGrp="1"/>
-          </p:cNvSpPr>
-          <p:nvPr>
-            <p:ph type="title"/>
-          </p:nvPr>
-        </p:nvSpPr>
-        <p:spPr/>
-        <p:txBody>
-          <a:bodyPr/>
-          <a:lstStyle/>
-          <a:p>
-            <a:r>
-              <a:rPr lang="sr-Cyrl-RS"/>
-              <a:t>Шта је </a:t>
-            </a:r>
-            <a:r>
-              <a:rPr lang="en-US"/>
-              <a:t>CHIP-8?</a:t>
-            </a:r>
-          </a:p>
-        </p:txBody>
-      </p:sp>
-      <p:sp>
-        <p:nvSpPr>
-          <p:cNvPr id="3" name="Content Placeholder 2">
-            <a:extLst>
-              <a:ext uri="{FF2B5EF4-FFF2-40B4-BE49-F238E27FC236}">
-                <a16:creationId xmlns:a16="http://schemas.microsoft.com/office/drawing/2014/main" id="{5D98D4F2-8554-4967-A894-5E37CEF8A9C6}"/>
-              </a:ext>
-            </a:extLst>
-          </p:cNvPr>
-          <p:cNvSpPr>
-            <a:spLocks noGrp="1"/>
-          </p:cNvSpPr>
-          <p:nvPr>
-            <p:ph idx="1"/>
-          </p:nvPr>
-        </p:nvSpPr>
-        <p:spPr/>
-        <p:txBody>
-          <a:bodyPr/>
-          <a:lstStyle/>
-          <a:p>
-            <a:r>
-              <a:rPr lang="sr-Cyrl-RS"/>
-              <a:t>Интерпретирани програмски језик из 1970</a:t>
-            </a:r>
-            <a:r>
-              <a:rPr lang="en-US"/>
-              <a:t>-</a:t>
-            </a:r>
-            <a:r>
-              <a:rPr lang="sr-Cyrl-RS"/>
-              <a:t>их година</a:t>
-            </a:r>
-          </a:p>
-          <a:p>
-            <a:r>
-              <a:rPr lang="sr-Cyrl-RS"/>
-              <a:t>Осмишљен због лакшег развијања видео игара</a:t>
-            </a:r>
-          </a:p>
-          <a:p>
-            <a:r>
-              <a:rPr lang="en-US"/>
-              <a:t>CHIP-8 </a:t>
-            </a:r>
-            <a:r>
-              <a:rPr lang="sr-Cyrl-RS"/>
-              <a:t>програми се извршавају на </a:t>
-            </a:r>
-            <a:r>
-              <a:rPr lang="en-US"/>
-              <a:t>CHIP-8 </a:t>
-            </a:r>
-            <a:r>
-              <a:rPr lang="sr-Cyrl-RS"/>
-              <a:t>виртуелној машини</a:t>
-            </a:r>
-          </a:p>
-          <a:p>
-            <a:r>
-              <a:rPr lang="en-US"/>
-              <a:t>CHIP-8</a:t>
-            </a:r>
-            <a:r>
-              <a:rPr lang="sr-Cyrl-RS"/>
-              <a:t> покреће многе аркадне игре као што су </a:t>
-            </a:r>
-            <a:r>
-              <a:rPr lang="en-US"/>
-              <a:t>Tetris, Pong, Chicken Invaders </a:t>
-            </a:r>
-            <a:r>
-              <a:rPr lang="sr-Cyrl-RS"/>
-              <a:t>итд.</a:t>
-            </a:r>
-          </a:p>
-          <a:p>
-            <a:r>
-              <a:rPr lang="sr-Cyrl-RS"/>
-              <a:t>Архитектура слична данашњим рачунарима, садржи већину главних компоненти</a:t>
-            </a:r>
-          </a:p>
-        </p:txBody>
-      </p:sp>
-    </p:spTree>
-    <p:extLst>
-      <p:ext uri="{BB962C8B-B14F-4D97-AF65-F5344CB8AC3E}">
-        <p14:creationId xmlns:p14="http://schemas.microsoft.com/office/powerpoint/2010/main" val="3804310890"/>
-      </p:ext>
-    </p:extLst>
-  </p:cSld>
-  <p:clrMapOvr>
-    <a:masterClrMapping/>
-  </p:clrMapOvr>
-</p:sld>
-</file>
-
-<file path=ppt/slides/slide3.xml><?xml version="1.0" encoding="utf-8"?>
-<p:sld xmlns:a="http://schemas.openxmlformats.org/drawingml/2006/main" xmlns:r="http://schemas.openxmlformats.org/officeDocument/2006/relationships" xmlns:p="http://schemas.openxmlformats.org/presentationml/2006/main">
-  <p:cSld>
-    <p:spTree>
-      <p:nvGrpSpPr>
-        <p:cNvPr id="1" name=""/>
-        <p:cNvGrpSpPr/>
-        <p:nvPr/>
-      </p:nvGrpSpPr>
-      <p:grpSpPr>
-        <a:xfrm>
-          <a:off x="0" y="0"/>
-          <a:ext cx="0" cy="0"/>
-          <a:chOff x="0" y="0"/>
-          <a:chExt cx="0" cy="0"/>
-        </a:xfrm>
-      </p:grpSpPr>
-      <p:sp>
-        <p:nvSpPr>
-          <p:cNvPr id="2" name="Title 1">
-            <a:extLst>
-              <a:ext uri="{FF2B5EF4-FFF2-40B4-BE49-F238E27FC236}">
-                <a16:creationId xmlns:a16="http://schemas.microsoft.com/office/drawing/2014/main" id="{45C3D9FA-C7E0-49C3-A9FD-D13F0AEAF233}"/>
-              </a:ext>
-            </a:extLst>
-          </p:cNvPr>
-          <p:cNvSpPr>
-            <a:spLocks noGrp="1"/>
-          </p:cNvSpPr>
-          <p:nvPr>
-            <p:ph type="title"/>
-          </p:nvPr>
-        </p:nvSpPr>
-        <p:spPr/>
-        <p:txBody>
-          <a:bodyPr/>
-          <a:lstStyle/>
-          <a:p>
-            <a:r>
-              <a:rPr lang="sr-Cyrl-RS"/>
-              <a:t>Опис проблема</a:t>
-            </a:r>
-            <a:endParaRPr lang="en-US"/>
-          </a:p>
-        </p:txBody>
-      </p:sp>
-      <p:sp>
-        <p:nvSpPr>
-          <p:cNvPr id="3" name="Content Placeholder 2">
-            <a:extLst>
-              <a:ext uri="{FF2B5EF4-FFF2-40B4-BE49-F238E27FC236}">
-                <a16:creationId xmlns:a16="http://schemas.microsoft.com/office/drawing/2014/main" id="{5D98D4F2-8554-4967-A894-5E37CEF8A9C6}"/>
-              </a:ext>
-            </a:extLst>
-          </p:cNvPr>
-          <p:cNvSpPr>
-            <a:spLocks noGrp="1"/>
-          </p:cNvSpPr>
-          <p:nvPr>
-            <p:ph idx="1"/>
-          </p:nvPr>
-        </p:nvSpPr>
-        <p:spPr/>
-        <p:txBody>
-          <a:bodyPr/>
-          <a:lstStyle/>
-          <a:p>
-            <a:r>
-              <a:rPr lang="sr-Cyrl-RS"/>
-              <a:t>Архитектура и имплементација хардвера</a:t>
-            </a:r>
-          </a:p>
-          <a:p>
-            <a:r>
-              <a:rPr lang="sr-Cyrl-RS"/>
-              <a:t>Анализа инструкцијског сета</a:t>
-            </a:r>
-          </a:p>
-          <a:p>
-            <a:r>
-              <a:rPr lang="sr-Cyrl-RS"/>
-              <a:t>Имплементација петље емулатора</a:t>
-            </a:r>
-          </a:p>
-          <a:p>
-            <a:r>
-              <a:rPr lang="sr-Cyrl-RS"/>
-              <a:t>Реаговање програма на унос корисника са тастатуре</a:t>
-            </a:r>
-          </a:p>
-          <a:p>
-            <a:r>
-              <a:rPr lang="sr-Cyrl-RS"/>
-              <a:t>Графички приказ извршавања програма</a:t>
-            </a:r>
-            <a:endParaRPr lang="en-US"/>
-          </a:p>
-        </p:txBody>
-      </p:sp>
-    </p:spTree>
-    <p:extLst>
-      <p:ext uri="{BB962C8B-B14F-4D97-AF65-F5344CB8AC3E}">
-        <p14:creationId xmlns:p14="http://schemas.microsoft.com/office/powerpoint/2010/main" val="1121989260"/>
-      </p:ext>
-    </p:extLst>
-  </p:cSld>
-  <p:clrMapOvr>
-    <a:masterClrMapping/>
-  </p:clrMapOvr>
-</p:sld>
-</file>
-
-<file path=ppt/slides/slide4.xml><?xml version="1.0" encoding="utf-8"?>
-<p:sld xmlns:a="http://schemas.openxmlformats.org/drawingml/2006/main" xmlns:r="http://schemas.openxmlformats.org/officeDocument/2006/relationships" xmlns:p="http://schemas.openxmlformats.org/presentationml/2006/main">
-  <p:cSld>
-    <p:bg>
-      <p:bgPr>
-        <a:solidFill>
-          <a:schemeClr val="bg1"/>
-        </a:solidFill>
-        <a:effectLst/>
-      </p:bgPr>
-    </p:bg>
-    <p:spTree>
-      <p:nvGrpSpPr>
-        <p:cNvPr id="1" name=""/>
-        <p:cNvGrpSpPr/>
-        <p:nvPr/>
-      </p:nvGrpSpPr>
-      <p:grpSpPr>
-        <a:xfrm>
-          <a:off x="0" y="0"/>
-          <a:ext cx="0" cy="0"/>
-          <a:chOff x="0" y="0"/>
-          <a:chExt cx="0" cy="0"/>
-        </a:xfrm>
-      </p:grpSpPr>
-      <p:sp>
-        <p:nvSpPr>
-          <p:cNvPr id="2" name="Title 1">
-            <a:extLst>
-              <a:ext uri="{FF2B5EF4-FFF2-40B4-BE49-F238E27FC236}">
-                <a16:creationId xmlns:a16="http://schemas.microsoft.com/office/drawing/2014/main" id="{45C3D9FA-C7E0-49C3-A9FD-D13F0AEAF233}"/>
-              </a:ext>
-            </a:extLst>
-          </p:cNvPr>
-          <p:cNvSpPr>
-            <a:spLocks noGrp="1"/>
-          </p:cNvSpPr>
-          <p:nvPr>
-            <p:ph type="title"/>
-          </p:nvPr>
-        </p:nvSpPr>
-        <p:spPr>
-          <a:xfrm>
-            <a:off x="2895600" y="764373"/>
-            <a:ext cx="8610600" cy="1293028"/>
-          </a:xfrm>
-        </p:spPr>
-        <p:txBody>
-          <a:bodyPr>
-            <a:normAutofit/>
-          </a:bodyPr>
-          <a:lstStyle/>
-          <a:p>
-            <a:r>
-              <a:rPr lang="sr-Cyrl-RS"/>
-              <a:t>Адресни простор</a:t>
-            </a:r>
-            <a:endParaRPr lang="en-US"/>
-          </a:p>
-        </p:txBody>
-      </p:sp>
-      <p:sp>
-        <p:nvSpPr>
-          <p:cNvPr id="9" name="Content Placeholder 8">
-            <a:extLst>
-              <a:ext uri="{FF2B5EF4-FFF2-40B4-BE49-F238E27FC236}">
-                <a16:creationId xmlns:a16="http://schemas.microsoft.com/office/drawing/2014/main" id="{59DF842B-4F6C-47CA-B181-4EFF9EFA66E1}"/>
-              </a:ext>
-            </a:extLst>
-          </p:cNvPr>
-          <p:cNvSpPr>
-            <a:spLocks noGrp="1"/>
-          </p:cNvSpPr>
-          <p:nvPr>
-            <p:ph idx="1"/>
-          </p:nvPr>
-        </p:nvSpPr>
-        <p:spPr>
-          <a:xfrm>
-            <a:off x="677333" y="2194560"/>
-            <a:ext cx="5816600" cy="4024125"/>
-          </a:xfrm>
-        </p:spPr>
-        <p:txBody>
-          <a:bodyPr>
-            <a:normAutofit/>
-          </a:bodyPr>
-          <a:lstStyle/>
-          <a:p>
-            <a:r>
-              <a:rPr lang="sr-Cyrl-RS"/>
-              <a:t>Адресни простор величине 4</a:t>
-            </a:r>
-            <a:r>
-              <a:rPr lang="en-US"/>
-              <a:t>KB</a:t>
-            </a:r>
-          </a:p>
-          <a:p>
-            <a:r>
-              <a:rPr lang="en-US"/>
-              <a:t>Big-Endian </a:t>
-            </a:r>
-            <a:r>
-              <a:rPr lang="sr-Cyrl-RS"/>
-              <a:t>формат</a:t>
-            </a:r>
-          </a:p>
-          <a:p>
-            <a:r>
-              <a:rPr lang="en-US"/>
-              <a:t>0x000 - 0x01FF – </a:t>
-            </a:r>
-            <a:r>
-              <a:rPr lang="sr-Cyrl-RS"/>
-              <a:t>фонт коришћен за графички приказ</a:t>
-            </a:r>
-          </a:p>
-          <a:p>
-            <a:r>
-              <a:rPr lang="en-US"/>
-              <a:t>0x0200 - 0x0FFF – </a:t>
-            </a:r>
-            <a:r>
-              <a:rPr lang="sr-Cyrl-RS"/>
-              <a:t>учитавање корисничких програма</a:t>
-            </a:r>
-            <a:endParaRPr lang="en-US"/>
-          </a:p>
-        </p:txBody>
-      </p:sp>
-      <p:pic>
-        <p:nvPicPr>
-          <p:cNvPr id="5" name="Content Placeholder 4">
-            <a:extLst>
-              <a:ext uri="{FF2B5EF4-FFF2-40B4-BE49-F238E27FC236}">
-                <a16:creationId xmlns:a16="http://schemas.microsoft.com/office/drawing/2014/main" id="{F44C8128-A87D-4159-8D47-1F75031A546F}"/>
-              </a:ext>
-            </a:extLst>
-          </p:cNvPr>
-          <p:cNvPicPr>
-            <a:picLocks noChangeAspect="1"/>
-          </p:cNvPicPr>
-          <p:nvPr/>
-        </p:nvPicPr>
-        <p:blipFill>
-          <a:blip r:embed="rId2"/>
-          <a:stretch>
-            <a:fillRect/>
-          </a:stretch>
-        </p:blipFill>
-        <p:spPr>
-          <a:xfrm>
-            <a:off x="7123537" y="2272748"/>
-            <a:ext cx="4244125" cy="3639337"/>
-          </a:xfrm>
-          <a:prstGeom prst="rect">
-            <a:avLst/>
-          </a:prstGeom>
-        </p:spPr>
-      </p:pic>
-    </p:spTree>
-    <p:extLst>
-      <p:ext uri="{BB962C8B-B14F-4D97-AF65-F5344CB8AC3E}">
-        <p14:creationId xmlns:p14="http://schemas.microsoft.com/office/powerpoint/2010/main" val="2370428887"/>
-      </p:ext>
-    </p:extLst>
-  </p:cSld>
-  <p:clrMapOvr>
-    <a:masterClrMapping/>
-  </p:clrMapOvr>
-</p:sld>
-</file>
-
-<file path=ppt/slides/slide5.xml><?xml version="1.0" encoding="utf-8"?>
-<p:sld xmlns:a="http://schemas.openxmlformats.org/drawingml/2006/main" xmlns:r="http://schemas.openxmlformats.org/officeDocument/2006/relationships" xmlns:p="http://schemas.openxmlformats.org/presentationml/2006/main">
-  <p:cSld>
-    <p:spTree>
-      <p:nvGrpSpPr>
-        <p:cNvPr id="1" name=""/>
-        <p:cNvGrpSpPr/>
-        <p:nvPr/>
-      </p:nvGrpSpPr>
-      <p:grpSpPr>
-        <a:xfrm>
-          <a:off x="0" y="0"/>
-          <a:ext cx="0" cy="0"/>
-          <a:chOff x="0" y="0"/>
-          <a:chExt cx="0" cy="0"/>
-        </a:xfrm>
-      </p:grpSpPr>
-      <p:sp>
-        <p:nvSpPr>
-          <p:cNvPr id="2" name="Title 1">
-            <a:extLst>
-              <a:ext uri="{FF2B5EF4-FFF2-40B4-BE49-F238E27FC236}">
-                <a16:creationId xmlns:a16="http://schemas.microsoft.com/office/drawing/2014/main" id="{45C3D9FA-C7E0-49C3-A9FD-D13F0AEAF233}"/>
-              </a:ext>
-            </a:extLst>
-          </p:cNvPr>
-          <p:cNvSpPr>
-            <a:spLocks noGrp="1"/>
-          </p:cNvSpPr>
-          <p:nvPr>
-            <p:ph type="title"/>
-          </p:nvPr>
-        </p:nvSpPr>
-        <p:spPr/>
-        <p:txBody>
-          <a:bodyPr/>
-          <a:lstStyle/>
-          <a:p>
-            <a:r>
-              <a:rPr lang="sr-Cyrl-RS"/>
-              <a:t>Архитектура </a:t>
-            </a:r>
-            <a:r>
-              <a:rPr lang="en-US"/>
-              <a:t>CHIP-8 </a:t>
-            </a:r>
-            <a:r>
-              <a:rPr lang="sr-Cyrl-RS"/>
-              <a:t>система</a:t>
-            </a:r>
-            <a:endParaRPr lang="en-US"/>
-          </a:p>
-        </p:txBody>
-      </p:sp>
-      <p:sp>
-        <p:nvSpPr>
-          <p:cNvPr id="3" name="Content Placeholder 2">
-            <a:extLst>
-              <a:ext uri="{FF2B5EF4-FFF2-40B4-BE49-F238E27FC236}">
-                <a16:creationId xmlns:a16="http://schemas.microsoft.com/office/drawing/2014/main" id="{5D98D4F2-8554-4967-A894-5E37CEF8A9C6}"/>
-              </a:ext>
-            </a:extLst>
-          </p:cNvPr>
-          <p:cNvSpPr>
-            <a:spLocks noGrp="1"/>
-          </p:cNvSpPr>
-          <p:nvPr>
-            <p:ph idx="1"/>
-          </p:nvPr>
-        </p:nvSpPr>
-        <p:spPr/>
-        <p:txBody>
-          <a:bodyPr/>
-          <a:lstStyle/>
-          <a:p>
-            <a:r>
-              <a:rPr lang="en-US"/>
-              <a:t>[V0-VF] </a:t>
-            </a:r>
-            <a:r>
-              <a:rPr lang="sr-Cyrl-RS"/>
-              <a:t>16 8-битних регистара опште намене </a:t>
-            </a:r>
-            <a:endParaRPr lang="en-US"/>
-          </a:p>
-          <a:p>
-            <a:r>
-              <a:rPr lang="en-US"/>
-              <a:t>[VF]</a:t>
-            </a:r>
-            <a:r>
-              <a:rPr lang="sr-Cyrl-RS"/>
-              <a:t> </a:t>
-            </a:r>
-            <a:r>
-              <a:rPr lang="en-US"/>
-              <a:t>-</a:t>
-            </a:r>
-            <a:r>
-              <a:rPr lang="sr-Cyrl-RS"/>
-              <a:t> помоћни регистар за чување информација</a:t>
-            </a:r>
-          </a:p>
-          <a:p>
-            <a:r>
-              <a:rPr lang="en-US"/>
-              <a:t>[I] – </a:t>
-            </a:r>
-            <a:r>
-              <a:rPr lang="sr-Cyrl-RS"/>
-              <a:t>16-битни индексни регистар</a:t>
-            </a:r>
-          </a:p>
-          <a:p>
-            <a:r>
-              <a:rPr lang="en-US"/>
-              <a:t>[PC] – </a:t>
-            </a:r>
-            <a:r>
-              <a:rPr lang="sr-Cyrl-RS"/>
-              <a:t>16-битни регистар који указује на следећу инструкцију</a:t>
-            </a:r>
-          </a:p>
-          <a:p>
-            <a:r>
-              <a:rPr lang="en-US"/>
-              <a:t>[DT] – Delay Timer</a:t>
-            </a:r>
-            <a:endParaRPr lang="sr-Cyrl-RS"/>
-          </a:p>
-          <a:p>
-            <a:r>
-              <a:rPr lang="en-US"/>
-              <a:t>[ST] – Sound Timer</a:t>
-            </a:r>
-          </a:p>
-          <a:p>
-            <a:r>
-              <a:rPr lang="en-US"/>
-              <a:t>[SP] – </a:t>
-            </a:r>
-            <a:r>
-              <a:rPr lang="sr-Cyrl-RS"/>
-              <a:t>стек 16-битних адреса ѕа повратак из потптограма</a:t>
-            </a:r>
-            <a:endParaRPr lang="en-US"/>
-          </a:p>
-          <a:p>
-            <a:r>
-              <a:rPr lang="en-US"/>
-              <a:t>[Keyboard] – </a:t>
-            </a:r>
-            <a:r>
-              <a:rPr lang="sr-Cyrl-RS"/>
-              <a:t>Тастатура од 16 тастера</a:t>
-            </a:r>
-          </a:p>
-          <a:p>
-            <a:r>
-              <a:rPr lang="en-US"/>
-              <a:t>[Display] – </a:t>
-            </a:r>
-            <a:r>
-              <a:rPr lang="sr-Cyrl-RS"/>
-              <a:t>Монохроматски дисплеј димензија 64</a:t>
-            </a:r>
-            <a:r>
-              <a:rPr lang="en-US"/>
-              <a:t> x 32</a:t>
-            </a:r>
-            <a:endParaRPr lang="sr-Cyrl-RS"/>
-          </a:p>
-          <a:p>
-            <a:endParaRPr lang="en-US"/>
-          </a:p>
-        </p:txBody>
-      </p:sp>
-    </p:spTree>
-    <p:extLst>
-      <p:ext uri="{BB962C8B-B14F-4D97-AF65-F5344CB8AC3E}">
-        <p14:creationId xmlns:p14="http://schemas.microsoft.com/office/powerpoint/2010/main" val="1071272781"/>
-      </p:ext>
-    </p:extLst>
-  </p:cSld>
-  <p:clrMapOvr>
-    <a:masterClrMapping/>
-  </p:clrMapOvr>
-</p:sld>
-</file>
-
-<file path=ppt/slides/slide6.xml><?xml version="1.0" encoding="utf-8"?>
-<p:sld xmlns:a="http://schemas.openxmlformats.org/drawingml/2006/main" xmlns:r="http://schemas.openxmlformats.org/officeDocument/2006/relationships" xmlns:p="http://schemas.openxmlformats.org/presentationml/2006/main">
-  <p:cSld>
-    <p:spTree>
-      <p:nvGrpSpPr>
-        <p:cNvPr id="1" name=""/>
-        <p:cNvGrpSpPr/>
-        <p:nvPr/>
-      </p:nvGrpSpPr>
-      <p:grpSpPr>
-        <a:xfrm>
-          <a:off x="0" y="0"/>
-          <a:ext cx="0" cy="0"/>
-          <a:chOff x="0" y="0"/>
-          <a:chExt cx="0" cy="0"/>
-        </a:xfrm>
-      </p:grpSpPr>
-      <p:sp>
-        <p:nvSpPr>
-          <p:cNvPr id="2" name="Title 1">
-            <a:extLst>
-              <a:ext uri="{FF2B5EF4-FFF2-40B4-BE49-F238E27FC236}">
-                <a16:creationId xmlns:a16="http://schemas.microsoft.com/office/drawing/2014/main" id="{45C3D9FA-C7E0-49C3-A9FD-D13F0AEAF233}"/>
-              </a:ext>
-            </a:extLst>
-          </p:cNvPr>
-          <p:cNvSpPr>
-            <a:spLocks noGrp="1"/>
-          </p:cNvSpPr>
-          <p:nvPr>
-            <p:ph type="title"/>
-          </p:nvPr>
-        </p:nvSpPr>
-        <p:spPr/>
-        <p:txBody>
-          <a:bodyPr/>
-          <a:lstStyle/>
-          <a:p>
-            <a:r>
-              <a:rPr lang="sr-Cyrl-RS"/>
-              <a:t>Инструкцијски сет</a:t>
-            </a:r>
-            <a:endParaRPr lang="en-US"/>
-          </a:p>
-        </p:txBody>
-      </p:sp>
-      <p:graphicFrame>
-        <p:nvGraphicFramePr>
-          <p:cNvPr id="8" name="Content Placeholder 7">
-            <a:extLst>
-              <a:ext uri="{FF2B5EF4-FFF2-40B4-BE49-F238E27FC236}">
-                <a16:creationId xmlns:a16="http://schemas.microsoft.com/office/drawing/2014/main" id="{B923C3C4-92A5-4C3E-829A-AA602564304D}"/>
-              </a:ext>
-            </a:extLst>
-          </p:cNvPr>
-          <p:cNvGraphicFramePr>
-            <a:graphicFrameLocks noGrp="1"/>
-          </p:cNvGraphicFramePr>
-          <p:nvPr>
-            <p:ph idx="1"/>
-            <p:extLst>
-              <p:ext uri="{D42A27DB-BD31-4B8C-83A1-F6EECF244321}">
-                <p14:modId xmlns:p14="http://schemas.microsoft.com/office/powerpoint/2010/main" val="2502092252"/>
-              </p:ext>
-            </p:extLst>
-          </p:nvPr>
-        </p:nvGraphicFramePr>
-        <p:xfrm>
-          <a:off x="268449" y="1761688"/>
-          <a:ext cx="5670956" cy="4919877"/>
-        </p:xfrm>
-        <a:graphic>
-          <a:graphicData uri="http://schemas.openxmlformats.org/drawingml/2006/table">
-            <a:tbl>
-              <a:tblPr firstRow="1" firstCol="1" bandRow="1">
-                <a:tableStyleId>{5C22544A-7EE6-4342-B048-85BDC9FD1C3A}</a:tableStyleId>
-              </a:tblPr>
-              <a:tblGrid>
-                <a:gridCol w="956344">
-                  <a:extLst>
-                    <a:ext uri="{9D8B030D-6E8A-4147-A177-3AD203B41FA5}">
-                      <a16:colId xmlns:a16="http://schemas.microsoft.com/office/drawing/2014/main" val="1382703397"/>
-                    </a:ext>
-                  </a:extLst>
-                </a:gridCol>
-                <a:gridCol w="2824097">
-                  <a:extLst>
-                    <a:ext uri="{9D8B030D-6E8A-4147-A177-3AD203B41FA5}">
-                      <a16:colId xmlns:a16="http://schemas.microsoft.com/office/drawing/2014/main" val="3392062207"/>
-                    </a:ext>
-                  </a:extLst>
-                </a:gridCol>
-                <a:gridCol w="1890515">
-                  <a:extLst>
-                    <a:ext uri="{9D8B030D-6E8A-4147-A177-3AD203B41FA5}">
-                      <a16:colId xmlns:a16="http://schemas.microsoft.com/office/drawing/2014/main" val="4291961375"/>
-                    </a:ext>
-                  </a:extLst>
-                </a:gridCol>
-              </a:tblGrid>
-              <a:tr h="0">
-                <a:tc>
-                  <a:txBody>
-                    <a:bodyPr/>
-                    <a:lstStyle/>
-                    <a:p>
-                      <a:pPr marL="0" marR="0" algn="ctr">
-                        <a:lnSpc>
-                          <a:spcPct val="125000"/>
-                        </a:lnSpc>
-                        <a:spcBef>
-                          <a:spcPts val="0"/>
-                        </a:spcBef>
-                        <a:spcAft>
-                          <a:spcPts val="0"/>
-                        </a:spcAft>
-                      </a:pPr>
-                      <a:r>
-                        <a:rPr lang="sr-Cyrl-RS" sz="1100">
-                          <a:effectLst/>
-                        </a:rPr>
-                        <a:t>Операциони код</a:t>
-                      </a:r>
-                      <a:endParaRPr lang="en-US" sz="1100">
-                        <a:solidFill>
-                          <a:srgbClr val="000000"/>
-                        </a:solidFill>
-                        <a:effectLst/>
-                        <a:latin typeface="Arial" panose="020B0604020202020204" pitchFamily="34" charset="0"/>
-                        <a:ea typeface="Calibri" panose="020F0502020204030204" pitchFamily="34" charset="0"/>
-                        <a:cs typeface="Times New Roman" panose="02020603050405020304" pitchFamily="18" charset="0"/>
-                      </a:endParaRPr>
-                    </a:p>
-                  </a:txBody>
-                  <a:tcPr marL="0" marR="0" marT="0" marB="0"/>
-                </a:tc>
-                <a:tc>
-                  <a:txBody>
-                    <a:bodyPr/>
-                    <a:lstStyle/>
-                    <a:p>
-                      <a:pPr marL="0" marR="0" algn="ctr">
-                        <a:lnSpc>
-                          <a:spcPct val="125000"/>
-                        </a:lnSpc>
-                        <a:spcBef>
-                          <a:spcPts val="0"/>
-                        </a:spcBef>
-                        <a:spcAft>
-                          <a:spcPts val="0"/>
-                        </a:spcAft>
-                      </a:pPr>
-                      <a:r>
-                        <a:rPr lang="sr-Cyrl-RS" sz="1100">
-                          <a:effectLst/>
-                        </a:rPr>
-                        <a:t>Инструкција</a:t>
-                      </a:r>
-                      <a:endParaRPr lang="en-US" sz="1100">
-                        <a:solidFill>
-                          <a:srgbClr val="000000"/>
-                        </a:solidFill>
-                        <a:effectLst/>
-                        <a:latin typeface="Arial" panose="020B0604020202020204" pitchFamily="34" charset="0"/>
-                        <a:ea typeface="Calibri" panose="020F0502020204030204" pitchFamily="34" charset="0"/>
-                        <a:cs typeface="Times New Roman" panose="02020603050405020304" pitchFamily="18" charset="0"/>
-                      </a:endParaRPr>
-                    </a:p>
-                  </a:txBody>
-                  <a:tcPr marL="0" marR="0" marT="0" marB="0"/>
-                </a:tc>
-                <a:tc>
-                  <a:txBody>
-                    <a:bodyPr/>
-                    <a:lstStyle/>
-                    <a:p>
-                      <a:pPr marL="0" marR="0" algn="ctr">
-                        <a:lnSpc>
-                          <a:spcPct val="125000"/>
-                        </a:lnSpc>
-                        <a:spcBef>
-                          <a:spcPts val="0"/>
-                        </a:spcBef>
-                        <a:spcAft>
-                          <a:spcPts val="0"/>
-                        </a:spcAft>
-                      </a:pPr>
-                      <a:r>
-                        <a:rPr lang="sr-Cyrl-RS" sz="1100">
-                          <a:effectLst/>
-                        </a:rPr>
-                        <a:t>Опис инструкције</a:t>
-                      </a:r>
-                      <a:endParaRPr lang="en-US" sz="1100">
-                        <a:solidFill>
-                          <a:srgbClr val="000000"/>
-                        </a:solidFill>
-                        <a:effectLst/>
-                        <a:latin typeface="Arial" panose="020B0604020202020204" pitchFamily="34" charset="0"/>
-                        <a:ea typeface="Calibri" panose="020F0502020204030204" pitchFamily="34" charset="0"/>
-                        <a:cs typeface="Times New Roman" panose="02020603050405020304" pitchFamily="18" charset="0"/>
-                      </a:endParaRPr>
-                    </a:p>
-                  </a:txBody>
-                  <a:tcPr marL="0" marR="0" marT="0" marB="0"/>
-                </a:tc>
-                <a:extLst>
-                  <a:ext uri="{0D108BD9-81ED-4DB2-BD59-A6C34878D82A}">
-                    <a16:rowId xmlns:a16="http://schemas.microsoft.com/office/drawing/2014/main" val="1942165457"/>
-                  </a:ext>
-                </a:extLst>
-              </a:tr>
-              <a:tr h="201463">
-                <a:tc>
-                  <a:txBody>
-                    <a:bodyPr/>
-                    <a:lstStyle/>
-                    <a:p>
-                      <a:pPr marL="0" marR="0" algn="ctr">
-                        <a:lnSpc>
-                          <a:spcPct val="125000"/>
-                        </a:lnSpc>
-                        <a:spcBef>
-                          <a:spcPts val="0"/>
-                        </a:spcBef>
-                        <a:spcAft>
-                          <a:spcPts val="0"/>
-                        </a:spcAft>
-                      </a:pPr>
-                      <a:r>
-                        <a:rPr lang="en-US" sz="1100">
-                          <a:effectLst/>
-                        </a:rPr>
-                        <a:t>00E0</a:t>
-                      </a:r>
-                      <a:endParaRPr lang="en-US" sz="1100">
-                        <a:solidFill>
-                          <a:srgbClr val="000000"/>
-                        </a:solidFill>
-                        <a:effectLst/>
-                        <a:latin typeface="Arial" panose="020B0604020202020204" pitchFamily="34" charset="0"/>
-                        <a:ea typeface="Calibri" panose="020F0502020204030204" pitchFamily="34" charset="0"/>
-                        <a:cs typeface="Times New Roman" panose="02020603050405020304" pitchFamily="18" charset="0"/>
-                      </a:endParaRPr>
-                    </a:p>
-                  </a:txBody>
-                  <a:tcPr marL="0" marR="0" marT="0" marB="0"/>
-                </a:tc>
-                <a:tc>
-                  <a:txBody>
-                    <a:bodyPr/>
-                    <a:lstStyle/>
-                    <a:p>
-                      <a:pPr marL="0" marR="0" algn="ctr">
-                        <a:lnSpc>
-                          <a:spcPct val="125000"/>
-                        </a:lnSpc>
-                        <a:spcBef>
-                          <a:spcPts val="0"/>
-                        </a:spcBef>
-                        <a:spcAft>
-                          <a:spcPts val="0"/>
-                        </a:spcAft>
-                      </a:pPr>
-                      <a:r>
-                        <a:rPr lang="en-US" sz="1100">
-                          <a:effectLst/>
-                        </a:rPr>
-                        <a:t>CLS</a:t>
-                      </a:r>
-                      <a:endParaRPr lang="en-US" sz="1100">
-                        <a:solidFill>
-                          <a:srgbClr val="000000"/>
-                        </a:solidFill>
-                        <a:effectLst/>
-                        <a:latin typeface="Arial" panose="020B0604020202020204" pitchFamily="34" charset="0"/>
-                        <a:ea typeface="Calibri" panose="020F0502020204030204" pitchFamily="34" charset="0"/>
-                        <a:cs typeface="Times New Roman" panose="02020603050405020304" pitchFamily="18" charset="0"/>
-                      </a:endParaRPr>
-                    </a:p>
-                  </a:txBody>
-                  <a:tcPr marL="0" marR="0" marT="0" marB="0"/>
-                </a:tc>
-                <a:tc>
-                  <a:txBody>
-                    <a:bodyPr/>
-                    <a:lstStyle/>
-                    <a:p>
-                      <a:pPr marL="0" marR="0" algn="ctr">
-                        <a:lnSpc>
-                          <a:spcPct val="125000"/>
-                        </a:lnSpc>
-                        <a:spcBef>
-                          <a:spcPts val="0"/>
-                        </a:spcBef>
-                        <a:spcAft>
-                          <a:spcPts val="0"/>
-                        </a:spcAft>
-                      </a:pPr>
-                      <a:r>
-                        <a:rPr lang="sr-Cyrl-RS" sz="900">
-                          <a:effectLst/>
-                        </a:rPr>
-                        <a:t>Очисти дисплеј</a:t>
-                      </a:r>
-                      <a:endParaRPr lang="en-US" sz="1100">
-                        <a:solidFill>
-                          <a:srgbClr val="000000"/>
-                        </a:solidFill>
-                        <a:effectLst/>
-                        <a:latin typeface="Arial" panose="020B0604020202020204" pitchFamily="34" charset="0"/>
-                        <a:ea typeface="Calibri" panose="020F0502020204030204" pitchFamily="34" charset="0"/>
-                        <a:cs typeface="Times New Roman" panose="02020603050405020304" pitchFamily="18" charset="0"/>
-                      </a:endParaRPr>
-                    </a:p>
-                  </a:txBody>
-                  <a:tcPr marL="0" marR="0" marT="0" marB="0"/>
-                </a:tc>
-                <a:extLst>
-                  <a:ext uri="{0D108BD9-81ED-4DB2-BD59-A6C34878D82A}">
-                    <a16:rowId xmlns:a16="http://schemas.microsoft.com/office/drawing/2014/main" val="2492962112"/>
-                  </a:ext>
-                </a:extLst>
-              </a:tr>
-              <a:tr h="201463">
-                <a:tc>
-                  <a:txBody>
-                    <a:bodyPr/>
-                    <a:lstStyle/>
-                    <a:p>
-                      <a:pPr marL="0" marR="0" algn="ctr">
-                        <a:lnSpc>
-                          <a:spcPct val="125000"/>
-                        </a:lnSpc>
-                        <a:spcBef>
-                          <a:spcPts val="0"/>
-                        </a:spcBef>
-                        <a:spcAft>
-                          <a:spcPts val="0"/>
-                        </a:spcAft>
-                      </a:pPr>
-                      <a:r>
-                        <a:rPr lang="en-US" sz="1100">
-                          <a:effectLst/>
-                        </a:rPr>
-                        <a:t>00EE</a:t>
-                      </a:r>
-                      <a:endParaRPr lang="en-US" sz="1100">
-                        <a:solidFill>
-                          <a:srgbClr val="000000"/>
-                        </a:solidFill>
-                        <a:effectLst/>
-                        <a:latin typeface="Arial" panose="020B0604020202020204" pitchFamily="34" charset="0"/>
-                        <a:ea typeface="Calibri" panose="020F0502020204030204" pitchFamily="34" charset="0"/>
-                        <a:cs typeface="Times New Roman" panose="02020603050405020304" pitchFamily="18" charset="0"/>
-                      </a:endParaRPr>
-                    </a:p>
-                  </a:txBody>
-                  <a:tcPr marL="0" marR="0" marT="0" marB="0"/>
-                </a:tc>
-                <a:tc>
-                  <a:txBody>
-                    <a:bodyPr/>
-                    <a:lstStyle/>
-                    <a:p>
-                      <a:pPr marL="0" marR="0" algn="ctr">
-                        <a:lnSpc>
-                          <a:spcPct val="125000"/>
-                        </a:lnSpc>
-                        <a:spcBef>
-                          <a:spcPts val="0"/>
-                        </a:spcBef>
-                        <a:spcAft>
-                          <a:spcPts val="0"/>
-                        </a:spcAft>
-                      </a:pPr>
-                      <a:r>
-                        <a:rPr lang="en-US" sz="1100">
-                          <a:effectLst/>
-                        </a:rPr>
-                        <a:t>RET</a:t>
-                      </a:r>
-                      <a:endParaRPr lang="en-US" sz="1100">
-                        <a:solidFill>
-                          <a:srgbClr val="000000"/>
-                        </a:solidFill>
-                        <a:effectLst/>
-                        <a:latin typeface="Arial" panose="020B0604020202020204" pitchFamily="34" charset="0"/>
-                        <a:ea typeface="Calibri" panose="020F0502020204030204" pitchFamily="34" charset="0"/>
-                        <a:cs typeface="Times New Roman" panose="02020603050405020304" pitchFamily="18" charset="0"/>
-                      </a:endParaRPr>
-                    </a:p>
-                  </a:txBody>
-                  <a:tcPr marL="0" marR="0" marT="0" marB="0"/>
-                </a:tc>
-                <a:tc>
-                  <a:txBody>
-                    <a:bodyPr/>
-                    <a:lstStyle/>
-                    <a:p>
-                      <a:pPr marL="0" marR="0" algn="ctr">
-                        <a:lnSpc>
-                          <a:spcPct val="125000"/>
-                        </a:lnSpc>
-                        <a:spcBef>
-                          <a:spcPts val="0"/>
-                        </a:spcBef>
-                        <a:spcAft>
-                          <a:spcPts val="0"/>
-                        </a:spcAft>
-                      </a:pPr>
-                      <a:r>
-                        <a:rPr lang="sr-Cyrl-RS" sz="900">
-                          <a:effectLst/>
-                        </a:rPr>
-                        <a:t>Повратак из потптограма</a:t>
-                      </a:r>
-                      <a:endParaRPr lang="en-US" sz="1100">
-                        <a:solidFill>
-                          <a:srgbClr val="000000"/>
-                        </a:solidFill>
-                        <a:effectLst/>
-                        <a:latin typeface="Arial" panose="020B0604020202020204" pitchFamily="34" charset="0"/>
-                        <a:ea typeface="Calibri" panose="020F0502020204030204" pitchFamily="34" charset="0"/>
-                        <a:cs typeface="Times New Roman" panose="02020603050405020304" pitchFamily="18" charset="0"/>
-                      </a:endParaRPr>
-                    </a:p>
-                  </a:txBody>
-                  <a:tcPr marL="0" marR="0" marT="0" marB="0"/>
-                </a:tc>
-                <a:extLst>
-                  <a:ext uri="{0D108BD9-81ED-4DB2-BD59-A6C34878D82A}">
-                    <a16:rowId xmlns:a16="http://schemas.microsoft.com/office/drawing/2014/main" val="858413833"/>
-                  </a:ext>
-                </a:extLst>
-              </a:tr>
-              <a:tr h="713453">
-                <a:tc>
-                  <a:txBody>
-                    <a:bodyPr/>
-                    <a:lstStyle/>
-                    <a:p>
-                      <a:pPr marL="0" marR="0" algn="ctr">
-                        <a:lnSpc>
-                          <a:spcPct val="125000"/>
-                        </a:lnSpc>
-                        <a:spcBef>
-                          <a:spcPts val="0"/>
-                        </a:spcBef>
-                        <a:spcAft>
-                          <a:spcPts val="0"/>
-                        </a:spcAft>
-                      </a:pPr>
-                      <a:r>
-                        <a:rPr lang="en-US" sz="1100">
-                          <a:effectLst/>
-                        </a:rPr>
-                        <a:t>0nnn</a:t>
-                      </a:r>
-                      <a:endParaRPr lang="en-US" sz="1100">
-                        <a:solidFill>
-                          <a:srgbClr val="000000"/>
-                        </a:solidFill>
-                        <a:effectLst/>
-                        <a:latin typeface="Arial" panose="020B0604020202020204" pitchFamily="34" charset="0"/>
-                        <a:ea typeface="Calibri" panose="020F0502020204030204" pitchFamily="34" charset="0"/>
-                        <a:cs typeface="Times New Roman" panose="02020603050405020304" pitchFamily="18" charset="0"/>
-                      </a:endParaRPr>
-                    </a:p>
-                  </a:txBody>
-                  <a:tcPr marL="0" marR="0" marT="0" marB="0"/>
-                </a:tc>
-                <a:tc>
-                  <a:txBody>
-                    <a:bodyPr/>
-                    <a:lstStyle/>
-                    <a:p>
-                      <a:pPr marL="0" marR="0" algn="ctr">
-                        <a:lnSpc>
-                          <a:spcPct val="125000"/>
-                        </a:lnSpc>
-                        <a:spcBef>
-                          <a:spcPts val="0"/>
-                        </a:spcBef>
-                        <a:spcAft>
-                          <a:spcPts val="0"/>
-                        </a:spcAft>
-                      </a:pPr>
-                      <a:r>
-                        <a:rPr lang="en-US" sz="1100">
-                          <a:effectLst/>
-                        </a:rPr>
-                        <a:t>SYS addr</a:t>
-                      </a:r>
-                      <a:endParaRPr lang="en-US" sz="1100">
-                        <a:solidFill>
-                          <a:srgbClr val="000000"/>
-                        </a:solidFill>
-                        <a:effectLst/>
-                        <a:latin typeface="Arial" panose="020B0604020202020204" pitchFamily="34" charset="0"/>
-                        <a:ea typeface="Calibri" panose="020F0502020204030204" pitchFamily="34" charset="0"/>
-                        <a:cs typeface="Times New Roman" panose="02020603050405020304" pitchFamily="18" charset="0"/>
-                      </a:endParaRPr>
-                    </a:p>
-                  </a:txBody>
-                  <a:tcPr marL="0" marR="0" marT="0" marB="0"/>
-                </a:tc>
-                <a:tc>
-                  <a:txBody>
-                    <a:bodyPr/>
-                    <a:lstStyle/>
-                    <a:p>
-                      <a:pPr marL="0" marR="0" algn="ctr">
-                        <a:lnSpc>
-                          <a:spcPct val="125000"/>
-                        </a:lnSpc>
-                        <a:spcBef>
-                          <a:spcPts val="0"/>
-                        </a:spcBef>
-                        <a:spcAft>
-                          <a:spcPts val="0"/>
-                        </a:spcAft>
-                      </a:pPr>
-                      <a:r>
-                        <a:rPr lang="sr-Cyrl-RS" sz="900">
-                          <a:effectLst/>
-                        </a:rPr>
-                        <a:t>Скок на машинску рутину на адреси </a:t>
-                      </a:r>
-                      <a:r>
-                        <a:rPr lang="en-US" sz="900">
-                          <a:effectLst/>
-                        </a:rPr>
-                        <a:t>nnn, </a:t>
-                      </a:r>
-                      <a:r>
-                        <a:rPr lang="sr-Cyrl-RS" sz="900">
-                          <a:effectLst/>
-                        </a:rPr>
-                        <a:t>некоришћено у модерним имплементацијама</a:t>
-                      </a:r>
-                      <a:endParaRPr lang="en-US" sz="1100">
-                        <a:solidFill>
-                          <a:srgbClr val="000000"/>
-                        </a:solidFill>
-                        <a:effectLst/>
-                        <a:latin typeface="Arial" panose="020B0604020202020204" pitchFamily="34" charset="0"/>
-                        <a:ea typeface="Calibri" panose="020F0502020204030204" pitchFamily="34" charset="0"/>
-                        <a:cs typeface="Times New Roman" panose="02020603050405020304" pitchFamily="18" charset="0"/>
-                      </a:endParaRPr>
-                    </a:p>
-                  </a:txBody>
-                  <a:tcPr marL="0" marR="0" marT="0" marB="0"/>
-                </a:tc>
-                <a:extLst>
-                  <a:ext uri="{0D108BD9-81ED-4DB2-BD59-A6C34878D82A}">
-                    <a16:rowId xmlns:a16="http://schemas.microsoft.com/office/drawing/2014/main" val="3432783659"/>
-                  </a:ext>
-                </a:extLst>
-              </a:tr>
-              <a:tr h="201463">
-                <a:tc>
-                  <a:txBody>
-                    <a:bodyPr/>
-                    <a:lstStyle/>
-                    <a:p>
-                      <a:pPr marL="0" marR="0" algn="ctr">
-                        <a:lnSpc>
-                          <a:spcPct val="125000"/>
-                        </a:lnSpc>
-                        <a:spcBef>
-                          <a:spcPts val="0"/>
-                        </a:spcBef>
-                        <a:spcAft>
-                          <a:spcPts val="0"/>
-                        </a:spcAft>
-                      </a:pPr>
-                      <a:r>
-                        <a:rPr lang="en-US" sz="1100">
-                          <a:effectLst/>
-                        </a:rPr>
-                        <a:t>1nnn</a:t>
-                      </a:r>
-                      <a:endParaRPr lang="en-US" sz="1100">
-                        <a:solidFill>
-                          <a:srgbClr val="000000"/>
-                        </a:solidFill>
-                        <a:effectLst/>
-                        <a:latin typeface="Arial" panose="020B0604020202020204" pitchFamily="34" charset="0"/>
-                        <a:ea typeface="Calibri" panose="020F0502020204030204" pitchFamily="34" charset="0"/>
-                        <a:cs typeface="Times New Roman" panose="02020603050405020304" pitchFamily="18" charset="0"/>
-                      </a:endParaRPr>
-                    </a:p>
-                  </a:txBody>
-                  <a:tcPr marL="0" marR="0" marT="0" marB="0"/>
-                </a:tc>
-                <a:tc>
-                  <a:txBody>
-                    <a:bodyPr/>
-                    <a:lstStyle/>
-                    <a:p>
-                      <a:pPr marL="0" marR="0" algn="ctr">
-                        <a:lnSpc>
-                          <a:spcPct val="125000"/>
-                        </a:lnSpc>
-                        <a:spcBef>
-                          <a:spcPts val="0"/>
-                        </a:spcBef>
-                        <a:spcAft>
-                          <a:spcPts val="0"/>
-                        </a:spcAft>
-                      </a:pPr>
-                      <a:r>
-                        <a:rPr lang="en-US" sz="1100">
-                          <a:effectLst/>
-                        </a:rPr>
-                        <a:t>JP addr</a:t>
-                      </a:r>
-                      <a:endParaRPr lang="en-US" sz="1100">
-                        <a:solidFill>
-                          <a:srgbClr val="000000"/>
-                        </a:solidFill>
-                        <a:effectLst/>
-                        <a:latin typeface="Arial" panose="020B0604020202020204" pitchFamily="34" charset="0"/>
-                        <a:ea typeface="Calibri" panose="020F0502020204030204" pitchFamily="34" charset="0"/>
-                        <a:cs typeface="Times New Roman" panose="02020603050405020304" pitchFamily="18" charset="0"/>
-                      </a:endParaRPr>
-                    </a:p>
-                  </a:txBody>
-                  <a:tcPr marL="0" marR="0" marT="0" marB="0"/>
-                </a:tc>
-                <a:tc>
-                  <a:txBody>
-                    <a:bodyPr/>
-                    <a:lstStyle/>
-                    <a:p>
-                      <a:pPr marL="0" marR="0" algn="ctr">
-                        <a:lnSpc>
-                          <a:spcPct val="125000"/>
-                        </a:lnSpc>
-                        <a:spcBef>
-                          <a:spcPts val="0"/>
-                        </a:spcBef>
-                        <a:spcAft>
-                          <a:spcPts val="0"/>
-                        </a:spcAft>
-                      </a:pPr>
-                      <a:r>
-                        <a:rPr lang="sr-Cyrl-RS" sz="900">
-                          <a:effectLst/>
-                        </a:rPr>
-                        <a:t>Скок на адресу </a:t>
-                      </a:r>
-                      <a:r>
-                        <a:rPr lang="en-US" sz="900">
-                          <a:effectLst/>
-                        </a:rPr>
-                        <a:t>nnn</a:t>
-                      </a:r>
-                      <a:endParaRPr lang="en-US" sz="1100">
-                        <a:solidFill>
-                          <a:srgbClr val="000000"/>
-                        </a:solidFill>
-                        <a:effectLst/>
-                        <a:latin typeface="Arial" panose="020B0604020202020204" pitchFamily="34" charset="0"/>
-                        <a:ea typeface="Calibri" panose="020F0502020204030204" pitchFamily="34" charset="0"/>
-                        <a:cs typeface="Times New Roman" panose="02020603050405020304" pitchFamily="18" charset="0"/>
-                      </a:endParaRPr>
-                    </a:p>
-                  </a:txBody>
-                  <a:tcPr marL="0" marR="0" marT="0" marB="0"/>
-                </a:tc>
-                <a:extLst>
-                  <a:ext uri="{0D108BD9-81ED-4DB2-BD59-A6C34878D82A}">
-                    <a16:rowId xmlns:a16="http://schemas.microsoft.com/office/drawing/2014/main" val="2588569212"/>
-                  </a:ext>
-                </a:extLst>
-              </a:tr>
-              <a:tr h="347649">
-                <a:tc>
-                  <a:txBody>
-                    <a:bodyPr/>
-                    <a:lstStyle/>
-                    <a:p>
-                      <a:pPr marL="0" marR="0" algn="ctr">
-                        <a:lnSpc>
-                          <a:spcPct val="125000"/>
-                        </a:lnSpc>
-                        <a:spcBef>
-                          <a:spcPts val="0"/>
-                        </a:spcBef>
-                        <a:spcAft>
-                          <a:spcPts val="0"/>
-                        </a:spcAft>
-                      </a:pPr>
-                      <a:r>
-                        <a:rPr lang="en-US" sz="1100">
-                          <a:effectLst/>
-                        </a:rPr>
-                        <a:t>2nnn</a:t>
-                      </a:r>
-                      <a:endParaRPr lang="en-US" sz="1100">
-                        <a:solidFill>
-                          <a:srgbClr val="000000"/>
-                        </a:solidFill>
-                        <a:effectLst/>
-                        <a:latin typeface="Arial" panose="020B0604020202020204" pitchFamily="34" charset="0"/>
-                        <a:ea typeface="Calibri" panose="020F0502020204030204" pitchFamily="34" charset="0"/>
-                        <a:cs typeface="Times New Roman" panose="02020603050405020304" pitchFamily="18" charset="0"/>
-                      </a:endParaRPr>
-                    </a:p>
-                  </a:txBody>
-                  <a:tcPr marL="0" marR="0" marT="0" marB="0"/>
-                </a:tc>
-                <a:tc>
-                  <a:txBody>
-                    <a:bodyPr/>
-                    <a:lstStyle/>
-                    <a:p>
-                      <a:pPr marL="0" marR="0" algn="ctr">
-                        <a:lnSpc>
-                          <a:spcPct val="125000"/>
-                        </a:lnSpc>
-                        <a:spcBef>
-                          <a:spcPts val="0"/>
-                        </a:spcBef>
-                        <a:spcAft>
-                          <a:spcPts val="0"/>
-                        </a:spcAft>
-                      </a:pPr>
-                      <a:r>
-                        <a:rPr lang="en-US" sz="1100">
-                          <a:effectLst/>
-                        </a:rPr>
-                        <a:t>CALL addr</a:t>
-                      </a:r>
-                      <a:endParaRPr lang="en-US" sz="1100">
-                        <a:solidFill>
-                          <a:srgbClr val="000000"/>
-                        </a:solidFill>
-                        <a:effectLst/>
-                        <a:latin typeface="Arial" panose="020B0604020202020204" pitchFamily="34" charset="0"/>
-                        <a:ea typeface="Calibri" panose="020F0502020204030204" pitchFamily="34" charset="0"/>
-                        <a:cs typeface="Times New Roman" panose="02020603050405020304" pitchFamily="18" charset="0"/>
-                      </a:endParaRPr>
-                    </a:p>
-                  </a:txBody>
-                  <a:tcPr marL="0" marR="0" marT="0" marB="0"/>
-                </a:tc>
-                <a:tc>
-                  <a:txBody>
-                    <a:bodyPr/>
-                    <a:lstStyle/>
-                    <a:p>
-                      <a:pPr marL="0" marR="0" algn="ctr">
-                        <a:lnSpc>
-                          <a:spcPct val="125000"/>
-                        </a:lnSpc>
-                        <a:spcBef>
-                          <a:spcPts val="0"/>
-                        </a:spcBef>
-                        <a:spcAft>
-                          <a:spcPts val="0"/>
-                        </a:spcAft>
-                      </a:pPr>
-                      <a:r>
-                        <a:rPr lang="sr-Cyrl-RS" sz="900">
-                          <a:effectLst/>
-                        </a:rPr>
-                        <a:t>Позив потпрограма на адреси </a:t>
-                      </a:r>
-                      <a:r>
-                        <a:rPr lang="en-US" sz="900">
-                          <a:effectLst/>
-                        </a:rPr>
-                        <a:t>nnn</a:t>
-                      </a:r>
-                      <a:endParaRPr lang="en-US" sz="1100">
-                        <a:solidFill>
-                          <a:srgbClr val="000000"/>
-                        </a:solidFill>
-                        <a:effectLst/>
-                        <a:latin typeface="Arial" panose="020B0604020202020204" pitchFamily="34" charset="0"/>
-                        <a:ea typeface="Calibri" panose="020F0502020204030204" pitchFamily="34" charset="0"/>
-                        <a:cs typeface="Times New Roman" panose="02020603050405020304" pitchFamily="18" charset="0"/>
-                      </a:endParaRPr>
-                    </a:p>
-                  </a:txBody>
-                  <a:tcPr marL="0" marR="0" marT="0" marB="0"/>
-                </a:tc>
-                <a:extLst>
-                  <a:ext uri="{0D108BD9-81ED-4DB2-BD59-A6C34878D82A}">
-                    <a16:rowId xmlns:a16="http://schemas.microsoft.com/office/drawing/2014/main" val="819136618"/>
-                  </a:ext>
-                </a:extLst>
-              </a:tr>
-              <a:tr h="347649">
-                <a:tc>
-                  <a:txBody>
-                    <a:bodyPr/>
-                    <a:lstStyle/>
-                    <a:p>
-                      <a:pPr marL="0" marR="0" algn="ctr">
-                        <a:lnSpc>
-                          <a:spcPct val="125000"/>
-                        </a:lnSpc>
-                        <a:spcBef>
-                          <a:spcPts val="0"/>
-                        </a:spcBef>
-                        <a:spcAft>
-                          <a:spcPts val="0"/>
-                        </a:spcAft>
-                      </a:pPr>
-                      <a:r>
-                        <a:rPr lang="en-US" sz="1100">
-                          <a:effectLst/>
-                        </a:rPr>
-                        <a:t>3xkk</a:t>
-                      </a:r>
-                      <a:endParaRPr lang="en-US" sz="1100">
-                        <a:solidFill>
-                          <a:srgbClr val="000000"/>
-                        </a:solidFill>
-                        <a:effectLst/>
-                        <a:latin typeface="Arial" panose="020B0604020202020204" pitchFamily="34" charset="0"/>
-                        <a:ea typeface="Calibri" panose="020F0502020204030204" pitchFamily="34" charset="0"/>
-                        <a:cs typeface="Times New Roman" panose="02020603050405020304" pitchFamily="18" charset="0"/>
-                      </a:endParaRPr>
-                    </a:p>
-                  </a:txBody>
-                  <a:tcPr marL="0" marR="0" marT="0" marB="0"/>
-                </a:tc>
-                <a:tc>
-                  <a:txBody>
-                    <a:bodyPr/>
-                    <a:lstStyle/>
-                    <a:p>
-                      <a:pPr marL="0" marR="0" algn="ctr">
-                        <a:lnSpc>
-                          <a:spcPct val="125000"/>
-                        </a:lnSpc>
-                        <a:spcBef>
-                          <a:spcPts val="0"/>
-                        </a:spcBef>
-                        <a:spcAft>
-                          <a:spcPts val="0"/>
-                        </a:spcAft>
-                      </a:pPr>
-                      <a:r>
-                        <a:rPr lang="en-US" sz="1100">
-                          <a:effectLst/>
-                        </a:rPr>
-                        <a:t>Se Vx, byte</a:t>
-                      </a:r>
-                      <a:endParaRPr lang="en-US" sz="1100">
-                        <a:solidFill>
-                          <a:srgbClr val="000000"/>
-                        </a:solidFill>
-                        <a:effectLst/>
-                        <a:latin typeface="Arial" panose="020B0604020202020204" pitchFamily="34" charset="0"/>
-                        <a:ea typeface="Calibri" panose="020F0502020204030204" pitchFamily="34" charset="0"/>
-                        <a:cs typeface="Times New Roman" panose="02020603050405020304" pitchFamily="18" charset="0"/>
-                      </a:endParaRPr>
-                    </a:p>
-                  </a:txBody>
-                  <a:tcPr marL="0" marR="0" marT="0" marB="0"/>
-                </a:tc>
-                <a:tc>
-                  <a:txBody>
-                    <a:bodyPr/>
-                    <a:lstStyle/>
-                    <a:p>
-                      <a:pPr marL="0" marR="0" algn="ctr">
-                        <a:lnSpc>
-                          <a:spcPct val="125000"/>
-                        </a:lnSpc>
-                        <a:spcBef>
-                          <a:spcPts val="0"/>
-                        </a:spcBef>
-                        <a:spcAft>
-                          <a:spcPts val="0"/>
-                        </a:spcAft>
-                      </a:pPr>
-                      <a:r>
-                        <a:rPr lang="sr-Cyrl-RS" sz="900">
-                          <a:effectLst/>
-                        </a:rPr>
-                        <a:t>Прескочи сл. инструкцију ако је </a:t>
-                      </a:r>
-                      <a:r>
-                        <a:rPr lang="en-US" sz="900">
-                          <a:effectLst/>
-                        </a:rPr>
-                        <a:t>Vx == kk</a:t>
-                      </a:r>
-                      <a:endParaRPr lang="en-US" sz="1100">
-                        <a:solidFill>
-                          <a:srgbClr val="000000"/>
-                        </a:solidFill>
-                        <a:effectLst/>
-                        <a:latin typeface="Arial" panose="020B0604020202020204" pitchFamily="34" charset="0"/>
-                        <a:ea typeface="Calibri" panose="020F0502020204030204" pitchFamily="34" charset="0"/>
-                        <a:cs typeface="Times New Roman" panose="02020603050405020304" pitchFamily="18" charset="0"/>
-                      </a:endParaRPr>
-                    </a:p>
-                  </a:txBody>
-                  <a:tcPr marL="0" marR="0" marT="0" marB="0"/>
-                </a:tc>
-                <a:extLst>
-                  <a:ext uri="{0D108BD9-81ED-4DB2-BD59-A6C34878D82A}">
-                    <a16:rowId xmlns:a16="http://schemas.microsoft.com/office/drawing/2014/main" val="556920219"/>
-                  </a:ext>
-                </a:extLst>
-              </a:tr>
-              <a:tr h="347649">
-                <a:tc>
-                  <a:txBody>
-                    <a:bodyPr/>
-                    <a:lstStyle/>
-                    <a:p>
-                      <a:pPr marL="0" marR="0" algn="ctr">
-                        <a:lnSpc>
-                          <a:spcPct val="125000"/>
-                        </a:lnSpc>
-                        <a:spcBef>
-                          <a:spcPts val="0"/>
-                        </a:spcBef>
-                        <a:spcAft>
-                          <a:spcPts val="0"/>
-                        </a:spcAft>
-                      </a:pPr>
-                      <a:r>
-                        <a:rPr lang="en-US" sz="1100">
-                          <a:effectLst/>
-                        </a:rPr>
-                        <a:t>4xkk</a:t>
-                      </a:r>
-                      <a:endParaRPr lang="en-US" sz="1100">
-                        <a:solidFill>
-                          <a:srgbClr val="000000"/>
-                        </a:solidFill>
-                        <a:effectLst/>
-                        <a:latin typeface="Arial" panose="020B0604020202020204" pitchFamily="34" charset="0"/>
-                        <a:ea typeface="Calibri" panose="020F0502020204030204" pitchFamily="34" charset="0"/>
-                        <a:cs typeface="Times New Roman" panose="02020603050405020304" pitchFamily="18" charset="0"/>
-                      </a:endParaRPr>
-                    </a:p>
-                  </a:txBody>
-                  <a:tcPr marL="0" marR="0" marT="0" marB="0"/>
-                </a:tc>
-                <a:tc>
-                  <a:txBody>
-                    <a:bodyPr/>
-                    <a:lstStyle/>
-                    <a:p>
-                      <a:pPr marL="0" marR="0" algn="ctr">
-                        <a:lnSpc>
-                          <a:spcPct val="125000"/>
-                        </a:lnSpc>
-                        <a:spcBef>
-                          <a:spcPts val="0"/>
-                        </a:spcBef>
-                        <a:spcAft>
-                          <a:spcPts val="0"/>
-                        </a:spcAft>
-                      </a:pPr>
-                      <a:r>
-                        <a:rPr lang="en-US" sz="1100">
-                          <a:effectLst/>
-                        </a:rPr>
-                        <a:t>SNE Vx, byte</a:t>
-                      </a:r>
-                      <a:endParaRPr lang="en-US" sz="1100">
-                        <a:solidFill>
-                          <a:srgbClr val="000000"/>
-                        </a:solidFill>
-                        <a:effectLst/>
-                        <a:latin typeface="Arial" panose="020B0604020202020204" pitchFamily="34" charset="0"/>
-                        <a:ea typeface="Calibri" panose="020F0502020204030204" pitchFamily="34" charset="0"/>
-                        <a:cs typeface="Times New Roman" panose="02020603050405020304" pitchFamily="18" charset="0"/>
-                      </a:endParaRPr>
-                    </a:p>
-                  </a:txBody>
-                  <a:tcPr marL="0" marR="0" marT="0" marB="0"/>
-                </a:tc>
-                <a:tc>
-                  <a:txBody>
-                    <a:bodyPr/>
-                    <a:lstStyle/>
-                    <a:p>
-                      <a:pPr marL="0" marR="0" algn="ctr">
-                        <a:lnSpc>
-                          <a:spcPct val="125000"/>
-                        </a:lnSpc>
-                        <a:spcBef>
-                          <a:spcPts val="0"/>
-                        </a:spcBef>
-                        <a:spcAft>
-                          <a:spcPts val="0"/>
-                        </a:spcAft>
-                      </a:pPr>
-                      <a:r>
-                        <a:rPr lang="sr-Cyrl-RS" sz="900">
-                          <a:effectLst/>
-                        </a:rPr>
-                        <a:t>Прескочи сл. инструкцију ако је </a:t>
-                      </a:r>
-                      <a:r>
-                        <a:rPr lang="en-US" sz="900">
-                          <a:effectLst/>
-                        </a:rPr>
-                        <a:t>Vx != kk</a:t>
-                      </a:r>
-                      <a:endParaRPr lang="en-US" sz="1100">
-                        <a:solidFill>
-                          <a:srgbClr val="000000"/>
-                        </a:solidFill>
-                        <a:effectLst/>
-                        <a:latin typeface="Arial" panose="020B0604020202020204" pitchFamily="34" charset="0"/>
-                        <a:ea typeface="Calibri" panose="020F0502020204030204" pitchFamily="34" charset="0"/>
-                        <a:cs typeface="Times New Roman" panose="02020603050405020304" pitchFamily="18" charset="0"/>
-                      </a:endParaRPr>
-                    </a:p>
-                  </a:txBody>
-                  <a:tcPr marL="0" marR="0" marT="0" marB="0"/>
-                </a:tc>
-                <a:extLst>
-                  <a:ext uri="{0D108BD9-81ED-4DB2-BD59-A6C34878D82A}">
-                    <a16:rowId xmlns:a16="http://schemas.microsoft.com/office/drawing/2014/main" val="3135127646"/>
-                  </a:ext>
-                </a:extLst>
-              </a:tr>
-              <a:tr h="347649">
-                <a:tc>
-                  <a:txBody>
-                    <a:bodyPr/>
-                    <a:lstStyle/>
-                    <a:p>
-                      <a:pPr marL="0" marR="0" algn="ctr">
-                        <a:lnSpc>
-                          <a:spcPct val="125000"/>
-                        </a:lnSpc>
-                        <a:spcBef>
-                          <a:spcPts val="0"/>
-                        </a:spcBef>
-                        <a:spcAft>
-                          <a:spcPts val="0"/>
-                        </a:spcAft>
-                      </a:pPr>
-                      <a:r>
-                        <a:rPr lang="en-US" sz="1100">
-                          <a:effectLst/>
-                        </a:rPr>
-                        <a:t>5xy0</a:t>
-                      </a:r>
-                      <a:endParaRPr lang="en-US" sz="1100">
-                        <a:solidFill>
-                          <a:srgbClr val="000000"/>
-                        </a:solidFill>
-                        <a:effectLst/>
-                        <a:latin typeface="Arial" panose="020B0604020202020204" pitchFamily="34" charset="0"/>
-                        <a:ea typeface="Calibri" panose="020F0502020204030204" pitchFamily="34" charset="0"/>
-                        <a:cs typeface="Times New Roman" panose="02020603050405020304" pitchFamily="18" charset="0"/>
-                      </a:endParaRPr>
-                    </a:p>
-                  </a:txBody>
-                  <a:tcPr marL="0" marR="0" marT="0" marB="0"/>
-                </a:tc>
-                <a:tc>
-                  <a:txBody>
-                    <a:bodyPr/>
-                    <a:lstStyle/>
-                    <a:p>
-                      <a:pPr marL="0" marR="0" algn="ctr">
-                        <a:lnSpc>
-                          <a:spcPct val="125000"/>
-                        </a:lnSpc>
-                        <a:spcBef>
-                          <a:spcPts val="0"/>
-                        </a:spcBef>
-                        <a:spcAft>
-                          <a:spcPts val="0"/>
-                        </a:spcAft>
-                      </a:pPr>
-                      <a:r>
-                        <a:rPr lang="en-US" sz="1100">
-                          <a:effectLst/>
-                        </a:rPr>
-                        <a:t>SE Vx, Vy</a:t>
-                      </a:r>
-                      <a:endParaRPr lang="en-US" sz="1100">
-                        <a:solidFill>
-                          <a:srgbClr val="000000"/>
-                        </a:solidFill>
-                        <a:effectLst/>
-                        <a:latin typeface="Arial" panose="020B0604020202020204" pitchFamily="34" charset="0"/>
-                        <a:ea typeface="Calibri" panose="020F0502020204030204" pitchFamily="34" charset="0"/>
-                        <a:cs typeface="Times New Roman" panose="02020603050405020304" pitchFamily="18" charset="0"/>
-                      </a:endParaRPr>
-                    </a:p>
-                  </a:txBody>
-                  <a:tcPr marL="0" marR="0" marT="0" marB="0"/>
-                </a:tc>
-                <a:tc>
-                  <a:txBody>
-                    <a:bodyPr/>
-                    <a:lstStyle/>
-                    <a:p>
-                      <a:pPr marL="0" marR="0" algn="ctr">
-                        <a:lnSpc>
-                          <a:spcPct val="125000"/>
-                        </a:lnSpc>
-                        <a:spcBef>
-                          <a:spcPts val="0"/>
-                        </a:spcBef>
-                        <a:spcAft>
-                          <a:spcPts val="0"/>
-                        </a:spcAft>
-                      </a:pPr>
-                      <a:r>
-                        <a:rPr lang="sr-Cyrl-RS" sz="900">
-                          <a:effectLst/>
-                        </a:rPr>
-                        <a:t>Прескочи сл. инструкцију ако је </a:t>
-                      </a:r>
-                      <a:r>
-                        <a:rPr lang="en-US" sz="900">
-                          <a:effectLst/>
-                        </a:rPr>
-                        <a:t>Vx == Vy</a:t>
-                      </a:r>
-                      <a:endParaRPr lang="en-US" sz="1100">
-                        <a:solidFill>
-                          <a:srgbClr val="000000"/>
-                        </a:solidFill>
-                        <a:effectLst/>
-                        <a:latin typeface="Arial" panose="020B0604020202020204" pitchFamily="34" charset="0"/>
-                        <a:ea typeface="Calibri" panose="020F0502020204030204" pitchFamily="34" charset="0"/>
-                        <a:cs typeface="Times New Roman" panose="02020603050405020304" pitchFamily="18" charset="0"/>
-                      </a:endParaRPr>
-                    </a:p>
-                  </a:txBody>
-                  <a:tcPr marL="0" marR="0" marT="0" marB="0"/>
-                </a:tc>
-                <a:extLst>
-                  <a:ext uri="{0D108BD9-81ED-4DB2-BD59-A6C34878D82A}">
-                    <a16:rowId xmlns:a16="http://schemas.microsoft.com/office/drawing/2014/main" val="170868851"/>
-                  </a:ext>
-                </a:extLst>
-              </a:tr>
-              <a:tr h="201463">
-                <a:tc>
-                  <a:txBody>
-                    <a:bodyPr/>
-                    <a:lstStyle/>
-                    <a:p>
-                      <a:pPr marL="0" marR="0" algn="ctr">
-                        <a:lnSpc>
-                          <a:spcPct val="125000"/>
-                        </a:lnSpc>
-                        <a:spcBef>
-                          <a:spcPts val="0"/>
-                        </a:spcBef>
-                        <a:spcAft>
-                          <a:spcPts val="0"/>
-                        </a:spcAft>
-                      </a:pPr>
-                      <a:r>
-                        <a:rPr lang="en-US" sz="1100">
-                          <a:effectLst/>
-                        </a:rPr>
-                        <a:t>6xkk</a:t>
-                      </a:r>
-                      <a:endParaRPr lang="en-US" sz="1100">
-                        <a:solidFill>
-                          <a:srgbClr val="000000"/>
-                        </a:solidFill>
-                        <a:effectLst/>
-                        <a:latin typeface="Arial" panose="020B0604020202020204" pitchFamily="34" charset="0"/>
-                        <a:ea typeface="Calibri" panose="020F0502020204030204" pitchFamily="34" charset="0"/>
-                        <a:cs typeface="Times New Roman" panose="02020603050405020304" pitchFamily="18" charset="0"/>
-                      </a:endParaRPr>
-                    </a:p>
-                  </a:txBody>
-                  <a:tcPr marL="0" marR="0" marT="0" marB="0"/>
-                </a:tc>
-                <a:tc>
-                  <a:txBody>
-                    <a:bodyPr/>
-                    <a:lstStyle/>
-                    <a:p>
-                      <a:pPr marL="0" marR="0" algn="ctr">
-                        <a:lnSpc>
-                          <a:spcPct val="125000"/>
-                        </a:lnSpc>
-                        <a:spcBef>
-                          <a:spcPts val="0"/>
-                        </a:spcBef>
-                        <a:spcAft>
-                          <a:spcPts val="0"/>
-                        </a:spcAft>
-                      </a:pPr>
-                      <a:r>
-                        <a:rPr lang="en-US" sz="1100">
-                          <a:effectLst/>
-                        </a:rPr>
-                        <a:t>LD Vx, byte</a:t>
-                      </a:r>
-                      <a:endParaRPr lang="en-US" sz="1100">
-                        <a:solidFill>
-                          <a:srgbClr val="000000"/>
-                        </a:solidFill>
-                        <a:effectLst/>
-                        <a:latin typeface="Arial" panose="020B0604020202020204" pitchFamily="34" charset="0"/>
-                        <a:ea typeface="Calibri" panose="020F0502020204030204" pitchFamily="34" charset="0"/>
-                        <a:cs typeface="Times New Roman" panose="02020603050405020304" pitchFamily="18" charset="0"/>
-                      </a:endParaRPr>
-                    </a:p>
-                  </a:txBody>
-                  <a:tcPr marL="0" marR="0" marT="0" marB="0"/>
-                </a:tc>
-                <a:tc>
-                  <a:txBody>
-                    <a:bodyPr/>
-                    <a:lstStyle/>
-                    <a:p>
-                      <a:pPr marL="0" marR="0" algn="ctr">
-                        <a:lnSpc>
-                          <a:spcPct val="125000"/>
-                        </a:lnSpc>
-                        <a:spcBef>
-                          <a:spcPts val="0"/>
-                        </a:spcBef>
-                        <a:spcAft>
-                          <a:spcPts val="0"/>
-                        </a:spcAft>
-                      </a:pPr>
-                      <a:r>
-                        <a:rPr lang="sr-Cyrl-RS" sz="900">
-                          <a:effectLst/>
-                        </a:rPr>
-                        <a:t>Учитај кк у </a:t>
-                      </a:r>
-                      <a:r>
-                        <a:rPr lang="en-US" sz="900">
-                          <a:effectLst/>
-                        </a:rPr>
-                        <a:t>Vx</a:t>
-                      </a:r>
-                      <a:endParaRPr lang="en-US" sz="1100">
-                        <a:solidFill>
-                          <a:srgbClr val="000000"/>
-                        </a:solidFill>
-                        <a:effectLst/>
-                        <a:latin typeface="Arial" panose="020B0604020202020204" pitchFamily="34" charset="0"/>
-                        <a:ea typeface="Calibri" panose="020F0502020204030204" pitchFamily="34" charset="0"/>
-                        <a:cs typeface="Times New Roman" panose="02020603050405020304" pitchFamily="18" charset="0"/>
-                      </a:endParaRPr>
-                    </a:p>
-                  </a:txBody>
-                  <a:tcPr marL="0" marR="0" marT="0" marB="0"/>
-                </a:tc>
-                <a:extLst>
-                  <a:ext uri="{0D108BD9-81ED-4DB2-BD59-A6C34878D82A}">
-                    <a16:rowId xmlns:a16="http://schemas.microsoft.com/office/drawing/2014/main" val="3921296592"/>
-                  </a:ext>
-                </a:extLst>
-              </a:tr>
-              <a:tr h="201463">
-                <a:tc>
-                  <a:txBody>
-                    <a:bodyPr/>
-                    <a:lstStyle/>
-                    <a:p>
-                      <a:pPr marL="0" marR="0" algn="ctr">
-                        <a:lnSpc>
-                          <a:spcPct val="125000"/>
-                        </a:lnSpc>
-                        <a:spcBef>
-                          <a:spcPts val="0"/>
-                        </a:spcBef>
-                        <a:spcAft>
-                          <a:spcPts val="0"/>
-                        </a:spcAft>
-                      </a:pPr>
-                      <a:r>
-                        <a:rPr lang="en-US" sz="1100">
-                          <a:effectLst/>
-                        </a:rPr>
-                        <a:t>7xkk</a:t>
-                      </a:r>
-                      <a:endParaRPr lang="en-US" sz="1100">
-                        <a:solidFill>
-                          <a:srgbClr val="000000"/>
-                        </a:solidFill>
-                        <a:effectLst/>
-                        <a:latin typeface="Arial" panose="020B0604020202020204" pitchFamily="34" charset="0"/>
-                        <a:ea typeface="Calibri" panose="020F0502020204030204" pitchFamily="34" charset="0"/>
-                        <a:cs typeface="Times New Roman" panose="02020603050405020304" pitchFamily="18" charset="0"/>
-                      </a:endParaRPr>
-                    </a:p>
-                  </a:txBody>
-                  <a:tcPr marL="0" marR="0" marT="0" marB="0"/>
-                </a:tc>
-                <a:tc>
-                  <a:txBody>
-                    <a:bodyPr/>
-                    <a:lstStyle/>
-                    <a:p>
-                      <a:pPr marL="0" marR="0" algn="ctr">
-                        <a:lnSpc>
-                          <a:spcPct val="125000"/>
-                        </a:lnSpc>
-                        <a:spcBef>
-                          <a:spcPts val="0"/>
-                        </a:spcBef>
-                        <a:spcAft>
-                          <a:spcPts val="0"/>
-                        </a:spcAft>
-                      </a:pPr>
-                      <a:r>
-                        <a:rPr lang="en-US" sz="1100">
-                          <a:effectLst/>
-                        </a:rPr>
-                        <a:t>ADD Vx, byte</a:t>
-                      </a:r>
-                      <a:endParaRPr lang="en-US" sz="1100">
-                        <a:solidFill>
-                          <a:srgbClr val="000000"/>
-                        </a:solidFill>
-                        <a:effectLst/>
-                        <a:latin typeface="Arial" panose="020B0604020202020204" pitchFamily="34" charset="0"/>
-                        <a:ea typeface="Calibri" panose="020F0502020204030204" pitchFamily="34" charset="0"/>
-                        <a:cs typeface="Times New Roman" panose="02020603050405020304" pitchFamily="18" charset="0"/>
-                      </a:endParaRPr>
-                    </a:p>
-                  </a:txBody>
-                  <a:tcPr marL="0" marR="0" marT="0" marB="0"/>
-                </a:tc>
-                <a:tc>
-                  <a:txBody>
-                    <a:bodyPr/>
-                    <a:lstStyle/>
-                    <a:p>
-                      <a:pPr marL="0" marR="0" algn="ctr">
-                        <a:lnSpc>
-                          <a:spcPct val="125000"/>
-                        </a:lnSpc>
-                        <a:spcBef>
-                          <a:spcPts val="0"/>
-                        </a:spcBef>
-                        <a:spcAft>
-                          <a:spcPts val="0"/>
-                        </a:spcAft>
-                      </a:pPr>
-                      <a:r>
-                        <a:rPr lang="sr-Cyrl-RS" sz="900">
-                          <a:effectLst/>
-                        </a:rPr>
-                        <a:t>У </a:t>
-                      </a:r>
-                      <a:r>
-                        <a:rPr lang="en-US" sz="900">
-                          <a:effectLst/>
-                        </a:rPr>
-                        <a:t>Vx </a:t>
-                      </a:r>
-                      <a:r>
-                        <a:rPr lang="sr-Cyrl-RS" sz="900">
-                          <a:effectLst/>
-                        </a:rPr>
-                        <a:t>учитај </a:t>
-                      </a:r>
-                      <a:r>
-                        <a:rPr lang="en-US" sz="900">
-                          <a:effectLst/>
-                        </a:rPr>
-                        <a:t>Vx + kk</a:t>
-                      </a:r>
-                      <a:endParaRPr lang="en-US" sz="1100">
-                        <a:solidFill>
-                          <a:srgbClr val="000000"/>
-                        </a:solidFill>
-                        <a:effectLst/>
-                        <a:latin typeface="Arial" panose="020B0604020202020204" pitchFamily="34" charset="0"/>
-                        <a:ea typeface="Calibri" panose="020F0502020204030204" pitchFamily="34" charset="0"/>
-                        <a:cs typeface="Times New Roman" panose="02020603050405020304" pitchFamily="18" charset="0"/>
-                      </a:endParaRPr>
-                    </a:p>
-                  </a:txBody>
-                  <a:tcPr marL="0" marR="0" marT="0" marB="0"/>
-                </a:tc>
-                <a:extLst>
-                  <a:ext uri="{0D108BD9-81ED-4DB2-BD59-A6C34878D82A}">
-                    <a16:rowId xmlns:a16="http://schemas.microsoft.com/office/drawing/2014/main" val="1759111533"/>
-                  </a:ext>
-                </a:extLst>
-              </a:tr>
-              <a:tr h="201463">
-                <a:tc>
-                  <a:txBody>
-                    <a:bodyPr/>
-                    <a:lstStyle/>
-                    <a:p>
-                      <a:pPr marL="0" marR="0" algn="ctr">
-                        <a:lnSpc>
-                          <a:spcPct val="125000"/>
-                        </a:lnSpc>
-                        <a:spcBef>
-                          <a:spcPts val="0"/>
-                        </a:spcBef>
-                        <a:spcAft>
-                          <a:spcPts val="0"/>
-                        </a:spcAft>
-                      </a:pPr>
-                      <a:r>
-                        <a:rPr lang="en-US" sz="1100">
-                          <a:effectLst/>
-                        </a:rPr>
-                        <a:t>8xy0</a:t>
-                      </a:r>
-                      <a:endParaRPr lang="en-US" sz="1100">
-                        <a:solidFill>
-                          <a:srgbClr val="000000"/>
-                        </a:solidFill>
-                        <a:effectLst/>
-                        <a:latin typeface="Arial" panose="020B0604020202020204" pitchFamily="34" charset="0"/>
-                        <a:ea typeface="Calibri" panose="020F0502020204030204" pitchFamily="34" charset="0"/>
-                        <a:cs typeface="Times New Roman" panose="02020603050405020304" pitchFamily="18" charset="0"/>
-                      </a:endParaRPr>
-                    </a:p>
-                  </a:txBody>
-                  <a:tcPr marL="0" marR="0" marT="0" marB="0"/>
-                </a:tc>
-                <a:tc>
-                  <a:txBody>
-                    <a:bodyPr/>
-                    <a:lstStyle/>
-                    <a:p>
-                      <a:pPr marL="0" marR="0" algn="ctr">
-                        <a:lnSpc>
-                          <a:spcPct val="125000"/>
-                        </a:lnSpc>
-                        <a:spcBef>
-                          <a:spcPts val="0"/>
-                        </a:spcBef>
-                        <a:spcAft>
-                          <a:spcPts val="0"/>
-                        </a:spcAft>
-                      </a:pPr>
-                      <a:r>
-                        <a:rPr lang="en-US" sz="1100">
-                          <a:effectLst/>
-                        </a:rPr>
-                        <a:t>LD Vx, Vy</a:t>
-                      </a:r>
-                      <a:endParaRPr lang="en-US" sz="1100">
-                        <a:solidFill>
-                          <a:srgbClr val="000000"/>
-                        </a:solidFill>
-                        <a:effectLst/>
-                        <a:latin typeface="Arial" panose="020B0604020202020204" pitchFamily="34" charset="0"/>
-                        <a:ea typeface="Calibri" panose="020F0502020204030204" pitchFamily="34" charset="0"/>
-                        <a:cs typeface="Times New Roman" panose="02020603050405020304" pitchFamily="18" charset="0"/>
-                      </a:endParaRPr>
-                    </a:p>
-                  </a:txBody>
-                  <a:tcPr marL="0" marR="0" marT="0" marB="0"/>
-                </a:tc>
-                <a:tc>
-                  <a:txBody>
-                    <a:bodyPr/>
-                    <a:lstStyle/>
-                    <a:p>
-                      <a:pPr marL="0" marR="0" algn="ctr">
-                        <a:lnSpc>
-                          <a:spcPct val="125000"/>
-                        </a:lnSpc>
-                        <a:spcBef>
-                          <a:spcPts val="0"/>
-                        </a:spcBef>
-                        <a:spcAft>
-                          <a:spcPts val="0"/>
-                        </a:spcAft>
-                      </a:pPr>
-                      <a:r>
-                        <a:rPr lang="sr-Cyrl-RS" sz="900">
-                          <a:effectLst/>
-                        </a:rPr>
-                        <a:t>У </a:t>
-                      </a:r>
-                      <a:r>
-                        <a:rPr lang="en-US" sz="900">
-                          <a:effectLst/>
-                        </a:rPr>
-                        <a:t>Vx </a:t>
-                      </a:r>
-                      <a:r>
-                        <a:rPr lang="sr-Cyrl-RS" sz="900">
-                          <a:effectLst/>
-                        </a:rPr>
-                        <a:t>учитај </a:t>
-                      </a:r>
-                      <a:r>
-                        <a:rPr lang="en-US" sz="900">
-                          <a:effectLst/>
-                        </a:rPr>
-                        <a:t>Vy</a:t>
-                      </a:r>
-                      <a:endParaRPr lang="en-US" sz="1100">
-                        <a:solidFill>
-                          <a:srgbClr val="000000"/>
-                        </a:solidFill>
-                        <a:effectLst/>
-                        <a:latin typeface="Arial" panose="020B0604020202020204" pitchFamily="34" charset="0"/>
-                        <a:ea typeface="Calibri" panose="020F0502020204030204" pitchFamily="34" charset="0"/>
-                        <a:cs typeface="Times New Roman" panose="02020603050405020304" pitchFamily="18" charset="0"/>
-                      </a:endParaRPr>
-                    </a:p>
-                  </a:txBody>
-                  <a:tcPr marL="0" marR="0" marT="0" marB="0"/>
-                </a:tc>
-                <a:extLst>
-                  <a:ext uri="{0D108BD9-81ED-4DB2-BD59-A6C34878D82A}">
-                    <a16:rowId xmlns:a16="http://schemas.microsoft.com/office/drawing/2014/main" val="1692028098"/>
-                  </a:ext>
-                </a:extLst>
-              </a:tr>
-              <a:tr h="201463">
-                <a:tc>
-                  <a:txBody>
-                    <a:bodyPr/>
-                    <a:lstStyle/>
-                    <a:p>
-                      <a:pPr marL="0" marR="0" algn="ctr">
-                        <a:lnSpc>
-                          <a:spcPct val="125000"/>
-                        </a:lnSpc>
-                        <a:spcBef>
-                          <a:spcPts val="0"/>
-                        </a:spcBef>
-                        <a:spcAft>
-                          <a:spcPts val="0"/>
-                        </a:spcAft>
-                      </a:pPr>
-                      <a:r>
-                        <a:rPr lang="en-US" sz="1100">
-                          <a:effectLst/>
-                        </a:rPr>
-                        <a:t>8xy1</a:t>
-                      </a:r>
-                      <a:endParaRPr lang="en-US" sz="1100">
-                        <a:solidFill>
-                          <a:srgbClr val="000000"/>
-                        </a:solidFill>
-                        <a:effectLst/>
-                        <a:latin typeface="Arial" panose="020B0604020202020204" pitchFamily="34" charset="0"/>
-                        <a:ea typeface="Calibri" panose="020F0502020204030204" pitchFamily="34" charset="0"/>
-                        <a:cs typeface="Times New Roman" panose="02020603050405020304" pitchFamily="18" charset="0"/>
-                      </a:endParaRPr>
-                    </a:p>
-                  </a:txBody>
-                  <a:tcPr marL="0" marR="0" marT="0" marB="0"/>
-                </a:tc>
-                <a:tc>
-                  <a:txBody>
-                    <a:bodyPr/>
-                    <a:lstStyle/>
-                    <a:p>
-                      <a:pPr marL="0" marR="0" algn="ctr">
-                        <a:lnSpc>
-                          <a:spcPct val="125000"/>
-                        </a:lnSpc>
-                        <a:spcBef>
-                          <a:spcPts val="0"/>
-                        </a:spcBef>
-                        <a:spcAft>
-                          <a:spcPts val="0"/>
-                        </a:spcAft>
-                      </a:pPr>
-                      <a:r>
-                        <a:rPr lang="en-US" sz="1100">
-                          <a:effectLst/>
-                        </a:rPr>
-                        <a:t>OR Vx, Vy</a:t>
-                      </a:r>
-                      <a:endParaRPr lang="en-US" sz="1100">
-                        <a:solidFill>
-                          <a:srgbClr val="000000"/>
-                        </a:solidFill>
-                        <a:effectLst/>
-                        <a:latin typeface="Arial" panose="020B0604020202020204" pitchFamily="34" charset="0"/>
-                        <a:ea typeface="Calibri" panose="020F0502020204030204" pitchFamily="34" charset="0"/>
-                        <a:cs typeface="Times New Roman" panose="02020603050405020304" pitchFamily="18" charset="0"/>
-                      </a:endParaRPr>
-                    </a:p>
-                  </a:txBody>
-                  <a:tcPr marL="0" marR="0" marT="0" marB="0"/>
-                </a:tc>
-                <a:tc>
-                  <a:txBody>
-                    <a:bodyPr/>
-                    <a:lstStyle/>
-                    <a:p>
-                      <a:pPr marL="0" marR="0" algn="ctr">
-                        <a:lnSpc>
-                          <a:spcPct val="125000"/>
-                        </a:lnSpc>
-                        <a:spcBef>
-                          <a:spcPts val="0"/>
-                        </a:spcBef>
-                        <a:spcAft>
-                          <a:spcPts val="0"/>
-                        </a:spcAft>
-                      </a:pPr>
-                      <a:r>
-                        <a:rPr lang="sr-Cyrl-RS" sz="900">
-                          <a:effectLst/>
-                        </a:rPr>
-                        <a:t>У </a:t>
-                      </a:r>
-                      <a:r>
-                        <a:rPr lang="en-US" sz="900">
-                          <a:effectLst/>
-                        </a:rPr>
-                        <a:t>Vx </a:t>
-                      </a:r>
-                      <a:r>
-                        <a:rPr lang="sr-Cyrl-RS" sz="900">
-                          <a:effectLst/>
-                        </a:rPr>
-                        <a:t>учитај </a:t>
-                      </a:r>
-                      <a:r>
-                        <a:rPr lang="en-US" sz="900">
-                          <a:effectLst/>
-                        </a:rPr>
-                        <a:t>Vx OR Vy</a:t>
-                      </a:r>
-                      <a:endParaRPr lang="en-US" sz="1100">
-                        <a:solidFill>
-                          <a:srgbClr val="000000"/>
-                        </a:solidFill>
-                        <a:effectLst/>
-                        <a:latin typeface="Arial" panose="020B0604020202020204" pitchFamily="34" charset="0"/>
-                        <a:ea typeface="Calibri" panose="020F0502020204030204" pitchFamily="34" charset="0"/>
-                        <a:cs typeface="Times New Roman" panose="02020603050405020304" pitchFamily="18" charset="0"/>
-                      </a:endParaRPr>
-                    </a:p>
-                  </a:txBody>
-                  <a:tcPr marL="0" marR="0" marT="0" marB="0"/>
-                </a:tc>
-                <a:extLst>
-                  <a:ext uri="{0D108BD9-81ED-4DB2-BD59-A6C34878D82A}">
-                    <a16:rowId xmlns:a16="http://schemas.microsoft.com/office/drawing/2014/main" val="2705451513"/>
-                  </a:ext>
-                </a:extLst>
-              </a:tr>
-              <a:tr h="201463">
-                <a:tc>
-                  <a:txBody>
-                    <a:bodyPr/>
-                    <a:lstStyle/>
-                    <a:p>
-                      <a:pPr marL="0" marR="0" algn="ctr">
-                        <a:lnSpc>
-                          <a:spcPct val="125000"/>
-                        </a:lnSpc>
-                        <a:spcBef>
-                          <a:spcPts val="0"/>
-                        </a:spcBef>
-                        <a:spcAft>
-                          <a:spcPts val="0"/>
-                        </a:spcAft>
-                      </a:pPr>
-                      <a:r>
-                        <a:rPr lang="en-US" sz="1100">
-                          <a:effectLst/>
-                        </a:rPr>
-                        <a:t>8xy2</a:t>
-                      </a:r>
-                      <a:endParaRPr lang="en-US" sz="1100">
-                        <a:solidFill>
-                          <a:srgbClr val="000000"/>
-                        </a:solidFill>
-                        <a:effectLst/>
-                        <a:latin typeface="Arial" panose="020B0604020202020204" pitchFamily="34" charset="0"/>
-                        <a:ea typeface="Calibri" panose="020F0502020204030204" pitchFamily="34" charset="0"/>
-                        <a:cs typeface="Times New Roman" panose="02020603050405020304" pitchFamily="18" charset="0"/>
-                      </a:endParaRPr>
-                    </a:p>
-                  </a:txBody>
-                  <a:tcPr marL="0" marR="0" marT="0" marB="0"/>
-                </a:tc>
-                <a:tc>
-                  <a:txBody>
-                    <a:bodyPr/>
-                    <a:lstStyle/>
-                    <a:p>
-                      <a:pPr marL="0" marR="0" algn="ctr">
-                        <a:lnSpc>
-                          <a:spcPct val="125000"/>
-                        </a:lnSpc>
-                        <a:spcBef>
-                          <a:spcPts val="0"/>
-                        </a:spcBef>
-                        <a:spcAft>
-                          <a:spcPts val="0"/>
-                        </a:spcAft>
-                      </a:pPr>
-                      <a:r>
-                        <a:rPr lang="en-US" sz="1100">
-                          <a:effectLst/>
-                        </a:rPr>
-                        <a:t>AND Vx, Vy</a:t>
-                      </a:r>
-                      <a:endParaRPr lang="en-US" sz="1100">
-                        <a:solidFill>
-                          <a:srgbClr val="000000"/>
-                        </a:solidFill>
-                        <a:effectLst/>
-                        <a:latin typeface="Arial" panose="020B0604020202020204" pitchFamily="34" charset="0"/>
-                        <a:ea typeface="Calibri" panose="020F0502020204030204" pitchFamily="34" charset="0"/>
-                        <a:cs typeface="Times New Roman" panose="02020603050405020304" pitchFamily="18" charset="0"/>
-                      </a:endParaRPr>
-                    </a:p>
-                  </a:txBody>
-                  <a:tcPr marL="0" marR="0" marT="0" marB="0"/>
-                </a:tc>
-                <a:tc>
-                  <a:txBody>
-                    <a:bodyPr/>
-                    <a:lstStyle/>
-                    <a:p>
-                      <a:pPr marL="0" marR="0" algn="ctr">
-                        <a:lnSpc>
-                          <a:spcPct val="125000"/>
-                        </a:lnSpc>
-                        <a:spcBef>
-                          <a:spcPts val="0"/>
-                        </a:spcBef>
-                        <a:spcAft>
-                          <a:spcPts val="0"/>
-                        </a:spcAft>
-                      </a:pPr>
-                      <a:r>
-                        <a:rPr lang="sr-Cyrl-RS" sz="900">
-                          <a:effectLst/>
-                        </a:rPr>
-                        <a:t>У </a:t>
-                      </a:r>
-                      <a:r>
-                        <a:rPr lang="en-US" sz="900">
-                          <a:effectLst/>
-                        </a:rPr>
-                        <a:t>Vx </a:t>
-                      </a:r>
-                      <a:r>
-                        <a:rPr lang="sr-Cyrl-RS" sz="900">
-                          <a:effectLst/>
-                        </a:rPr>
-                        <a:t>учитај </a:t>
-                      </a:r>
-                      <a:r>
-                        <a:rPr lang="en-US" sz="900">
-                          <a:effectLst/>
-                        </a:rPr>
-                        <a:t>Vx AND Vy</a:t>
-                      </a:r>
-                      <a:endParaRPr lang="en-US" sz="1100">
-                        <a:solidFill>
-                          <a:srgbClr val="000000"/>
-                        </a:solidFill>
-                        <a:effectLst/>
-                        <a:latin typeface="Arial" panose="020B0604020202020204" pitchFamily="34" charset="0"/>
-                        <a:ea typeface="Calibri" panose="020F0502020204030204" pitchFamily="34" charset="0"/>
-                        <a:cs typeface="Times New Roman" panose="02020603050405020304" pitchFamily="18" charset="0"/>
-                      </a:endParaRPr>
-                    </a:p>
-                  </a:txBody>
-                  <a:tcPr marL="0" marR="0" marT="0" marB="0"/>
-                </a:tc>
-                <a:extLst>
-                  <a:ext uri="{0D108BD9-81ED-4DB2-BD59-A6C34878D82A}">
-                    <a16:rowId xmlns:a16="http://schemas.microsoft.com/office/drawing/2014/main" val="2715704465"/>
-                  </a:ext>
-                </a:extLst>
-              </a:tr>
-              <a:tr h="201463">
-                <a:tc>
-                  <a:txBody>
-                    <a:bodyPr/>
-                    <a:lstStyle/>
-                    <a:p>
-                      <a:pPr marL="0" marR="0" algn="ctr">
-                        <a:lnSpc>
-                          <a:spcPct val="125000"/>
-                        </a:lnSpc>
-                        <a:spcBef>
-                          <a:spcPts val="0"/>
-                        </a:spcBef>
-                        <a:spcAft>
-                          <a:spcPts val="0"/>
-                        </a:spcAft>
-                      </a:pPr>
-                      <a:r>
-                        <a:rPr lang="en-US" sz="1100">
-                          <a:effectLst/>
-                        </a:rPr>
-                        <a:t>8xy3</a:t>
-                      </a:r>
-                      <a:endParaRPr lang="en-US" sz="1100">
-                        <a:solidFill>
-                          <a:srgbClr val="000000"/>
-                        </a:solidFill>
-                        <a:effectLst/>
-                        <a:latin typeface="Arial" panose="020B0604020202020204" pitchFamily="34" charset="0"/>
-                        <a:ea typeface="Calibri" panose="020F0502020204030204" pitchFamily="34" charset="0"/>
-                        <a:cs typeface="Times New Roman" panose="02020603050405020304" pitchFamily="18" charset="0"/>
-                      </a:endParaRPr>
-                    </a:p>
-                  </a:txBody>
-                  <a:tcPr marL="0" marR="0" marT="0" marB="0"/>
-                </a:tc>
-                <a:tc>
-                  <a:txBody>
-                    <a:bodyPr/>
-                    <a:lstStyle/>
-                    <a:p>
-                      <a:pPr marL="0" marR="0" algn="ctr">
-                        <a:lnSpc>
-                          <a:spcPct val="125000"/>
-                        </a:lnSpc>
-                        <a:spcBef>
-                          <a:spcPts val="0"/>
-                        </a:spcBef>
-                        <a:spcAft>
-                          <a:spcPts val="0"/>
-                        </a:spcAft>
-                      </a:pPr>
-                      <a:r>
-                        <a:rPr lang="en-US" sz="1100">
-                          <a:effectLst/>
-                        </a:rPr>
-                        <a:t>XOR Vx, Vy</a:t>
-                      </a:r>
-                      <a:endParaRPr lang="en-US" sz="1100">
-                        <a:solidFill>
-                          <a:srgbClr val="000000"/>
-                        </a:solidFill>
-                        <a:effectLst/>
-                        <a:latin typeface="Arial" panose="020B0604020202020204" pitchFamily="34" charset="0"/>
-                        <a:ea typeface="Calibri" panose="020F0502020204030204" pitchFamily="34" charset="0"/>
-                        <a:cs typeface="Times New Roman" panose="02020603050405020304" pitchFamily="18" charset="0"/>
-                      </a:endParaRPr>
-                    </a:p>
-                  </a:txBody>
-                  <a:tcPr marL="0" marR="0" marT="0" marB="0"/>
-                </a:tc>
-                <a:tc>
-                  <a:txBody>
-                    <a:bodyPr/>
-                    <a:lstStyle/>
-                    <a:p>
-                      <a:pPr marL="0" marR="0" algn="ctr">
-                        <a:lnSpc>
-                          <a:spcPct val="125000"/>
-                        </a:lnSpc>
-                        <a:spcBef>
-                          <a:spcPts val="0"/>
-                        </a:spcBef>
-                        <a:spcAft>
-                          <a:spcPts val="0"/>
-                        </a:spcAft>
-                      </a:pPr>
-                      <a:r>
-                        <a:rPr lang="sr-Cyrl-RS" sz="900">
-                          <a:effectLst/>
-                        </a:rPr>
-                        <a:t>У </a:t>
-                      </a:r>
-                      <a:r>
-                        <a:rPr lang="en-US" sz="900">
-                          <a:effectLst/>
-                        </a:rPr>
-                        <a:t>Vx </a:t>
-                      </a:r>
-                      <a:r>
-                        <a:rPr lang="sr-Cyrl-RS" sz="900">
-                          <a:effectLst/>
-                        </a:rPr>
-                        <a:t>учитај </a:t>
-                      </a:r>
-                      <a:r>
-                        <a:rPr lang="en-US" sz="900">
-                          <a:effectLst/>
-                        </a:rPr>
-                        <a:t>Vx XOR Vy</a:t>
-                      </a:r>
-                      <a:endParaRPr lang="en-US" sz="1100">
-                        <a:solidFill>
-                          <a:srgbClr val="000000"/>
-                        </a:solidFill>
-                        <a:effectLst/>
-                        <a:latin typeface="Arial" panose="020B0604020202020204" pitchFamily="34" charset="0"/>
-                        <a:ea typeface="Calibri" panose="020F0502020204030204" pitchFamily="34" charset="0"/>
-                        <a:cs typeface="Times New Roman" panose="02020603050405020304" pitchFamily="18" charset="0"/>
-                      </a:endParaRPr>
-                    </a:p>
-                  </a:txBody>
-                  <a:tcPr marL="0" marR="0" marT="0" marB="0"/>
-                </a:tc>
-                <a:extLst>
-                  <a:ext uri="{0D108BD9-81ED-4DB2-BD59-A6C34878D82A}">
-                    <a16:rowId xmlns:a16="http://schemas.microsoft.com/office/drawing/2014/main" val="3709776192"/>
-                  </a:ext>
-                </a:extLst>
-              </a:tr>
-              <a:tr h="201463">
-                <a:tc>
-                  <a:txBody>
-                    <a:bodyPr/>
-                    <a:lstStyle/>
-                    <a:p>
-                      <a:pPr marL="0" marR="0" algn="ctr">
-                        <a:lnSpc>
-                          <a:spcPct val="125000"/>
-                        </a:lnSpc>
-                        <a:spcBef>
-                          <a:spcPts val="0"/>
-                        </a:spcBef>
-                        <a:spcAft>
-                          <a:spcPts val="0"/>
-                        </a:spcAft>
-                      </a:pPr>
-                      <a:r>
-                        <a:rPr lang="en-US" sz="1100">
-                          <a:effectLst/>
-                        </a:rPr>
-                        <a:t>8xy4</a:t>
-                      </a:r>
-                      <a:endParaRPr lang="en-US" sz="1100">
-                        <a:solidFill>
-                          <a:srgbClr val="000000"/>
-                        </a:solidFill>
-                        <a:effectLst/>
-                        <a:latin typeface="Arial" panose="020B0604020202020204" pitchFamily="34" charset="0"/>
-                        <a:ea typeface="Calibri" panose="020F0502020204030204" pitchFamily="34" charset="0"/>
-                        <a:cs typeface="Times New Roman" panose="02020603050405020304" pitchFamily="18" charset="0"/>
-                      </a:endParaRPr>
-                    </a:p>
-                  </a:txBody>
-                  <a:tcPr marL="0" marR="0" marT="0" marB="0"/>
-                </a:tc>
-                <a:tc>
-                  <a:txBody>
-                    <a:bodyPr/>
-                    <a:lstStyle/>
-                    <a:p>
-                      <a:pPr marL="0" marR="0" algn="ctr">
-                        <a:lnSpc>
-                          <a:spcPct val="125000"/>
-                        </a:lnSpc>
-                        <a:spcBef>
-                          <a:spcPts val="0"/>
-                        </a:spcBef>
-                        <a:spcAft>
-                          <a:spcPts val="0"/>
-                        </a:spcAft>
-                      </a:pPr>
-                      <a:r>
-                        <a:rPr lang="en-US" sz="1100">
-                          <a:effectLst/>
-                        </a:rPr>
-                        <a:t>ADD Vx, Vy</a:t>
-                      </a:r>
-                      <a:endParaRPr lang="en-US" sz="1100">
-                        <a:solidFill>
-                          <a:srgbClr val="000000"/>
-                        </a:solidFill>
-                        <a:effectLst/>
-                        <a:latin typeface="Arial" panose="020B0604020202020204" pitchFamily="34" charset="0"/>
-                        <a:ea typeface="Calibri" panose="020F0502020204030204" pitchFamily="34" charset="0"/>
-                        <a:cs typeface="Times New Roman" panose="02020603050405020304" pitchFamily="18" charset="0"/>
-                      </a:endParaRPr>
-                    </a:p>
-                  </a:txBody>
-                  <a:tcPr marL="0" marR="0" marT="0" marB="0"/>
-                </a:tc>
-                <a:tc>
-                  <a:txBody>
-                    <a:bodyPr/>
-                    <a:lstStyle/>
-                    <a:p>
-                      <a:pPr marL="0" marR="0" algn="ctr">
-                        <a:lnSpc>
-                          <a:spcPct val="125000"/>
-                        </a:lnSpc>
-                        <a:spcBef>
-                          <a:spcPts val="0"/>
-                        </a:spcBef>
-                        <a:spcAft>
-                          <a:spcPts val="0"/>
-                        </a:spcAft>
-                      </a:pPr>
-                      <a:r>
-                        <a:rPr lang="sr-Cyrl-RS" sz="900">
-                          <a:effectLst/>
-                        </a:rPr>
-                        <a:t>У </a:t>
-                      </a:r>
-                      <a:r>
-                        <a:rPr lang="en-US" sz="900">
-                          <a:effectLst/>
-                        </a:rPr>
-                        <a:t>Vx </a:t>
-                      </a:r>
-                      <a:r>
-                        <a:rPr lang="sr-Cyrl-RS" sz="900">
-                          <a:effectLst/>
-                        </a:rPr>
-                        <a:t>учитај </a:t>
-                      </a:r>
-                      <a:r>
-                        <a:rPr lang="en-US" sz="900">
-                          <a:effectLst/>
-                        </a:rPr>
-                        <a:t>Vx ADD Vy</a:t>
-                      </a:r>
-                      <a:endParaRPr lang="en-US" sz="1100">
-                        <a:solidFill>
-                          <a:srgbClr val="000000"/>
-                        </a:solidFill>
-                        <a:effectLst/>
-                        <a:latin typeface="Arial" panose="020B0604020202020204" pitchFamily="34" charset="0"/>
-                        <a:ea typeface="Calibri" panose="020F0502020204030204" pitchFamily="34" charset="0"/>
-                        <a:cs typeface="Times New Roman" panose="02020603050405020304" pitchFamily="18" charset="0"/>
-                      </a:endParaRPr>
-                    </a:p>
-                  </a:txBody>
-                  <a:tcPr marL="0" marR="0" marT="0" marB="0"/>
-                </a:tc>
-                <a:extLst>
-                  <a:ext uri="{0D108BD9-81ED-4DB2-BD59-A6C34878D82A}">
-                    <a16:rowId xmlns:a16="http://schemas.microsoft.com/office/drawing/2014/main" val="1790966581"/>
-                  </a:ext>
-                </a:extLst>
-              </a:tr>
-              <a:tr h="201463">
-                <a:tc>
-                  <a:txBody>
-                    <a:bodyPr/>
-                    <a:lstStyle/>
-                    <a:p>
-                      <a:pPr marL="0" marR="0" algn="ctr">
-                        <a:lnSpc>
-                          <a:spcPct val="125000"/>
-                        </a:lnSpc>
-                        <a:spcBef>
-                          <a:spcPts val="0"/>
-                        </a:spcBef>
-                        <a:spcAft>
-                          <a:spcPts val="0"/>
-                        </a:spcAft>
-                      </a:pPr>
-                      <a:r>
-                        <a:rPr lang="en-US" sz="1100">
-                          <a:effectLst/>
-                        </a:rPr>
-                        <a:t>8xy5</a:t>
-                      </a:r>
-                      <a:endParaRPr lang="en-US" sz="1100">
-                        <a:solidFill>
-                          <a:srgbClr val="000000"/>
-                        </a:solidFill>
-                        <a:effectLst/>
-                        <a:latin typeface="Arial" panose="020B0604020202020204" pitchFamily="34" charset="0"/>
-                        <a:ea typeface="Calibri" panose="020F0502020204030204" pitchFamily="34" charset="0"/>
-                        <a:cs typeface="Times New Roman" panose="02020603050405020304" pitchFamily="18" charset="0"/>
-                      </a:endParaRPr>
-                    </a:p>
-                  </a:txBody>
-                  <a:tcPr marL="0" marR="0" marT="0" marB="0"/>
-                </a:tc>
-                <a:tc>
-                  <a:txBody>
-                    <a:bodyPr/>
-                    <a:lstStyle/>
-                    <a:p>
-                      <a:pPr marL="0" marR="0" algn="ctr">
-                        <a:lnSpc>
-                          <a:spcPct val="125000"/>
-                        </a:lnSpc>
-                        <a:spcBef>
-                          <a:spcPts val="0"/>
-                        </a:spcBef>
-                        <a:spcAft>
-                          <a:spcPts val="0"/>
-                        </a:spcAft>
-                      </a:pPr>
-                      <a:r>
-                        <a:rPr lang="en-US" sz="1100">
-                          <a:effectLst/>
-                        </a:rPr>
-                        <a:t>SUB Vx, Vy</a:t>
-                      </a:r>
-                      <a:endParaRPr lang="en-US" sz="1100">
-                        <a:solidFill>
-                          <a:srgbClr val="000000"/>
-                        </a:solidFill>
-                        <a:effectLst/>
-                        <a:latin typeface="Arial" panose="020B0604020202020204" pitchFamily="34" charset="0"/>
-                        <a:ea typeface="Calibri" panose="020F0502020204030204" pitchFamily="34" charset="0"/>
-                        <a:cs typeface="Times New Roman" panose="02020603050405020304" pitchFamily="18" charset="0"/>
-                      </a:endParaRPr>
-                    </a:p>
-                  </a:txBody>
-                  <a:tcPr marL="0" marR="0" marT="0" marB="0"/>
-                </a:tc>
-                <a:tc>
-                  <a:txBody>
-                    <a:bodyPr/>
-                    <a:lstStyle/>
-                    <a:p>
-                      <a:pPr marL="0" marR="0" algn="ctr">
-                        <a:lnSpc>
-                          <a:spcPct val="125000"/>
-                        </a:lnSpc>
-                        <a:spcBef>
-                          <a:spcPts val="0"/>
-                        </a:spcBef>
-                        <a:spcAft>
-                          <a:spcPts val="0"/>
-                        </a:spcAft>
-                      </a:pPr>
-                      <a:r>
-                        <a:rPr lang="sr-Cyrl-RS" sz="900">
-                          <a:effectLst/>
-                        </a:rPr>
-                        <a:t>У </a:t>
-                      </a:r>
-                      <a:r>
-                        <a:rPr lang="en-US" sz="900">
-                          <a:effectLst/>
-                        </a:rPr>
-                        <a:t>Vx </a:t>
-                      </a:r>
-                      <a:r>
-                        <a:rPr lang="sr-Cyrl-RS" sz="900">
-                          <a:effectLst/>
-                        </a:rPr>
-                        <a:t>учитај </a:t>
-                      </a:r>
-                      <a:r>
-                        <a:rPr lang="en-US" sz="900">
-                          <a:effectLst/>
-                        </a:rPr>
-                        <a:t>Vx SUB Vy</a:t>
-                      </a:r>
-                      <a:endParaRPr lang="en-US" sz="1100">
-                        <a:solidFill>
-                          <a:srgbClr val="000000"/>
-                        </a:solidFill>
-                        <a:effectLst/>
-                        <a:latin typeface="Arial" panose="020B0604020202020204" pitchFamily="34" charset="0"/>
-                        <a:ea typeface="Calibri" panose="020F0502020204030204" pitchFamily="34" charset="0"/>
-                        <a:cs typeface="Times New Roman" panose="02020603050405020304" pitchFamily="18" charset="0"/>
-                      </a:endParaRPr>
-                    </a:p>
-                  </a:txBody>
-                  <a:tcPr marL="0" marR="0" marT="0" marB="0"/>
-                </a:tc>
-                <a:extLst>
-                  <a:ext uri="{0D108BD9-81ED-4DB2-BD59-A6C34878D82A}">
-                    <a16:rowId xmlns:a16="http://schemas.microsoft.com/office/drawing/2014/main" val="2633038854"/>
-                  </a:ext>
-                </a:extLst>
-              </a:tr>
-              <a:tr h="201463">
-                <a:tc>
-                  <a:txBody>
-                    <a:bodyPr/>
-                    <a:lstStyle/>
-                    <a:p>
-                      <a:pPr marL="0" marR="0" algn="ctr">
-                        <a:lnSpc>
-                          <a:spcPct val="125000"/>
-                        </a:lnSpc>
-                        <a:spcBef>
-                          <a:spcPts val="0"/>
-                        </a:spcBef>
-                        <a:spcAft>
-                          <a:spcPts val="0"/>
-                        </a:spcAft>
-                      </a:pPr>
-                      <a:r>
-                        <a:rPr lang="en-US" sz="1100">
-                          <a:effectLst/>
-                        </a:rPr>
-                        <a:t>8xy6</a:t>
-                      </a:r>
-                      <a:endParaRPr lang="en-US" sz="1100">
-                        <a:solidFill>
-                          <a:srgbClr val="000000"/>
-                        </a:solidFill>
-                        <a:effectLst/>
-                        <a:latin typeface="Arial" panose="020B0604020202020204" pitchFamily="34" charset="0"/>
-                        <a:ea typeface="Calibri" panose="020F0502020204030204" pitchFamily="34" charset="0"/>
-                        <a:cs typeface="Times New Roman" panose="02020603050405020304" pitchFamily="18" charset="0"/>
-                      </a:endParaRPr>
-                    </a:p>
-                  </a:txBody>
-                  <a:tcPr marL="0" marR="0" marT="0" marB="0"/>
-                </a:tc>
-                <a:tc>
-                  <a:txBody>
-                    <a:bodyPr/>
-                    <a:lstStyle/>
-                    <a:p>
-                      <a:pPr marL="0" marR="0" algn="ctr">
-                        <a:lnSpc>
-                          <a:spcPct val="125000"/>
-                        </a:lnSpc>
-                        <a:spcBef>
-                          <a:spcPts val="0"/>
-                        </a:spcBef>
-                        <a:spcAft>
-                          <a:spcPts val="0"/>
-                        </a:spcAft>
-                      </a:pPr>
-                      <a:r>
-                        <a:rPr lang="en-US" sz="1100">
-                          <a:effectLst/>
-                        </a:rPr>
-                        <a:t>SHR Vx {, Vy}</a:t>
-                      </a:r>
-                      <a:endParaRPr lang="en-US" sz="1100">
-                        <a:solidFill>
-                          <a:srgbClr val="000000"/>
-                        </a:solidFill>
-                        <a:effectLst/>
-                        <a:latin typeface="Arial" panose="020B0604020202020204" pitchFamily="34" charset="0"/>
-                        <a:ea typeface="Calibri" panose="020F0502020204030204" pitchFamily="34" charset="0"/>
-                        <a:cs typeface="Times New Roman" panose="02020603050405020304" pitchFamily="18" charset="0"/>
-                      </a:endParaRPr>
-                    </a:p>
-                  </a:txBody>
-                  <a:tcPr marL="0" marR="0" marT="0" marB="0"/>
-                </a:tc>
-                <a:tc>
-                  <a:txBody>
-                    <a:bodyPr/>
-                    <a:lstStyle/>
-                    <a:p>
-                      <a:pPr marL="0" marR="0" algn="ctr">
-                        <a:lnSpc>
-                          <a:spcPct val="125000"/>
-                        </a:lnSpc>
-                        <a:spcBef>
-                          <a:spcPts val="0"/>
-                        </a:spcBef>
-                        <a:spcAft>
-                          <a:spcPts val="0"/>
-                        </a:spcAft>
-                      </a:pPr>
-                      <a:r>
-                        <a:rPr lang="sr-Cyrl-RS" sz="900">
-                          <a:effectLst/>
-                        </a:rPr>
-                        <a:t>У </a:t>
-                      </a:r>
-                      <a:r>
-                        <a:rPr lang="en-US" sz="900">
-                          <a:effectLst/>
-                        </a:rPr>
-                        <a:t>Vx </a:t>
-                      </a:r>
-                      <a:r>
-                        <a:rPr lang="sr-Cyrl-RS" sz="900">
-                          <a:effectLst/>
-                        </a:rPr>
-                        <a:t>учитај </a:t>
-                      </a:r>
-                      <a:r>
-                        <a:rPr lang="en-US" sz="900">
-                          <a:effectLst/>
-                        </a:rPr>
-                        <a:t>Vx SHR 1</a:t>
-                      </a:r>
-                      <a:endParaRPr lang="en-US" sz="1100">
-                        <a:solidFill>
-                          <a:srgbClr val="000000"/>
-                        </a:solidFill>
-                        <a:effectLst/>
-                        <a:latin typeface="Arial" panose="020B0604020202020204" pitchFamily="34" charset="0"/>
-                        <a:ea typeface="Calibri" panose="020F0502020204030204" pitchFamily="34" charset="0"/>
-                        <a:cs typeface="Times New Roman" panose="02020603050405020304" pitchFamily="18" charset="0"/>
-                      </a:endParaRPr>
-                    </a:p>
-                  </a:txBody>
-                  <a:tcPr marL="0" marR="0" marT="0" marB="0"/>
-                </a:tc>
-                <a:extLst>
-                  <a:ext uri="{0D108BD9-81ED-4DB2-BD59-A6C34878D82A}">
-                    <a16:rowId xmlns:a16="http://schemas.microsoft.com/office/drawing/2014/main" val="4019915221"/>
-                  </a:ext>
-                </a:extLst>
-              </a:tr>
-            </a:tbl>
-          </a:graphicData>
-        </a:graphic>
-      </p:graphicFrame>
-      <p:graphicFrame>
-        <p:nvGraphicFramePr>
-          <p:cNvPr id="10" name="Table 9">
-            <a:extLst>
-              <a:ext uri="{FF2B5EF4-FFF2-40B4-BE49-F238E27FC236}">
-                <a16:creationId xmlns:a16="http://schemas.microsoft.com/office/drawing/2014/main" id="{175ED1A8-B482-4005-9DC1-A00A6202EC68}"/>
-              </a:ext>
-            </a:extLst>
-          </p:cNvPr>
-          <p:cNvGraphicFramePr>
-            <a:graphicFrameLocks noGrp="1"/>
-          </p:cNvGraphicFramePr>
-          <p:nvPr>
-            <p:extLst>
-              <p:ext uri="{D42A27DB-BD31-4B8C-83A1-F6EECF244321}">
-                <p14:modId xmlns:p14="http://schemas.microsoft.com/office/powerpoint/2010/main" val="3455508012"/>
-              </p:ext>
-            </p:extLst>
-          </p:nvPr>
-        </p:nvGraphicFramePr>
-        <p:xfrm>
-          <a:off x="6252596" y="1761688"/>
-          <a:ext cx="4988652" cy="4924933"/>
-        </p:xfrm>
-        <a:graphic>
-          <a:graphicData uri="http://schemas.openxmlformats.org/drawingml/2006/table">
-            <a:tbl>
-              <a:tblPr firstRow="1" firstCol="1" bandRow="1">
-                <a:tableStyleId>{5C22544A-7EE6-4342-B048-85BDC9FD1C3A}</a:tableStyleId>
-              </a:tblPr>
-              <a:tblGrid>
-                <a:gridCol w="708048">
-                  <a:extLst>
-                    <a:ext uri="{9D8B030D-6E8A-4147-A177-3AD203B41FA5}">
-                      <a16:colId xmlns:a16="http://schemas.microsoft.com/office/drawing/2014/main" val="4095157794"/>
-                    </a:ext>
-                  </a:extLst>
-                </a:gridCol>
-                <a:gridCol w="2617547">
-                  <a:extLst>
-                    <a:ext uri="{9D8B030D-6E8A-4147-A177-3AD203B41FA5}">
-                      <a16:colId xmlns:a16="http://schemas.microsoft.com/office/drawing/2014/main" val="782071222"/>
-                    </a:ext>
-                  </a:extLst>
-                </a:gridCol>
-                <a:gridCol w="1663057">
-                  <a:extLst>
-                    <a:ext uri="{9D8B030D-6E8A-4147-A177-3AD203B41FA5}">
-                      <a16:colId xmlns:a16="http://schemas.microsoft.com/office/drawing/2014/main" val="187020815"/>
-                    </a:ext>
-                  </a:extLst>
-                </a:gridCol>
-              </a:tblGrid>
-              <a:tr h="248369">
-                <a:tc>
-                  <a:txBody>
-                    <a:bodyPr/>
-                    <a:lstStyle/>
-                    <a:p>
-                      <a:pPr marL="0" marR="0" algn="ctr">
-                        <a:lnSpc>
-                          <a:spcPct val="125000"/>
-                        </a:lnSpc>
-                        <a:spcBef>
-                          <a:spcPts val="0"/>
-                        </a:spcBef>
-                        <a:spcAft>
-                          <a:spcPts val="0"/>
-                        </a:spcAft>
-                      </a:pPr>
-                      <a:r>
-                        <a:rPr lang="sr-Cyrl-RS" sz="700">
-                          <a:effectLst/>
-                        </a:rPr>
-                        <a:t>Операциони код</a:t>
-                      </a:r>
-                      <a:endParaRPr lang="en-US" sz="700">
-                        <a:solidFill>
-                          <a:srgbClr val="000000"/>
-                        </a:solidFill>
-                        <a:effectLst/>
-                        <a:latin typeface="Arial" panose="020B0604020202020204" pitchFamily="34" charset="0"/>
-                        <a:ea typeface="Calibri" panose="020F0502020204030204" pitchFamily="34" charset="0"/>
-                        <a:cs typeface="Times New Roman" panose="02020603050405020304" pitchFamily="18" charset="0"/>
-                      </a:endParaRPr>
-                    </a:p>
-                  </a:txBody>
-                  <a:tcPr marL="0" marR="0" marT="0" marB="0"/>
-                </a:tc>
-                <a:tc>
-                  <a:txBody>
-                    <a:bodyPr/>
-                    <a:lstStyle/>
-                    <a:p>
-                      <a:pPr marL="0" marR="0" algn="ctr">
-                        <a:lnSpc>
-                          <a:spcPct val="125000"/>
-                        </a:lnSpc>
-                        <a:spcBef>
-                          <a:spcPts val="0"/>
-                        </a:spcBef>
-                        <a:spcAft>
-                          <a:spcPts val="0"/>
-                        </a:spcAft>
-                      </a:pPr>
-                      <a:r>
-                        <a:rPr lang="sr-Cyrl-RS" sz="700">
-                          <a:effectLst/>
-                        </a:rPr>
-                        <a:t>Инструкција</a:t>
-                      </a:r>
-                      <a:endParaRPr lang="en-US" sz="700">
-                        <a:solidFill>
-                          <a:srgbClr val="000000"/>
-                        </a:solidFill>
-                        <a:effectLst/>
-                        <a:latin typeface="Arial" panose="020B0604020202020204" pitchFamily="34" charset="0"/>
-                        <a:ea typeface="Calibri" panose="020F0502020204030204" pitchFamily="34" charset="0"/>
-                        <a:cs typeface="Times New Roman" panose="02020603050405020304" pitchFamily="18" charset="0"/>
-                      </a:endParaRPr>
-                    </a:p>
-                  </a:txBody>
-                  <a:tcPr marL="0" marR="0" marT="0" marB="0"/>
-                </a:tc>
-                <a:tc>
-                  <a:txBody>
-                    <a:bodyPr/>
-                    <a:lstStyle/>
-                    <a:p>
-                      <a:pPr marL="0" marR="0" algn="ctr">
-                        <a:lnSpc>
-                          <a:spcPct val="125000"/>
-                        </a:lnSpc>
-                        <a:spcBef>
-                          <a:spcPts val="0"/>
-                        </a:spcBef>
-                        <a:spcAft>
-                          <a:spcPts val="0"/>
-                        </a:spcAft>
-                      </a:pPr>
-                      <a:r>
-                        <a:rPr lang="sr-Cyrl-RS" sz="700">
-                          <a:effectLst/>
-                        </a:rPr>
-                        <a:t>Опис инструкције</a:t>
-                      </a:r>
-                      <a:endParaRPr lang="en-US" sz="700">
-                        <a:solidFill>
-                          <a:srgbClr val="000000"/>
-                        </a:solidFill>
-                        <a:effectLst/>
-                        <a:latin typeface="Arial" panose="020B0604020202020204" pitchFamily="34" charset="0"/>
-                        <a:ea typeface="Calibri" panose="020F0502020204030204" pitchFamily="34" charset="0"/>
-                        <a:cs typeface="Times New Roman" panose="02020603050405020304" pitchFamily="18" charset="0"/>
-                      </a:endParaRPr>
-                    </a:p>
-                  </a:txBody>
-                  <a:tcPr marL="0" marR="0" marT="0" marB="0"/>
-                </a:tc>
-                <a:extLst>
-                  <a:ext uri="{0D108BD9-81ED-4DB2-BD59-A6C34878D82A}">
-                    <a16:rowId xmlns:a16="http://schemas.microsoft.com/office/drawing/2014/main" val="1308734092"/>
-                  </a:ext>
-                </a:extLst>
-              </a:tr>
-              <a:tr h="263803">
-                <a:tc>
-                  <a:txBody>
-                    <a:bodyPr/>
-                    <a:lstStyle/>
-                    <a:p>
-                      <a:pPr marL="0" marR="0" algn="ctr">
-                        <a:lnSpc>
-                          <a:spcPct val="125000"/>
-                        </a:lnSpc>
-                        <a:spcBef>
-                          <a:spcPts val="0"/>
-                        </a:spcBef>
-                        <a:spcAft>
-                          <a:spcPts val="0"/>
-                        </a:spcAft>
-                      </a:pPr>
-                      <a:r>
-                        <a:rPr lang="en-US" sz="700">
-                          <a:effectLst/>
-                        </a:rPr>
-                        <a:t>8xy7</a:t>
-                      </a:r>
-                      <a:endParaRPr lang="en-US" sz="700">
-                        <a:solidFill>
-                          <a:srgbClr val="000000"/>
-                        </a:solidFill>
-                        <a:effectLst/>
-                        <a:latin typeface="Arial" panose="020B0604020202020204" pitchFamily="34" charset="0"/>
-                        <a:ea typeface="Calibri" panose="020F0502020204030204" pitchFamily="34" charset="0"/>
-                        <a:cs typeface="Times New Roman" panose="02020603050405020304" pitchFamily="18" charset="0"/>
-                      </a:endParaRPr>
-                    </a:p>
-                  </a:txBody>
-                  <a:tcPr marL="0" marR="0" marT="0" marB="0"/>
-                </a:tc>
-                <a:tc>
-                  <a:txBody>
-                    <a:bodyPr/>
-                    <a:lstStyle/>
-                    <a:p>
-                      <a:pPr marL="0" marR="0" algn="ctr">
-                        <a:lnSpc>
-                          <a:spcPct val="125000"/>
-                        </a:lnSpc>
-                        <a:spcBef>
-                          <a:spcPts val="0"/>
-                        </a:spcBef>
-                        <a:spcAft>
-                          <a:spcPts val="0"/>
-                        </a:spcAft>
-                      </a:pPr>
-                      <a:r>
-                        <a:rPr lang="en-US" sz="700">
-                          <a:effectLst/>
-                        </a:rPr>
-                        <a:t>SUBN Vx, Vy</a:t>
-                      </a:r>
-                      <a:endParaRPr lang="en-US" sz="700">
-                        <a:solidFill>
-                          <a:srgbClr val="000000"/>
-                        </a:solidFill>
-                        <a:effectLst/>
-                        <a:latin typeface="Arial" panose="020B0604020202020204" pitchFamily="34" charset="0"/>
-                        <a:ea typeface="Calibri" panose="020F0502020204030204" pitchFamily="34" charset="0"/>
-                        <a:cs typeface="Times New Roman" panose="02020603050405020304" pitchFamily="18" charset="0"/>
-                      </a:endParaRPr>
-                    </a:p>
-                  </a:txBody>
-                  <a:tcPr marL="0" marR="0" marT="0" marB="0"/>
-                </a:tc>
-                <a:tc>
-                  <a:txBody>
-                    <a:bodyPr/>
-                    <a:lstStyle/>
-                    <a:p>
-                      <a:pPr marL="0" marR="0" algn="ctr">
-                        <a:lnSpc>
-                          <a:spcPct val="125000"/>
-                        </a:lnSpc>
-                        <a:spcBef>
-                          <a:spcPts val="0"/>
-                        </a:spcBef>
-                        <a:spcAft>
-                          <a:spcPts val="0"/>
-                        </a:spcAft>
-                      </a:pPr>
-                      <a:r>
-                        <a:rPr lang="sr-Cyrl-RS" sz="600">
-                          <a:effectLst/>
-                        </a:rPr>
-                        <a:t>У </a:t>
-                      </a:r>
-                      <a:r>
-                        <a:rPr lang="en-US" sz="600">
-                          <a:effectLst/>
-                        </a:rPr>
-                        <a:t>Vx </a:t>
-                      </a:r>
-                      <a:r>
-                        <a:rPr lang="sr-Cyrl-RS" sz="600">
-                          <a:effectLst/>
-                        </a:rPr>
-                        <a:t>учитај </a:t>
-                      </a:r>
-                      <a:r>
-                        <a:rPr lang="en-US" sz="600">
-                          <a:effectLst/>
-                        </a:rPr>
-                        <a:t>Vy SUB Vx, </a:t>
-                      </a:r>
-                      <a:r>
-                        <a:rPr lang="sr-Cyrl-RS" sz="600">
-                          <a:effectLst/>
-                        </a:rPr>
-                        <a:t>у </a:t>
-                      </a:r>
-                      <a:r>
-                        <a:rPr lang="en-US" sz="600">
-                          <a:effectLst/>
-                        </a:rPr>
-                        <a:t>VF </a:t>
-                      </a:r>
-                      <a:r>
-                        <a:rPr lang="sr-Cyrl-RS" sz="600">
-                          <a:effectLst/>
-                        </a:rPr>
-                        <a:t>учитај 1 ако је </a:t>
-                      </a:r>
-                      <a:r>
-                        <a:rPr lang="en-US" sz="600">
-                          <a:effectLst/>
-                        </a:rPr>
-                        <a:t>Vy &gt; Vx</a:t>
-                      </a:r>
-                      <a:endParaRPr lang="en-US" sz="700">
-                        <a:solidFill>
-                          <a:srgbClr val="000000"/>
-                        </a:solidFill>
-                        <a:effectLst/>
-                        <a:latin typeface="Arial" panose="020B0604020202020204" pitchFamily="34" charset="0"/>
-                        <a:ea typeface="Calibri" panose="020F0502020204030204" pitchFamily="34" charset="0"/>
-                        <a:cs typeface="Times New Roman" panose="02020603050405020304" pitchFamily="18" charset="0"/>
-                      </a:endParaRPr>
-                    </a:p>
-                  </a:txBody>
-                  <a:tcPr marL="0" marR="0" marT="0" marB="0"/>
-                </a:tc>
-                <a:extLst>
-                  <a:ext uri="{0D108BD9-81ED-4DB2-BD59-A6C34878D82A}">
-                    <a16:rowId xmlns:a16="http://schemas.microsoft.com/office/drawing/2014/main" val="2906363306"/>
-                  </a:ext>
-                </a:extLst>
-              </a:tr>
-              <a:tr h="150143">
-                <a:tc>
-                  <a:txBody>
-                    <a:bodyPr/>
-                    <a:lstStyle/>
-                    <a:p>
-                      <a:pPr marL="0" marR="0" algn="ctr">
-                        <a:lnSpc>
-                          <a:spcPct val="125000"/>
-                        </a:lnSpc>
-                        <a:spcBef>
-                          <a:spcPts val="0"/>
-                        </a:spcBef>
-                        <a:spcAft>
-                          <a:spcPts val="0"/>
-                        </a:spcAft>
-                      </a:pPr>
-                      <a:r>
-                        <a:rPr lang="en-US" sz="700">
-                          <a:effectLst/>
-                        </a:rPr>
-                        <a:t>8xyE</a:t>
-                      </a:r>
-                      <a:endParaRPr lang="en-US" sz="700">
-                        <a:solidFill>
-                          <a:srgbClr val="000000"/>
-                        </a:solidFill>
-                        <a:effectLst/>
-                        <a:latin typeface="Arial" panose="020B0604020202020204" pitchFamily="34" charset="0"/>
-                        <a:ea typeface="Calibri" panose="020F0502020204030204" pitchFamily="34" charset="0"/>
-                        <a:cs typeface="Times New Roman" panose="02020603050405020304" pitchFamily="18" charset="0"/>
-                      </a:endParaRPr>
-                    </a:p>
-                  </a:txBody>
-                  <a:tcPr marL="0" marR="0" marT="0" marB="0"/>
-                </a:tc>
-                <a:tc>
-                  <a:txBody>
-                    <a:bodyPr/>
-                    <a:lstStyle/>
-                    <a:p>
-                      <a:pPr marL="0" marR="0" algn="ctr">
-                        <a:lnSpc>
-                          <a:spcPct val="125000"/>
-                        </a:lnSpc>
-                        <a:spcBef>
-                          <a:spcPts val="0"/>
-                        </a:spcBef>
-                        <a:spcAft>
-                          <a:spcPts val="0"/>
-                        </a:spcAft>
-                      </a:pPr>
-                      <a:r>
-                        <a:rPr lang="en-US" sz="700">
-                          <a:effectLst/>
-                        </a:rPr>
-                        <a:t>SHL Vx {, Vy}</a:t>
-                      </a:r>
-                      <a:endParaRPr lang="en-US" sz="700">
-                        <a:solidFill>
-                          <a:srgbClr val="000000"/>
-                        </a:solidFill>
-                        <a:effectLst/>
-                        <a:latin typeface="Arial" panose="020B0604020202020204" pitchFamily="34" charset="0"/>
-                        <a:ea typeface="Calibri" panose="020F0502020204030204" pitchFamily="34" charset="0"/>
-                        <a:cs typeface="Times New Roman" panose="02020603050405020304" pitchFamily="18" charset="0"/>
-                      </a:endParaRPr>
-                    </a:p>
-                  </a:txBody>
-                  <a:tcPr marL="0" marR="0" marT="0" marB="0"/>
-                </a:tc>
-                <a:tc>
-                  <a:txBody>
-                    <a:bodyPr/>
-                    <a:lstStyle/>
-                    <a:p>
-                      <a:pPr marL="0" marR="0" algn="ctr">
-                        <a:lnSpc>
-                          <a:spcPct val="125000"/>
-                        </a:lnSpc>
-                        <a:spcBef>
-                          <a:spcPts val="0"/>
-                        </a:spcBef>
-                        <a:spcAft>
-                          <a:spcPts val="0"/>
-                        </a:spcAft>
-                      </a:pPr>
-                      <a:r>
-                        <a:rPr lang="sr-Cyrl-RS" sz="600">
-                          <a:effectLst/>
-                        </a:rPr>
-                        <a:t>У </a:t>
-                      </a:r>
-                      <a:r>
-                        <a:rPr lang="en-US" sz="600">
-                          <a:effectLst/>
-                        </a:rPr>
-                        <a:t>Vx </a:t>
-                      </a:r>
-                      <a:r>
-                        <a:rPr lang="sr-Cyrl-RS" sz="600">
-                          <a:effectLst/>
-                        </a:rPr>
-                        <a:t>учитај </a:t>
-                      </a:r>
-                      <a:r>
-                        <a:rPr lang="en-US" sz="600">
-                          <a:effectLst/>
-                        </a:rPr>
-                        <a:t>Vx SHR 1</a:t>
-                      </a:r>
-                      <a:endParaRPr lang="en-US" sz="700">
-                        <a:solidFill>
-                          <a:srgbClr val="000000"/>
-                        </a:solidFill>
-                        <a:effectLst/>
-                        <a:latin typeface="Arial" panose="020B0604020202020204" pitchFamily="34" charset="0"/>
-                        <a:ea typeface="Calibri" panose="020F0502020204030204" pitchFamily="34" charset="0"/>
-                        <a:cs typeface="Times New Roman" panose="02020603050405020304" pitchFamily="18" charset="0"/>
-                      </a:endParaRPr>
-                    </a:p>
-                  </a:txBody>
-                  <a:tcPr marL="0" marR="0" marT="0" marB="0"/>
-                </a:tc>
-                <a:extLst>
-                  <a:ext uri="{0D108BD9-81ED-4DB2-BD59-A6C34878D82A}">
-                    <a16:rowId xmlns:a16="http://schemas.microsoft.com/office/drawing/2014/main" val="265201687"/>
-                  </a:ext>
-                </a:extLst>
-              </a:tr>
-              <a:tr h="263803">
-                <a:tc>
-                  <a:txBody>
-                    <a:bodyPr/>
-                    <a:lstStyle/>
-                    <a:p>
-                      <a:pPr marL="0" marR="0" algn="ctr">
-                        <a:lnSpc>
-                          <a:spcPct val="125000"/>
-                        </a:lnSpc>
-                        <a:spcBef>
-                          <a:spcPts val="0"/>
-                        </a:spcBef>
-                        <a:spcAft>
-                          <a:spcPts val="0"/>
-                        </a:spcAft>
-                      </a:pPr>
-                      <a:r>
-                        <a:rPr lang="en-US" sz="700">
-                          <a:effectLst/>
-                        </a:rPr>
-                        <a:t>9xy0</a:t>
-                      </a:r>
-                      <a:endParaRPr lang="en-US" sz="700">
-                        <a:solidFill>
-                          <a:srgbClr val="000000"/>
-                        </a:solidFill>
-                        <a:effectLst/>
-                        <a:latin typeface="Arial" panose="020B0604020202020204" pitchFamily="34" charset="0"/>
-                        <a:ea typeface="Calibri" panose="020F0502020204030204" pitchFamily="34" charset="0"/>
-                        <a:cs typeface="Times New Roman" panose="02020603050405020304" pitchFamily="18" charset="0"/>
-                      </a:endParaRPr>
-                    </a:p>
-                  </a:txBody>
-                  <a:tcPr marL="0" marR="0" marT="0" marB="0"/>
-                </a:tc>
-                <a:tc>
-                  <a:txBody>
-                    <a:bodyPr/>
-                    <a:lstStyle/>
-                    <a:p>
-                      <a:pPr marL="0" marR="0" algn="ctr">
-                        <a:lnSpc>
-                          <a:spcPct val="125000"/>
-                        </a:lnSpc>
-                        <a:spcBef>
-                          <a:spcPts val="0"/>
-                        </a:spcBef>
-                        <a:spcAft>
-                          <a:spcPts val="0"/>
-                        </a:spcAft>
-                      </a:pPr>
-                      <a:r>
-                        <a:rPr lang="en-US" sz="700">
-                          <a:effectLst/>
-                        </a:rPr>
-                        <a:t>SNE Vx, Vy</a:t>
-                      </a:r>
-                      <a:endParaRPr lang="en-US" sz="700">
-                        <a:solidFill>
-                          <a:srgbClr val="000000"/>
-                        </a:solidFill>
-                        <a:effectLst/>
-                        <a:latin typeface="Arial" panose="020B0604020202020204" pitchFamily="34" charset="0"/>
-                        <a:ea typeface="Calibri" panose="020F0502020204030204" pitchFamily="34" charset="0"/>
-                        <a:cs typeface="Times New Roman" panose="02020603050405020304" pitchFamily="18" charset="0"/>
-                      </a:endParaRPr>
-                    </a:p>
-                  </a:txBody>
-                  <a:tcPr marL="0" marR="0" marT="0" marB="0"/>
-                </a:tc>
-                <a:tc>
-                  <a:txBody>
-                    <a:bodyPr/>
-                    <a:lstStyle/>
-                    <a:p>
-                      <a:pPr marL="0" marR="0" algn="ctr">
-                        <a:lnSpc>
-                          <a:spcPct val="125000"/>
-                        </a:lnSpc>
-                        <a:spcBef>
-                          <a:spcPts val="0"/>
-                        </a:spcBef>
-                        <a:spcAft>
-                          <a:spcPts val="0"/>
-                        </a:spcAft>
-                      </a:pPr>
-                      <a:r>
-                        <a:rPr lang="sr-Cyrl-RS" sz="600">
-                          <a:effectLst/>
-                        </a:rPr>
-                        <a:t>Прескочи сл. инструкцију ако је </a:t>
-                      </a:r>
-                      <a:r>
-                        <a:rPr lang="en-US" sz="600">
-                          <a:effectLst/>
-                        </a:rPr>
-                        <a:t>Vx != Vy</a:t>
-                      </a:r>
-                      <a:endParaRPr lang="en-US" sz="700">
-                        <a:solidFill>
-                          <a:srgbClr val="000000"/>
-                        </a:solidFill>
-                        <a:effectLst/>
-                        <a:latin typeface="Arial" panose="020B0604020202020204" pitchFamily="34" charset="0"/>
-                        <a:ea typeface="Calibri" panose="020F0502020204030204" pitchFamily="34" charset="0"/>
-                        <a:cs typeface="Times New Roman" panose="02020603050405020304" pitchFamily="18" charset="0"/>
-                      </a:endParaRPr>
-                    </a:p>
-                  </a:txBody>
-                  <a:tcPr marL="0" marR="0" marT="0" marB="0"/>
-                </a:tc>
-                <a:extLst>
-                  <a:ext uri="{0D108BD9-81ED-4DB2-BD59-A6C34878D82A}">
-                    <a16:rowId xmlns:a16="http://schemas.microsoft.com/office/drawing/2014/main" val="1779348277"/>
-                  </a:ext>
-                </a:extLst>
-              </a:tr>
-              <a:tr h="150143">
-                <a:tc>
-                  <a:txBody>
-                    <a:bodyPr/>
-                    <a:lstStyle/>
-                    <a:p>
-                      <a:pPr marL="0" marR="0" algn="ctr">
-                        <a:lnSpc>
-                          <a:spcPct val="125000"/>
-                        </a:lnSpc>
-                        <a:spcBef>
-                          <a:spcPts val="0"/>
-                        </a:spcBef>
-                        <a:spcAft>
-                          <a:spcPts val="0"/>
-                        </a:spcAft>
-                      </a:pPr>
-                      <a:r>
-                        <a:rPr lang="en-US" sz="700">
-                          <a:effectLst/>
-                        </a:rPr>
-                        <a:t>Annn</a:t>
-                      </a:r>
-                      <a:endParaRPr lang="en-US" sz="700">
-                        <a:solidFill>
-                          <a:srgbClr val="000000"/>
-                        </a:solidFill>
-                        <a:effectLst/>
-                        <a:latin typeface="Arial" panose="020B0604020202020204" pitchFamily="34" charset="0"/>
-                        <a:ea typeface="Calibri" panose="020F0502020204030204" pitchFamily="34" charset="0"/>
-                        <a:cs typeface="Times New Roman" panose="02020603050405020304" pitchFamily="18" charset="0"/>
-                      </a:endParaRPr>
-                    </a:p>
-                  </a:txBody>
-                  <a:tcPr marL="0" marR="0" marT="0" marB="0"/>
-                </a:tc>
-                <a:tc>
-                  <a:txBody>
-                    <a:bodyPr/>
-                    <a:lstStyle/>
-                    <a:p>
-                      <a:pPr marL="0" marR="0" algn="ctr">
-                        <a:lnSpc>
-                          <a:spcPct val="125000"/>
-                        </a:lnSpc>
-                        <a:spcBef>
-                          <a:spcPts val="0"/>
-                        </a:spcBef>
-                        <a:spcAft>
-                          <a:spcPts val="0"/>
-                        </a:spcAft>
-                      </a:pPr>
-                      <a:r>
-                        <a:rPr lang="en-US" sz="700">
-                          <a:effectLst/>
-                        </a:rPr>
-                        <a:t>LD I, addr</a:t>
-                      </a:r>
-                      <a:endParaRPr lang="en-US" sz="700">
-                        <a:solidFill>
-                          <a:srgbClr val="000000"/>
-                        </a:solidFill>
-                        <a:effectLst/>
-                        <a:latin typeface="Arial" panose="020B0604020202020204" pitchFamily="34" charset="0"/>
-                        <a:ea typeface="Calibri" panose="020F0502020204030204" pitchFamily="34" charset="0"/>
-                        <a:cs typeface="Times New Roman" panose="02020603050405020304" pitchFamily="18" charset="0"/>
-                      </a:endParaRPr>
-                    </a:p>
-                  </a:txBody>
-                  <a:tcPr marL="0" marR="0" marT="0" marB="0"/>
-                </a:tc>
-                <a:tc>
-                  <a:txBody>
-                    <a:bodyPr/>
-                    <a:lstStyle/>
-                    <a:p>
-                      <a:pPr marL="0" marR="0" algn="ctr">
-                        <a:lnSpc>
-                          <a:spcPct val="125000"/>
-                        </a:lnSpc>
-                        <a:spcBef>
-                          <a:spcPts val="0"/>
-                        </a:spcBef>
-                        <a:spcAft>
-                          <a:spcPts val="0"/>
-                        </a:spcAft>
-                      </a:pPr>
-                      <a:r>
-                        <a:rPr lang="sr-Cyrl-RS" sz="600">
-                          <a:effectLst/>
-                        </a:rPr>
-                        <a:t>У </a:t>
-                      </a:r>
-                      <a:r>
-                        <a:rPr lang="en-US" sz="600">
-                          <a:effectLst/>
-                        </a:rPr>
-                        <a:t>I </a:t>
-                      </a:r>
-                      <a:r>
-                        <a:rPr lang="sr-Cyrl-RS" sz="600">
-                          <a:effectLst/>
-                        </a:rPr>
-                        <a:t>учитај </a:t>
-                      </a:r>
-                      <a:r>
-                        <a:rPr lang="en-US" sz="600">
-                          <a:effectLst/>
-                        </a:rPr>
-                        <a:t>nnn</a:t>
-                      </a:r>
-                      <a:endParaRPr lang="en-US" sz="700">
-                        <a:solidFill>
-                          <a:srgbClr val="000000"/>
-                        </a:solidFill>
-                        <a:effectLst/>
-                        <a:latin typeface="Arial" panose="020B0604020202020204" pitchFamily="34" charset="0"/>
-                        <a:ea typeface="Calibri" panose="020F0502020204030204" pitchFamily="34" charset="0"/>
-                        <a:cs typeface="Times New Roman" panose="02020603050405020304" pitchFamily="18" charset="0"/>
-                      </a:endParaRPr>
-                    </a:p>
-                  </a:txBody>
-                  <a:tcPr marL="0" marR="0" marT="0" marB="0"/>
-                </a:tc>
-                <a:extLst>
-                  <a:ext uri="{0D108BD9-81ED-4DB2-BD59-A6C34878D82A}">
-                    <a16:rowId xmlns:a16="http://schemas.microsoft.com/office/drawing/2014/main" val="1292624321"/>
-                  </a:ext>
-                </a:extLst>
-              </a:tr>
-              <a:tr h="150143">
-                <a:tc>
-                  <a:txBody>
-                    <a:bodyPr/>
-                    <a:lstStyle/>
-                    <a:p>
-                      <a:pPr marL="0" marR="0" algn="ctr">
-                        <a:lnSpc>
-                          <a:spcPct val="125000"/>
-                        </a:lnSpc>
-                        <a:spcBef>
-                          <a:spcPts val="0"/>
-                        </a:spcBef>
-                        <a:spcAft>
-                          <a:spcPts val="0"/>
-                        </a:spcAft>
-                      </a:pPr>
-                      <a:r>
-                        <a:rPr lang="en-US" sz="700">
-                          <a:effectLst/>
-                        </a:rPr>
-                        <a:t>Bnnn</a:t>
-                      </a:r>
-                      <a:endParaRPr lang="en-US" sz="700">
-                        <a:solidFill>
-                          <a:srgbClr val="000000"/>
-                        </a:solidFill>
-                        <a:effectLst/>
-                        <a:latin typeface="Arial" panose="020B0604020202020204" pitchFamily="34" charset="0"/>
-                        <a:ea typeface="Calibri" panose="020F0502020204030204" pitchFamily="34" charset="0"/>
-                        <a:cs typeface="Times New Roman" panose="02020603050405020304" pitchFamily="18" charset="0"/>
-                      </a:endParaRPr>
-                    </a:p>
-                  </a:txBody>
-                  <a:tcPr marL="0" marR="0" marT="0" marB="0"/>
-                </a:tc>
-                <a:tc>
-                  <a:txBody>
-                    <a:bodyPr/>
-                    <a:lstStyle/>
-                    <a:p>
-                      <a:pPr marL="0" marR="0" algn="ctr">
-                        <a:lnSpc>
-                          <a:spcPct val="125000"/>
-                        </a:lnSpc>
-                        <a:spcBef>
-                          <a:spcPts val="0"/>
-                        </a:spcBef>
-                        <a:spcAft>
-                          <a:spcPts val="0"/>
-                        </a:spcAft>
-                      </a:pPr>
-                      <a:r>
-                        <a:rPr lang="en-US" sz="700">
-                          <a:effectLst/>
-                        </a:rPr>
-                        <a:t>JP V0, addr</a:t>
-                      </a:r>
-                      <a:endParaRPr lang="en-US" sz="700">
-                        <a:solidFill>
-                          <a:srgbClr val="000000"/>
-                        </a:solidFill>
-                        <a:effectLst/>
-                        <a:latin typeface="Arial" panose="020B0604020202020204" pitchFamily="34" charset="0"/>
-                        <a:ea typeface="Calibri" panose="020F0502020204030204" pitchFamily="34" charset="0"/>
-                        <a:cs typeface="Times New Roman" panose="02020603050405020304" pitchFamily="18" charset="0"/>
-                      </a:endParaRPr>
-                    </a:p>
-                  </a:txBody>
-                  <a:tcPr marL="0" marR="0" marT="0" marB="0"/>
-                </a:tc>
-                <a:tc>
-                  <a:txBody>
-                    <a:bodyPr/>
-                    <a:lstStyle/>
-                    <a:p>
-                      <a:pPr marL="0" marR="0" algn="ctr">
-                        <a:lnSpc>
-                          <a:spcPct val="125000"/>
-                        </a:lnSpc>
-                        <a:spcBef>
-                          <a:spcPts val="0"/>
-                        </a:spcBef>
-                        <a:spcAft>
-                          <a:spcPts val="0"/>
-                        </a:spcAft>
-                      </a:pPr>
-                      <a:r>
-                        <a:rPr lang="sr-Cyrl-RS" sz="600">
-                          <a:effectLst/>
-                        </a:rPr>
-                        <a:t>Скок на адресу </a:t>
-                      </a:r>
-                      <a:r>
-                        <a:rPr lang="en-US" sz="600">
-                          <a:effectLst/>
-                        </a:rPr>
-                        <a:t>nnn + V0</a:t>
-                      </a:r>
-                      <a:endParaRPr lang="en-US" sz="700">
-                        <a:solidFill>
-                          <a:srgbClr val="000000"/>
-                        </a:solidFill>
-                        <a:effectLst/>
-                        <a:latin typeface="Arial" panose="020B0604020202020204" pitchFamily="34" charset="0"/>
-                        <a:ea typeface="Calibri" panose="020F0502020204030204" pitchFamily="34" charset="0"/>
-                        <a:cs typeface="Times New Roman" panose="02020603050405020304" pitchFamily="18" charset="0"/>
-                      </a:endParaRPr>
-                    </a:p>
-                  </a:txBody>
-                  <a:tcPr marL="0" marR="0" marT="0" marB="0"/>
-                </a:tc>
-                <a:extLst>
-                  <a:ext uri="{0D108BD9-81ED-4DB2-BD59-A6C34878D82A}">
-                    <a16:rowId xmlns:a16="http://schemas.microsoft.com/office/drawing/2014/main" val="993919684"/>
-                  </a:ext>
-                </a:extLst>
-              </a:tr>
-              <a:tr h="150143">
-                <a:tc>
-                  <a:txBody>
-                    <a:bodyPr/>
-                    <a:lstStyle/>
-                    <a:p>
-                      <a:pPr marL="0" marR="0" algn="ctr">
-                        <a:lnSpc>
-                          <a:spcPct val="125000"/>
-                        </a:lnSpc>
-                        <a:spcBef>
-                          <a:spcPts val="0"/>
-                        </a:spcBef>
-                        <a:spcAft>
-                          <a:spcPts val="0"/>
-                        </a:spcAft>
-                      </a:pPr>
-                      <a:r>
-                        <a:rPr lang="en-US" sz="700">
-                          <a:effectLst/>
-                        </a:rPr>
-                        <a:t>Cxkk</a:t>
-                      </a:r>
-                      <a:endParaRPr lang="en-US" sz="700">
-                        <a:solidFill>
-                          <a:srgbClr val="000000"/>
-                        </a:solidFill>
-                        <a:effectLst/>
-                        <a:latin typeface="Arial" panose="020B0604020202020204" pitchFamily="34" charset="0"/>
-                        <a:ea typeface="Calibri" panose="020F0502020204030204" pitchFamily="34" charset="0"/>
-                        <a:cs typeface="Times New Roman" panose="02020603050405020304" pitchFamily="18" charset="0"/>
-                      </a:endParaRPr>
-                    </a:p>
-                  </a:txBody>
-                  <a:tcPr marL="0" marR="0" marT="0" marB="0"/>
-                </a:tc>
-                <a:tc>
-                  <a:txBody>
-                    <a:bodyPr/>
-                    <a:lstStyle/>
-                    <a:p>
-                      <a:pPr marL="0" marR="0" algn="ctr">
-                        <a:lnSpc>
-                          <a:spcPct val="125000"/>
-                        </a:lnSpc>
-                        <a:spcBef>
-                          <a:spcPts val="0"/>
-                        </a:spcBef>
-                        <a:spcAft>
-                          <a:spcPts val="0"/>
-                        </a:spcAft>
-                      </a:pPr>
-                      <a:r>
-                        <a:rPr lang="en-US" sz="700">
-                          <a:effectLst/>
-                        </a:rPr>
-                        <a:t>RND Vx, byte</a:t>
-                      </a:r>
-                      <a:endParaRPr lang="en-US" sz="700">
-                        <a:solidFill>
-                          <a:srgbClr val="000000"/>
-                        </a:solidFill>
-                        <a:effectLst/>
-                        <a:latin typeface="Arial" panose="020B0604020202020204" pitchFamily="34" charset="0"/>
-                        <a:ea typeface="Calibri" panose="020F0502020204030204" pitchFamily="34" charset="0"/>
-                        <a:cs typeface="Times New Roman" panose="02020603050405020304" pitchFamily="18" charset="0"/>
-                      </a:endParaRPr>
-                    </a:p>
-                  </a:txBody>
-                  <a:tcPr marL="0" marR="0" marT="0" marB="0"/>
-                </a:tc>
-                <a:tc>
-                  <a:txBody>
-                    <a:bodyPr/>
-                    <a:lstStyle/>
-                    <a:p>
-                      <a:pPr marL="0" marR="0" algn="ctr">
-                        <a:lnSpc>
-                          <a:spcPct val="125000"/>
-                        </a:lnSpc>
-                        <a:spcBef>
-                          <a:spcPts val="0"/>
-                        </a:spcBef>
-                        <a:spcAft>
-                          <a:spcPts val="0"/>
-                        </a:spcAft>
-                      </a:pPr>
-                      <a:r>
-                        <a:rPr lang="sr-Cyrl-RS" sz="600">
-                          <a:effectLst/>
-                        </a:rPr>
-                        <a:t>У </a:t>
-                      </a:r>
-                      <a:r>
-                        <a:rPr lang="en-US" sz="600">
-                          <a:effectLst/>
-                        </a:rPr>
-                        <a:t>Vx random byte Vx AND kk</a:t>
-                      </a:r>
-                      <a:endParaRPr lang="en-US" sz="700">
-                        <a:solidFill>
-                          <a:srgbClr val="000000"/>
-                        </a:solidFill>
-                        <a:effectLst/>
-                        <a:latin typeface="Arial" panose="020B0604020202020204" pitchFamily="34" charset="0"/>
-                        <a:ea typeface="Calibri" panose="020F0502020204030204" pitchFamily="34" charset="0"/>
-                        <a:cs typeface="Times New Roman" panose="02020603050405020304" pitchFamily="18" charset="0"/>
-                      </a:endParaRPr>
-                    </a:p>
-                  </a:txBody>
-                  <a:tcPr marL="0" marR="0" marT="0" marB="0"/>
-                </a:tc>
-                <a:extLst>
-                  <a:ext uri="{0D108BD9-81ED-4DB2-BD59-A6C34878D82A}">
-                    <a16:rowId xmlns:a16="http://schemas.microsoft.com/office/drawing/2014/main" val="171010052"/>
-                  </a:ext>
-                </a:extLst>
-              </a:tr>
-              <a:tr h="541245">
-                <a:tc>
-                  <a:txBody>
-                    <a:bodyPr/>
-                    <a:lstStyle/>
-                    <a:p>
-                      <a:pPr marL="0" marR="0" algn="ctr">
-                        <a:lnSpc>
-                          <a:spcPct val="125000"/>
-                        </a:lnSpc>
-                        <a:spcBef>
-                          <a:spcPts val="0"/>
-                        </a:spcBef>
-                        <a:spcAft>
-                          <a:spcPts val="0"/>
-                        </a:spcAft>
-                      </a:pPr>
-                      <a:r>
-                        <a:rPr lang="en-US" sz="700">
-                          <a:effectLst/>
-                        </a:rPr>
-                        <a:t>Dxyn</a:t>
-                      </a:r>
-                      <a:endParaRPr lang="en-US" sz="700">
-                        <a:solidFill>
-                          <a:srgbClr val="000000"/>
-                        </a:solidFill>
-                        <a:effectLst/>
-                        <a:latin typeface="Arial" panose="020B0604020202020204" pitchFamily="34" charset="0"/>
-                        <a:ea typeface="Calibri" panose="020F0502020204030204" pitchFamily="34" charset="0"/>
-                        <a:cs typeface="Times New Roman" panose="02020603050405020304" pitchFamily="18" charset="0"/>
-                      </a:endParaRPr>
-                    </a:p>
-                  </a:txBody>
-                  <a:tcPr marL="0" marR="0" marT="0" marB="0"/>
-                </a:tc>
-                <a:tc>
-                  <a:txBody>
-                    <a:bodyPr/>
-                    <a:lstStyle/>
-                    <a:p>
-                      <a:pPr marL="0" marR="0" algn="ctr">
-                        <a:lnSpc>
-                          <a:spcPct val="125000"/>
-                        </a:lnSpc>
-                        <a:spcBef>
-                          <a:spcPts val="0"/>
-                        </a:spcBef>
-                        <a:spcAft>
-                          <a:spcPts val="0"/>
-                        </a:spcAft>
-                      </a:pPr>
-                      <a:r>
-                        <a:rPr lang="en-US" sz="700">
-                          <a:effectLst/>
-                        </a:rPr>
-                        <a:t>DRW Vx, Vy, nibble</a:t>
-                      </a:r>
-                      <a:endParaRPr lang="en-US" sz="700">
-                        <a:solidFill>
-                          <a:srgbClr val="000000"/>
-                        </a:solidFill>
-                        <a:effectLst/>
-                        <a:latin typeface="Arial" panose="020B0604020202020204" pitchFamily="34" charset="0"/>
-                        <a:ea typeface="Calibri" panose="020F0502020204030204" pitchFamily="34" charset="0"/>
-                        <a:cs typeface="Times New Roman" panose="02020603050405020304" pitchFamily="18" charset="0"/>
-                      </a:endParaRPr>
-                    </a:p>
-                  </a:txBody>
-                  <a:tcPr marL="0" marR="0" marT="0" marB="0"/>
-                </a:tc>
-                <a:tc>
-                  <a:txBody>
-                    <a:bodyPr/>
-                    <a:lstStyle/>
-                    <a:p>
-                      <a:pPr marL="0" marR="0" algn="ctr">
-                        <a:lnSpc>
-                          <a:spcPct val="125000"/>
-                        </a:lnSpc>
-                        <a:spcBef>
-                          <a:spcPts val="0"/>
-                        </a:spcBef>
-                        <a:spcAft>
-                          <a:spcPts val="0"/>
-                        </a:spcAft>
-                      </a:pPr>
-                      <a:r>
-                        <a:rPr lang="sr-Cyrl-RS" sz="600">
-                          <a:effectLst/>
-                        </a:rPr>
-                        <a:t>На координатама </a:t>
-                      </a:r>
-                      <a:r>
-                        <a:rPr lang="en-US" sz="600">
-                          <a:effectLst/>
-                        </a:rPr>
-                        <a:t>(Vx, Vy) </a:t>
-                      </a:r>
-                      <a:r>
-                        <a:rPr lang="sr-Cyrl-RS" sz="600">
-                          <a:effectLst/>
-                        </a:rPr>
-                        <a:t>на екрану исцртај „</a:t>
-                      </a:r>
-                      <a:r>
-                        <a:rPr lang="en-US" sz="600">
-                          <a:effectLst/>
-                        </a:rPr>
-                        <a:t>sprite</a:t>
-                      </a:r>
-                      <a:r>
-                        <a:rPr lang="sr-Cyrl-RS" sz="600">
-                          <a:effectLst/>
-                        </a:rPr>
-                        <a:t>“ узет са меморијске локације </a:t>
-                      </a:r>
-                      <a:r>
-                        <a:rPr lang="en-US" sz="600">
-                          <a:effectLst/>
-                        </a:rPr>
-                        <a:t>I, </a:t>
-                      </a:r>
-                      <a:r>
-                        <a:rPr lang="sr-Cyrl-RS" sz="600">
-                          <a:effectLst/>
-                        </a:rPr>
-                        <a:t>у </a:t>
-                      </a:r>
-                      <a:r>
-                        <a:rPr lang="en-US" sz="600">
-                          <a:effectLst/>
-                        </a:rPr>
-                        <a:t>VF </a:t>
-                      </a:r>
-                      <a:r>
-                        <a:rPr lang="sr-Cyrl-RS" sz="600">
-                          <a:effectLst/>
-                        </a:rPr>
-                        <a:t>учитај </a:t>
-                      </a:r>
-                      <a:r>
-                        <a:rPr lang="en-US" sz="600">
-                          <a:effectLst/>
-                        </a:rPr>
-                        <a:t>collision  </a:t>
-                      </a:r>
-                      <a:endParaRPr lang="en-US" sz="700">
-                        <a:solidFill>
-                          <a:srgbClr val="000000"/>
-                        </a:solidFill>
-                        <a:effectLst/>
-                        <a:latin typeface="Arial" panose="020B0604020202020204" pitchFamily="34" charset="0"/>
-                        <a:ea typeface="Calibri" panose="020F0502020204030204" pitchFamily="34" charset="0"/>
-                        <a:cs typeface="Times New Roman" panose="02020603050405020304" pitchFamily="18" charset="0"/>
-                      </a:endParaRPr>
-                    </a:p>
-                  </a:txBody>
-                  <a:tcPr marL="0" marR="0" marT="0" marB="0"/>
-                </a:tc>
-                <a:extLst>
-                  <a:ext uri="{0D108BD9-81ED-4DB2-BD59-A6C34878D82A}">
-                    <a16:rowId xmlns:a16="http://schemas.microsoft.com/office/drawing/2014/main" val="3208989551"/>
-                  </a:ext>
-                </a:extLst>
-              </a:tr>
-              <a:tr h="402525">
-                <a:tc>
-                  <a:txBody>
-                    <a:bodyPr/>
-                    <a:lstStyle/>
-                    <a:p>
-                      <a:pPr marL="0" marR="0" algn="ctr">
-                        <a:lnSpc>
-                          <a:spcPct val="125000"/>
-                        </a:lnSpc>
-                        <a:spcBef>
-                          <a:spcPts val="0"/>
-                        </a:spcBef>
-                        <a:spcAft>
-                          <a:spcPts val="0"/>
-                        </a:spcAft>
-                      </a:pPr>
-                      <a:r>
-                        <a:rPr lang="en-US" sz="700">
-                          <a:effectLst/>
-                        </a:rPr>
-                        <a:t>Ex9E</a:t>
-                      </a:r>
-                      <a:endParaRPr lang="en-US" sz="700">
-                        <a:solidFill>
-                          <a:srgbClr val="000000"/>
-                        </a:solidFill>
-                        <a:effectLst/>
-                        <a:latin typeface="Arial" panose="020B0604020202020204" pitchFamily="34" charset="0"/>
-                        <a:ea typeface="Calibri" panose="020F0502020204030204" pitchFamily="34" charset="0"/>
-                        <a:cs typeface="Times New Roman" panose="02020603050405020304" pitchFamily="18" charset="0"/>
-                      </a:endParaRPr>
-                    </a:p>
-                  </a:txBody>
-                  <a:tcPr marL="0" marR="0" marT="0" marB="0"/>
-                </a:tc>
-                <a:tc>
-                  <a:txBody>
-                    <a:bodyPr/>
-                    <a:lstStyle/>
-                    <a:p>
-                      <a:pPr marL="0" marR="0" algn="ctr">
-                        <a:lnSpc>
-                          <a:spcPct val="125000"/>
-                        </a:lnSpc>
-                        <a:spcBef>
-                          <a:spcPts val="0"/>
-                        </a:spcBef>
-                        <a:spcAft>
-                          <a:spcPts val="0"/>
-                        </a:spcAft>
-                      </a:pPr>
-                      <a:r>
-                        <a:rPr lang="en-US" sz="700">
-                          <a:effectLst/>
-                        </a:rPr>
-                        <a:t>SKP Vx</a:t>
-                      </a:r>
-                      <a:endParaRPr lang="en-US" sz="700">
-                        <a:solidFill>
-                          <a:srgbClr val="000000"/>
-                        </a:solidFill>
-                        <a:effectLst/>
-                        <a:latin typeface="Arial" panose="020B0604020202020204" pitchFamily="34" charset="0"/>
-                        <a:ea typeface="Calibri" panose="020F0502020204030204" pitchFamily="34" charset="0"/>
-                        <a:cs typeface="Times New Roman" panose="02020603050405020304" pitchFamily="18" charset="0"/>
-                      </a:endParaRPr>
-                    </a:p>
-                  </a:txBody>
-                  <a:tcPr marL="0" marR="0" marT="0" marB="0"/>
-                </a:tc>
-                <a:tc>
-                  <a:txBody>
-                    <a:bodyPr/>
-                    <a:lstStyle/>
-                    <a:p>
-                      <a:pPr marL="0" marR="0" algn="ctr">
-                        <a:lnSpc>
-                          <a:spcPct val="125000"/>
-                        </a:lnSpc>
-                        <a:spcBef>
-                          <a:spcPts val="0"/>
-                        </a:spcBef>
-                        <a:spcAft>
-                          <a:spcPts val="0"/>
-                        </a:spcAft>
-                      </a:pPr>
-                      <a:r>
-                        <a:rPr lang="sr-Cyrl-RS" sz="600">
-                          <a:effectLst/>
-                        </a:rPr>
-                        <a:t>Прескочи сл. инструкцију ако је дугме са вредношћу </a:t>
-                      </a:r>
-                      <a:r>
-                        <a:rPr lang="en-US" sz="600">
-                          <a:effectLst/>
-                        </a:rPr>
-                        <a:t>Vx </a:t>
-                      </a:r>
-                      <a:r>
-                        <a:rPr lang="sr-Cyrl-RS" sz="600">
-                          <a:effectLst/>
-                        </a:rPr>
-                        <a:t>притиснуто</a:t>
-                      </a:r>
-                      <a:endParaRPr lang="en-US" sz="700">
-                        <a:solidFill>
-                          <a:srgbClr val="000000"/>
-                        </a:solidFill>
-                        <a:effectLst/>
-                        <a:latin typeface="Arial" panose="020B0604020202020204" pitchFamily="34" charset="0"/>
-                        <a:ea typeface="Calibri" panose="020F0502020204030204" pitchFamily="34" charset="0"/>
-                        <a:cs typeface="Times New Roman" panose="02020603050405020304" pitchFamily="18" charset="0"/>
-                      </a:endParaRPr>
-                    </a:p>
-                  </a:txBody>
-                  <a:tcPr marL="0" marR="0" marT="0" marB="0"/>
-                </a:tc>
-                <a:extLst>
-                  <a:ext uri="{0D108BD9-81ED-4DB2-BD59-A6C34878D82A}">
-                    <a16:rowId xmlns:a16="http://schemas.microsoft.com/office/drawing/2014/main" val="1360051908"/>
-                  </a:ext>
-                </a:extLst>
-              </a:tr>
-              <a:tr h="402525">
-                <a:tc>
-                  <a:txBody>
-                    <a:bodyPr/>
-                    <a:lstStyle/>
-                    <a:p>
-                      <a:pPr marL="0" marR="0" algn="ctr">
-                        <a:lnSpc>
-                          <a:spcPct val="125000"/>
-                        </a:lnSpc>
-                        <a:spcBef>
-                          <a:spcPts val="0"/>
-                        </a:spcBef>
-                        <a:spcAft>
-                          <a:spcPts val="0"/>
-                        </a:spcAft>
-                      </a:pPr>
-                      <a:r>
-                        <a:rPr lang="en-US" sz="700">
-                          <a:effectLst/>
-                        </a:rPr>
-                        <a:t>ExA1</a:t>
-                      </a:r>
-                      <a:endParaRPr lang="en-US" sz="700">
-                        <a:solidFill>
-                          <a:srgbClr val="000000"/>
-                        </a:solidFill>
-                        <a:effectLst/>
-                        <a:latin typeface="Arial" panose="020B0604020202020204" pitchFamily="34" charset="0"/>
-                        <a:ea typeface="Calibri" panose="020F0502020204030204" pitchFamily="34" charset="0"/>
-                        <a:cs typeface="Times New Roman" panose="02020603050405020304" pitchFamily="18" charset="0"/>
-                      </a:endParaRPr>
-                    </a:p>
-                  </a:txBody>
-                  <a:tcPr marL="0" marR="0" marT="0" marB="0"/>
-                </a:tc>
-                <a:tc>
-                  <a:txBody>
-                    <a:bodyPr/>
-                    <a:lstStyle/>
-                    <a:p>
-                      <a:pPr marL="0" marR="0" algn="ctr">
-                        <a:lnSpc>
-                          <a:spcPct val="125000"/>
-                        </a:lnSpc>
-                        <a:spcBef>
-                          <a:spcPts val="0"/>
-                        </a:spcBef>
-                        <a:spcAft>
-                          <a:spcPts val="0"/>
-                        </a:spcAft>
-                      </a:pPr>
-                      <a:r>
-                        <a:rPr lang="en-US" sz="700">
-                          <a:effectLst/>
-                        </a:rPr>
-                        <a:t>SKNP Vx</a:t>
-                      </a:r>
-                      <a:endParaRPr lang="en-US" sz="700">
-                        <a:solidFill>
-                          <a:srgbClr val="000000"/>
-                        </a:solidFill>
-                        <a:effectLst/>
-                        <a:latin typeface="Arial" panose="020B0604020202020204" pitchFamily="34" charset="0"/>
-                        <a:ea typeface="Calibri" panose="020F0502020204030204" pitchFamily="34" charset="0"/>
-                        <a:cs typeface="Times New Roman" panose="02020603050405020304" pitchFamily="18" charset="0"/>
-                      </a:endParaRPr>
-                    </a:p>
-                  </a:txBody>
-                  <a:tcPr marL="0" marR="0" marT="0" marB="0"/>
-                </a:tc>
-                <a:tc>
-                  <a:txBody>
-                    <a:bodyPr/>
-                    <a:lstStyle/>
-                    <a:p>
-                      <a:pPr marL="0" marR="0" algn="ctr">
-                        <a:lnSpc>
-                          <a:spcPct val="125000"/>
-                        </a:lnSpc>
-                        <a:spcBef>
-                          <a:spcPts val="0"/>
-                        </a:spcBef>
-                        <a:spcAft>
-                          <a:spcPts val="0"/>
-                        </a:spcAft>
-                      </a:pPr>
-                      <a:r>
-                        <a:rPr lang="sr-Cyrl-RS" sz="600">
-                          <a:effectLst/>
-                        </a:rPr>
-                        <a:t>Прескочи сл. инструкцију ако дугме са вредношћу </a:t>
-                      </a:r>
-                      <a:r>
-                        <a:rPr lang="en-US" sz="600">
-                          <a:effectLst/>
-                        </a:rPr>
-                        <a:t>Vx </a:t>
-                      </a:r>
-                      <a:r>
-                        <a:rPr lang="sr-Cyrl-RS" sz="600">
-                          <a:effectLst/>
-                        </a:rPr>
-                        <a:t>није притиснуто</a:t>
-                      </a:r>
-                      <a:endParaRPr lang="en-US" sz="700">
-                        <a:solidFill>
-                          <a:srgbClr val="000000"/>
-                        </a:solidFill>
-                        <a:effectLst/>
-                        <a:latin typeface="Arial" panose="020B0604020202020204" pitchFamily="34" charset="0"/>
-                        <a:ea typeface="Calibri" panose="020F0502020204030204" pitchFamily="34" charset="0"/>
-                        <a:cs typeface="Times New Roman" panose="02020603050405020304" pitchFamily="18" charset="0"/>
-                      </a:endParaRPr>
-                    </a:p>
-                  </a:txBody>
-                  <a:tcPr marL="0" marR="0" marT="0" marB="0"/>
-                </a:tc>
-                <a:extLst>
-                  <a:ext uri="{0D108BD9-81ED-4DB2-BD59-A6C34878D82A}">
-                    <a16:rowId xmlns:a16="http://schemas.microsoft.com/office/drawing/2014/main" val="796571162"/>
-                  </a:ext>
-                </a:extLst>
-              </a:tr>
-              <a:tr h="150143">
-                <a:tc>
-                  <a:txBody>
-                    <a:bodyPr/>
-                    <a:lstStyle/>
-                    <a:p>
-                      <a:pPr marL="0" marR="0" algn="ctr">
-                        <a:lnSpc>
-                          <a:spcPct val="125000"/>
-                        </a:lnSpc>
-                        <a:spcBef>
-                          <a:spcPts val="0"/>
-                        </a:spcBef>
-                        <a:spcAft>
-                          <a:spcPts val="0"/>
-                        </a:spcAft>
-                      </a:pPr>
-                      <a:r>
-                        <a:rPr lang="en-US" sz="700">
-                          <a:effectLst/>
-                        </a:rPr>
-                        <a:t>Fx07</a:t>
-                      </a:r>
-                      <a:endParaRPr lang="en-US" sz="700">
-                        <a:solidFill>
-                          <a:srgbClr val="000000"/>
-                        </a:solidFill>
-                        <a:effectLst/>
-                        <a:latin typeface="Arial" panose="020B0604020202020204" pitchFamily="34" charset="0"/>
-                        <a:ea typeface="Calibri" panose="020F0502020204030204" pitchFamily="34" charset="0"/>
-                        <a:cs typeface="Times New Roman" panose="02020603050405020304" pitchFamily="18" charset="0"/>
-                      </a:endParaRPr>
-                    </a:p>
-                  </a:txBody>
-                  <a:tcPr marL="0" marR="0" marT="0" marB="0"/>
-                </a:tc>
-                <a:tc>
-                  <a:txBody>
-                    <a:bodyPr/>
-                    <a:lstStyle/>
-                    <a:p>
-                      <a:pPr marL="0" marR="0" algn="ctr">
-                        <a:lnSpc>
-                          <a:spcPct val="125000"/>
-                        </a:lnSpc>
-                        <a:spcBef>
-                          <a:spcPts val="0"/>
-                        </a:spcBef>
-                        <a:spcAft>
-                          <a:spcPts val="0"/>
-                        </a:spcAft>
-                      </a:pPr>
-                      <a:r>
-                        <a:rPr lang="en-US" sz="700">
-                          <a:effectLst/>
-                        </a:rPr>
-                        <a:t>LD Vx, DT</a:t>
-                      </a:r>
-                      <a:endParaRPr lang="en-US" sz="700">
-                        <a:solidFill>
-                          <a:srgbClr val="000000"/>
-                        </a:solidFill>
-                        <a:effectLst/>
-                        <a:latin typeface="Arial" panose="020B0604020202020204" pitchFamily="34" charset="0"/>
-                        <a:ea typeface="Calibri" panose="020F0502020204030204" pitchFamily="34" charset="0"/>
-                        <a:cs typeface="Times New Roman" panose="02020603050405020304" pitchFamily="18" charset="0"/>
-                      </a:endParaRPr>
-                    </a:p>
-                  </a:txBody>
-                  <a:tcPr marL="0" marR="0" marT="0" marB="0"/>
-                </a:tc>
-                <a:tc>
-                  <a:txBody>
-                    <a:bodyPr/>
-                    <a:lstStyle/>
-                    <a:p>
-                      <a:pPr marL="0" marR="0" algn="ctr">
-                        <a:lnSpc>
-                          <a:spcPct val="125000"/>
-                        </a:lnSpc>
-                        <a:spcBef>
-                          <a:spcPts val="0"/>
-                        </a:spcBef>
-                        <a:spcAft>
-                          <a:spcPts val="0"/>
-                        </a:spcAft>
-                      </a:pPr>
-                      <a:r>
-                        <a:rPr lang="sr-Cyrl-RS" sz="600">
-                          <a:effectLst/>
-                        </a:rPr>
-                        <a:t>Учитај </a:t>
-                      </a:r>
-                      <a:r>
-                        <a:rPr lang="en-US" sz="600">
-                          <a:effectLst/>
-                        </a:rPr>
-                        <a:t>DT</a:t>
-                      </a:r>
-                      <a:r>
-                        <a:rPr lang="sr-Cyrl-RS" sz="600">
-                          <a:effectLst/>
-                        </a:rPr>
-                        <a:t> у </a:t>
-                      </a:r>
-                      <a:r>
-                        <a:rPr lang="en-US" sz="600">
-                          <a:effectLst/>
-                        </a:rPr>
-                        <a:t>Vx</a:t>
-                      </a:r>
-                      <a:endParaRPr lang="en-US" sz="700">
-                        <a:solidFill>
-                          <a:srgbClr val="000000"/>
-                        </a:solidFill>
-                        <a:effectLst/>
-                        <a:latin typeface="Arial" panose="020B0604020202020204" pitchFamily="34" charset="0"/>
-                        <a:ea typeface="Calibri" panose="020F0502020204030204" pitchFamily="34" charset="0"/>
-                        <a:cs typeface="Times New Roman" panose="02020603050405020304" pitchFamily="18" charset="0"/>
-                      </a:endParaRPr>
-                    </a:p>
-                  </a:txBody>
-                  <a:tcPr marL="0" marR="0" marT="0" marB="0"/>
-                </a:tc>
-                <a:extLst>
-                  <a:ext uri="{0D108BD9-81ED-4DB2-BD59-A6C34878D82A}">
-                    <a16:rowId xmlns:a16="http://schemas.microsoft.com/office/drawing/2014/main" val="2631372134"/>
-                  </a:ext>
-                </a:extLst>
-              </a:tr>
-              <a:tr h="263803">
-                <a:tc>
-                  <a:txBody>
-                    <a:bodyPr/>
-                    <a:lstStyle/>
-                    <a:p>
-                      <a:pPr marL="0" marR="0" algn="ctr">
-                        <a:lnSpc>
-                          <a:spcPct val="125000"/>
-                        </a:lnSpc>
-                        <a:spcBef>
-                          <a:spcPts val="0"/>
-                        </a:spcBef>
-                        <a:spcAft>
-                          <a:spcPts val="0"/>
-                        </a:spcAft>
-                      </a:pPr>
-                      <a:r>
-                        <a:rPr lang="en-US" sz="700">
-                          <a:effectLst/>
-                        </a:rPr>
-                        <a:t>Fx0A</a:t>
-                      </a:r>
-                      <a:endParaRPr lang="en-US" sz="700">
-                        <a:solidFill>
-                          <a:srgbClr val="000000"/>
-                        </a:solidFill>
-                        <a:effectLst/>
-                        <a:latin typeface="Arial" panose="020B0604020202020204" pitchFamily="34" charset="0"/>
-                        <a:ea typeface="Calibri" panose="020F0502020204030204" pitchFamily="34" charset="0"/>
-                        <a:cs typeface="Times New Roman" panose="02020603050405020304" pitchFamily="18" charset="0"/>
-                      </a:endParaRPr>
-                    </a:p>
-                  </a:txBody>
-                  <a:tcPr marL="0" marR="0" marT="0" marB="0"/>
-                </a:tc>
-                <a:tc>
-                  <a:txBody>
-                    <a:bodyPr/>
-                    <a:lstStyle/>
-                    <a:p>
-                      <a:pPr marL="0" marR="0" algn="ctr">
-                        <a:lnSpc>
-                          <a:spcPct val="125000"/>
-                        </a:lnSpc>
-                        <a:spcBef>
-                          <a:spcPts val="0"/>
-                        </a:spcBef>
-                        <a:spcAft>
-                          <a:spcPts val="0"/>
-                        </a:spcAft>
-                      </a:pPr>
-                      <a:r>
-                        <a:rPr lang="en-US" sz="700">
-                          <a:effectLst/>
-                        </a:rPr>
-                        <a:t>LD Vx, K</a:t>
-                      </a:r>
-                      <a:endParaRPr lang="en-US" sz="700">
-                        <a:solidFill>
-                          <a:srgbClr val="000000"/>
-                        </a:solidFill>
-                        <a:effectLst/>
-                        <a:latin typeface="Arial" panose="020B0604020202020204" pitchFamily="34" charset="0"/>
-                        <a:ea typeface="Calibri" panose="020F0502020204030204" pitchFamily="34" charset="0"/>
-                        <a:cs typeface="Times New Roman" panose="02020603050405020304" pitchFamily="18" charset="0"/>
-                      </a:endParaRPr>
-                    </a:p>
-                  </a:txBody>
-                  <a:tcPr marL="0" marR="0" marT="0" marB="0"/>
-                </a:tc>
-                <a:tc>
-                  <a:txBody>
-                    <a:bodyPr/>
-                    <a:lstStyle/>
-                    <a:p>
-                      <a:pPr marL="0" marR="0" algn="ctr">
-                        <a:lnSpc>
-                          <a:spcPct val="125000"/>
-                        </a:lnSpc>
-                        <a:spcBef>
-                          <a:spcPts val="0"/>
-                        </a:spcBef>
-                        <a:spcAft>
-                          <a:spcPts val="0"/>
-                        </a:spcAft>
-                      </a:pPr>
-                      <a:r>
-                        <a:rPr lang="sr-Cyrl-RS" sz="600">
-                          <a:effectLst/>
-                        </a:rPr>
-                        <a:t>Чекај на притицак дугмета, учитај вредност дугмета у </a:t>
-                      </a:r>
-                      <a:r>
-                        <a:rPr lang="en-US" sz="600">
-                          <a:effectLst/>
-                        </a:rPr>
-                        <a:t>Vx</a:t>
-                      </a:r>
-                      <a:endParaRPr lang="en-US" sz="700">
-                        <a:solidFill>
-                          <a:srgbClr val="000000"/>
-                        </a:solidFill>
-                        <a:effectLst/>
-                        <a:latin typeface="Arial" panose="020B0604020202020204" pitchFamily="34" charset="0"/>
-                        <a:ea typeface="Calibri" panose="020F0502020204030204" pitchFamily="34" charset="0"/>
-                        <a:cs typeface="Times New Roman" panose="02020603050405020304" pitchFamily="18" charset="0"/>
-                      </a:endParaRPr>
-                    </a:p>
-                  </a:txBody>
-                  <a:tcPr marL="0" marR="0" marT="0" marB="0"/>
-                </a:tc>
-                <a:extLst>
-                  <a:ext uri="{0D108BD9-81ED-4DB2-BD59-A6C34878D82A}">
-                    <a16:rowId xmlns:a16="http://schemas.microsoft.com/office/drawing/2014/main" val="1814248686"/>
-                  </a:ext>
-                </a:extLst>
-              </a:tr>
-              <a:tr h="150143">
-                <a:tc>
-                  <a:txBody>
-                    <a:bodyPr/>
-                    <a:lstStyle/>
-                    <a:p>
-                      <a:pPr marL="0" marR="0" algn="ctr">
-                        <a:lnSpc>
-                          <a:spcPct val="125000"/>
-                        </a:lnSpc>
-                        <a:spcBef>
-                          <a:spcPts val="0"/>
-                        </a:spcBef>
-                        <a:spcAft>
-                          <a:spcPts val="0"/>
-                        </a:spcAft>
-                      </a:pPr>
-                      <a:r>
-                        <a:rPr lang="en-US" sz="700">
-                          <a:effectLst/>
-                        </a:rPr>
-                        <a:t>Fx15</a:t>
-                      </a:r>
-                      <a:endParaRPr lang="en-US" sz="700">
-                        <a:solidFill>
-                          <a:srgbClr val="000000"/>
-                        </a:solidFill>
-                        <a:effectLst/>
-                        <a:latin typeface="Arial" panose="020B0604020202020204" pitchFamily="34" charset="0"/>
-                        <a:ea typeface="Calibri" panose="020F0502020204030204" pitchFamily="34" charset="0"/>
-                        <a:cs typeface="Times New Roman" panose="02020603050405020304" pitchFamily="18" charset="0"/>
-                      </a:endParaRPr>
-                    </a:p>
-                  </a:txBody>
-                  <a:tcPr marL="0" marR="0" marT="0" marB="0"/>
-                </a:tc>
-                <a:tc>
-                  <a:txBody>
-                    <a:bodyPr/>
-                    <a:lstStyle/>
-                    <a:p>
-                      <a:pPr marL="0" marR="0" algn="ctr">
-                        <a:lnSpc>
-                          <a:spcPct val="125000"/>
-                        </a:lnSpc>
-                        <a:spcBef>
-                          <a:spcPts val="0"/>
-                        </a:spcBef>
-                        <a:spcAft>
-                          <a:spcPts val="0"/>
-                        </a:spcAft>
-                      </a:pPr>
-                      <a:r>
-                        <a:rPr lang="en-US" sz="700">
-                          <a:effectLst/>
-                        </a:rPr>
-                        <a:t>LD DT, Vx</a:t>
-                      </a:r>
-                      <a:endParaRPr lang="en-US" sz="700">
-                        <a:solidFill>
-                          <a:srgbClr val="000000"/>
-                        </a:solidFill>
-                        <a:effectLst/>
-                        <a:latin typeface="Arial" panose="020B0604020202020204" pitchFamily="34" charset="0"/>
-                        <a:ea typeface="Calibri" panose="020F0502020204030204" pitchFamily="34" charset="0"/>
-                        <a:cs typeface="Times New Roman" panose="02020603050405020304" pitchFamily="18" charset="0"/>
-                      </a:endParaRPr>
-                    </a:p>
-                  </a:txBody>
-                  <a:tcPr marL="0" marR="0" marT="0" marB="0"/>
-                </a:tc>
-                <a:tc>
-                  <a:txBody>
-                    <a:bodyPr/>
-                    <a:lstStyle/>
-                    <a:p>
-                      <a:pPr marL="0" marR="0" algn="ctr">
-                        <a:lnSpc>
-                          <a:spcPct val="125000"/>
-                        </a:lnSpc>
-                        <a:spcBef>
-                          <a:spcPts val="0"/>
-                        </a:spcBef>
-                        <a:spcAft>
-                          <a:spcPts val="0"/>
-                        </a:spcAft>
-                      </a:pPr>
-                      <a:r>
-                        <a:rPr lang="sr-Cyrl-RS" sz="600">
-                          <a:effectLst/>
-                        </a:rPr>
-                        <a:t>Учитај </a:t>
-                      </a:r>
-                      <a:r>
-                        <a:rPr lang="en-US" sz="600">
-                          <a:effectLst/>
-                        </a:rPr>
-                        <a:t>Vx</a:t>
-                      </a:r>
-                      <a:r>
-                        <a:rPr lang="sr-Cyrl-RS" sz="600">
-                          <a:effectLst/>
-                        </a:rPr>
-                        <a:t> у </a:t>
-                      </a:r>
-                      <a:r>
-                        <a:rPr lang="en-US" sz="600">
-                          <a:effectLst/>
-                        </a:rPr>
-                        <a:t>DT</a:t>
-                      </a:r>
-                      <a:endParaRPr lang="en-US" sz="700">
-                        <a:solidFill>
-                          <a:srgbClr val="000000"/>
-                        </a:solidFill>
-                        <a:effectLst/>
-                        <a:latin typeface="Arial" panose="020B0604020202020204" pitchFamily="34" charset="0"/>
-                        <a:ea typeface="Calibri" panose="020F0502020204030204" pitchFamily="34" charset="0"/>
-                        <a:cs typeface="Times New Roman" panose="02020603050405020304" pitchFamily="18" charset="0"/>
-                      </a:endParaRPr>
-                    </a:p>
-                  </a:txBody>
-                  <a:tcPr marL="0" marR="0" marT="0" marB="0"/>
-                </a:tc>
-                <a:extLst>
-                  <a:ext uri="{0D108BD9-81ED-4DB2-BD59-A6C34878D82A}">
-                    <a16:rowId xmlns:a16="http://schemas.microsoft.com/office/drawing/2014/main" val="3491600713"/>
-                  </a:ext>
-                </a:extLst>
-              </a:tr>
-              <a:tr h="150143">
-                <a:tc>
-                  <a:txBody>
-                    <a:bodyPr/>
-                    <a:lstStyle/>
-                    <a:p>
-                      <a:pPr marL="0" marR="0" algn="ctr">
-                        <a:lnSpc>
-                          <a:spcPct val="125000"/>
-                        </a:lnSpc>
-                        <a:spcBef>
-                          <a:spcPts val="0"/>
-                        </a:spcBef>
-                        <a:spcAft>
-                          <a:spcPts val="0"/>
-                        </a:spcAft>
-                      </a:pPr>
-                      <a:r>
-                        <a:rPr lang="en-US" sz="700">
-                          <a:effectLst/>
-                        </a:rPr>
-                        <a:t>Fx18</a:t>
-                      </a:r>
-                      <a:endParaRPr lang="en-US" sz="700">
-                        <a:solidFill>
-                          <a:srgbClr val="000000"/>
-                        </a:solidFill>
-                        <a:effectLst/>
-                        <a:latin typeface="Arial" panose="020B0604020202020204" pitchFamily="34" charset="0"/>
-                        <a:ea typeface="Calibri" panose="020F0502020204030204" pitchFamily="34" charset="0"/>
-                        <a:cs typeface="Times New Roman" panose="02020603050405020304" pitchFamily="18" charset="0"/>
-                      </a:endParaRPr>
-                    </a:p>
-                  </a:txBody>
-                  <a:tcPr marL="0" marR="0" marT="0" marB="0"/>
-                </a:tc>
-                <a:tc>
-                  <a:txBody>
-                    <a:bodyPr/>
-                    <a:lstStyle/>
-                    <a:p>
-                      <a:pPr marL="0" marR="0" algn="ctr">
-                        <a:lnSpc>
-                          <a:spcPct val="125000"/>
-                        </a:lnSpc>
-                        <a:spcBef>
-                          <a:spcPts val="0"/>
-                        </a:spcBef>
-                        <a:spcAft>
-                          <a:spcPts val="0"/>
-                        </a:spcAft>
-                      </a:pPr>
-                      <a:r>
-                        <a:rPr lang="en-US" sz="700">
-                          <a:effectLst/>
-                        </a:rPr>
-                        <a:t>LD ST, Vx</a:t>
-                      </a:r>
-                      <a:endParaRPr lang="en-US" sz="700">
-                        <a:solidFill>
-                          <a:srgbClr val="000000"/>
-                        </a:solidFill>
-                        <a:effectLst/>
-                        <a:latin typeface="Arial" panose="020B0604020202020204" pitchFamily="34" charset="0"/>
-                        <a:ea typeface="Calibri" panose="020F0502020204030204" pitchFamily="34" charset="0"/>
-                        <a:cs typeface="Times New Roman" panose="02020603050405020304" pitchFamily="18" charset="0"/>
-                      </a:endParaRPr>
-                    </a:p>
-                  </a:txBody>
-                  <a:tcPr marL="0" marR="0" marT="0" marB="0"/>
-                </a:tc>
-                <a:tc>
-                  <a:txBody>
-                    <a:bodyPr/>
-                    <a:lstStyle/>
-                    <a:p>
-                      <a:pPr marL="0" marR="0" algn="ctr">
-                        <a:lnSpc>
-                          <a:spcPct val="125000"/>
-                        </a:lnSpc>
-                        <a:spcBef>
-                          <a:spcPts val="0"/>
-                        </a:spcBef>
-                        <a:spcAft>
-                          <a:spcPts val="0"/>
-                        </a:spcAft>
-                      </a:pPr>
-                      <a:r>
-                        <a:rPr lang="sr-Cyrl-RS" sz="600">
-                          <a:effectLst/>
-                        </a:rPr>
-                        <a:t>Учитај </a:t>
-                      </a:r>
-                      <a:r>
-                        <a:rPr lang="en-US" sz="600">
-                          <a:effectLst/>
-                        </a:rPr>
-                        <a:t>Vx</a:t>
-                      </a:r>
-                      <a:r>
-                        <a:rPr lang="sr-Cyrl-RS" sz="600">
-                          <a:effectLst/>
-                        </a:rPr>
-                        <a:t> у </a:t>
-                      </a:r>
-                      <a:r>
-                        <a:rPr lang="en-US" sz="600">
-                          <a:effectLst/>
-                        </a:rPr>
-                        <a:t>ST</a:t>
-                      </a:r>
-                      <a:endParaRPr lang="en-US" sz="700">
-                        <a:solidFill>
-                          <a:srgbClr val="000000"/>
-                        </a:solidFill>
-                        <a:effectLst/>
-                        <a:latin typeface="Arial" panose="020B0604020202020204" pitchFamily="34" charset="0"/>
-                        <a:ea typeface="Calibri" panose="020F0502020204030204" pitchFamily="34" charset="0"/>
-                        <a:cs typeface="Times New Roman" panose="02020603050405020304" pitchFamily="18" charset="0"/>
-                      </a:endParaRPr>
-                    </a:p>
-                  </a:txBody>
-                  <a:tcPr marL="0" marR="0" marT="0" marB="0"/>
-                </a:tc>
-                <a:extLst>
-                  <a:ext uri="{0D108BD9-81ED-4DB2-BD59-A6C34878D82A}">
-                    <a16:rowId xmlns:a16="http://schemas.microsoft.com/office/drawing/2014/main" val="1319268016"/>
-                  </a:ext>
-                </a:extLst>
-              </a:tr>
-              <a:tr h="150143">
-                <a:tc>
-                  <a:txBody>
-                    <a:bodyPr/>
-                    <a:lstStyle/>
-                    <a:p>
-                      <a:pPr marL="0" marR="0" algn="ctr">
-                        <a:lnSpc>
-                          <a:spcPct val="125000"/>
-                        </a:lnSpc>
-                        <a:spcBef>
-                          <a:spcPts val="0"/>
-                        </a:spcBef>
-                        <a:spcAft>
-                          <a:spcPts val="0"/>
-                        </a:spcAft>
-                      </a:pPr>
-                      <a:r>
-                        <a:rPr lang="en-US" sz="700">
-                          <a:effectLst/>
-                        </a:rPr>
-                        <a:t>Fx1E</a:t>
-                      </a:r>
-                      <a:endParaRPr lang="en-US" sz="700">
-                        <a:solidFill>
-                          <a:srgbClr val="000000"/>
-                        </a:solidFill>
-                        <a:effectLst/>
-                        <a:latin typeface="Arial" panose="020B0604020202020204" pitchFamily="34" charset="0"/>
-                        <a:ea typeface="Calibri" panose="020F0502020204030204" pitchFamily="34" charset="0"/>
-                        <a:cs typeface="Times New Roman" panose="02020603050405020304" pitchFamily="18" charset="0"/>
-                      </a:endParaRPr>
-                    </a:p>
-                  </a:txBody>
-                  <a:tcPr marL="0" marR="0" marT="0" marB="0"/>
-                </a:tc>
-                <a:tc>
-                  <a:txBody>
-                    <a:bodyPr/>
-                    <a:lstStyle/>
-                    <a:p>
-                      <a:pPr marL="0" marR="0" algn="ctr">
-                        <a:lnSpc>
-                          <a:spcPct val="125000"/>
-                        </a:lnSpc>
-                        <a:spcBef>
-                          <a:spcPts val="0"/>
-                        </a:spcBef>
-                        <a:spcAft>
-                          <a:spcPts val="0"/>
-                        </a:spcAft>
-                      </a:pPr>
-                      <a:r>
-                        <a:rPr lang="en-US" sz="700">
-                          <a:effectLst/>
-                        </a:rPr>
-                        <a:t>ADD I, Vx</a:t>
-                      </a:r>
-                      <a:endParaRPr lang="en-US" sz="700">
-                        <a:solidFill>
-                          <a:srgbClr val="000000"/>
-                        </a:solidFill>
-                        <a:effectLst/>
-                        <a:latin typeface="Arial" panose="020B0604020202020204" pitchFamily="34" charset="0"/>
-                        <a:ea typeface="Calibri" panose="020F0502020204030204" pitchFamily="34" charset="0"/>
-                        <a:cs typeface="Times New Roman" panose="02020603050405020304" pitchFamily="18" charset="0"/>
-                      </a:endParaRPr>
-                    </a:p>
-                  </a:txBody>
-                  <a:tcPr marL="0" marR="0" marT="0" marB="0"/>
-                </a:tc>
-                <a:tc>
-                  <a:txBody>
-                    <a:bodyPr/>
-                    <a:lstStyle/>
-                    <a:p>
-                      <a:pPr marL="0" marR="0" algn="ctr">
-                        <a:lnSpc>
-                          <a:spcPct val="125000"/>
-                        </a:lnSpc>
-                        <a:spcBef>
-                          <a:spcPts val="0"/>
-                        </a:spcBef>
-                        <a:spcAft>
-                          <a:spcPts val="0"/>
-                        </a:spcAft>
-                      </a:pPr>
-                      <a:r>
-                        <a:rPr lang="sr-Cyrl-RS" sz="600">
-                          <a:effectLst/>
-                        </a:rPr>
-                        <a:t>У </a:t>
-                      </a:r>
-                      <a:r>
-                        <a:rPr lang="en-US" sz="600">
-                          <a:effectLst/>
-                        </a:rPr>
-                        <a:t>I </a:t>
-                      </a:r>
-                      <a:r>
-                        <a:rPr lang="sr-Cyrl-RS" sz="600">
-                          <a:effectLst/>
-                        </a:rPr>
-                        <a:t>учитај </a:t>
-                      </a:r>
-                      <a:r>
-                        <a:rPr lang="en-US" sz="600">
-                          <a:effectLst/>
-                        </a:rPr>
-                        <a:t>Vx ADD I</a:t>
-                      </a:r>
-                      <a:endParaRPr lang="en-US" sz="700">
-                        <a:solidFill>
-                          <a:srgbClr val="000000"/>
-                        </a:solidFill>
-                        <a:effectLst/>
-                        <a:latin typeface="Arial" panose="020B0604020202020204" pitchFamily="34" charset="0"/>
-                        <a:ea typeface="Calibri" panose="020F0502020204030204" pitchFamily="34" charset="0"/>
-                        <a:cs typeface="Times New Roman" panose="02020603050405020304" pitchFamily="18" charset="0"/>
-                      </a:endParaRPr>
-                    </a:p>
-                  </a:txBody>
-                  <a:tcPr marL="0" marR="0" marT="0" marB="0"/>
-                </a:tc>
-                <a:extLst>
-                  <a:ext uri="{0D108BD9-81ED-4DB2-BD59-A6C34878D82A}">
-                    <a16:rowId xmlns:a16="http://schemas.microsoft.com/office/drawing/2014/main" val="2051194077"/>
-                  </a:ext>
-                </a:extLst>
-              </a:tr>
-              <a:tr h="263803">
-                <a:tc>
-                  <a:txBody>
-                    <a:bodyPr/>
-                    <a:lstStyle/>
-                    <a:p>
-                      <a:pPr marL="0" marR="0" algn="ctr">
-                        <a:lnSpc>
-                          <a:spcPct val="125000"/>
-                        </a:lnSpc>
-                        <a:spcBef>
-                          <a:spcPts val="0"/>
-                        </a:spcBef>
-                        <a:spcAft>
-                          <a:spcPts val="0"/>
-                        </a:spcAft>
-                      </a:pPr>
-                      <a:r>
-                        <a:rPr lang="en-US" sz="700">
-                          <a:effectLst/>
-                        </a:rPr>
-                        <a:t>Fx29</a:t>
-                      </a:r>
-                      <a:endParaRPr lang="en-US" sz="700">
-                        <a:solidFill>
-                          <a:srgbClr val="000000"/>
-                        </a:solidFill>
-                        <a:effectLst/>
-                        <a:latin typeface="Arial" panose="020B0604020202020204" pitchFamily="34" charset="0"/>
-                        <a:ea typeface="Calibri" panose="020F0502020204030204" pitchFamily="34" charset="0"/>
-                        <a:cs typeface="Times New Roman" panose="02020603050405020304" pitchFamily="18" charset="0"/>
-                      </a:endParaRPr>
-                    </a:p>
-                  </a:txBody>
-                  <a:tcPr marL="0" marR="0" marT="0" marB="0"/>
-                </a:tc>
-                <a:tc>
-                  <a:txBody>
-                    <a:bodyPr/>
-                    <a:lstStyle/>
-                    <a:p>
-                      <a:pPr marL="0" marR="0" algn="ctr">
-                        <a:lnSpc>
-                          <a:spcPct val="125000"/>
-                        </a:lnSpc>
-                        <a:spcBef>
-                          <a:spcPts val="0"/>
-                        </a:spcBef>
-                        <a:spcAft>
-                          <a:spcPts val="0"/>
-                        </a:spcAft>
-                      </a:pPr>
-                      <a:r>
-                        <a:rPr lang="en-US" sz="700">
-                          <a:effectLst/>
-                        </a:rPr>
-                        <a:t>LD F, Vx</a:t>
-                      </a:r>
-                      <a:endParaRPr lang="en-US" sz="700">
-                        <a:solidFill>
-                          <a:srgbClr val="000000"/>
-                        </a:solidFill>
-                        <a:effectLst/>
-                        <a:latin typeface="Arial" panose="020B0604020202020204" pitchFamily="34" charset="0"/>
-                        <a:ea typeface="Calibri" panose="020F0502020204030204" pitchFamily="34" charset="0"/>
-                        <a:cs typeface="Times New Roman" panose="02020603050405020304" pitchFamily="18" charset="0"/>
-                      </a:endParaRPr>
-                    </a:p>
-                  </a:txBody>
-                  <a:tcPr marL="0" marR="0" marT="0" marB="0"/>
-                </a:tc>
-                <a:tc>
-                  <a:txBody>
-                    <a:bodyPr/>
-                    <a:lstStyle/>
-                    <a:p>
-                      <a:pPr marL="0" marR="0" algn="ctr">
-                        <a:lnSpc>
-                          <a:spcPct val="125000"/>
-                        </a:lnSpc>
-                        <a:spcBef>
-                          <a:spcPts val="0"/>
-                        </a:spcBef>
-                        <a:spcAft>
-                          <a:spcPts val="0"/>
-                        </a:spcAft>
-                      </a:pPr>
-                      <a:r>
-                        <a:rPr lang="sr-Cyrl-RS" sz="600">
-                          <a:effectLst/>
-                        </a:rPr>
-                        <a:t>У </a:t>
-                      </a:r>
-                      <a:r>
-                        <a:rPr lang="en-US" sz="600">
-                          <a:effectLst/>
-                        </a:rPr>
-                        <a:t>I </a:t>
-                      </a:r>
-                      <a:r>
-                        <a:rPr lang="sr-Cyrl-RS" sz="600">
-                          <a:effectLst/>
-                        </a:rPr>
-                        <a:t>учитај локацију за „</a:t>
-                      </a:r>
-                      <a:r>
-                        <a:rPr lang="en-US" sz="600">
-                          <a:effectLst/>
-                        </a:rPr>
-                        <a:t>sprite</a:t>
-                      </a:r>
-                      <a:r>
-                        <a:rPr lang="sr-Cyrl-RS" sz="600">
-                          <a:effectLst/>
-                        </a:rPr>
-                        <a:t>“ који одговара вредности </a:t>
-                      </a:r>
-                      <a:r>
-                        <a:rPr lang="en-US" sz="600">
-                          <a:effectLst/>
-                        </a:rPr>
-                        <a:t>Vx</a:t>
-                      </a:r>
-                      <a:endParaRPr lang="en-US" sz="700">
-                        <a:solidFill>
-                          <a:srgbClr val="000000"/>
-                        </a:solidFill>
-                        <a:effectLst/>
-                        <a:latin typeface="Arial" panose="020B0604020202020204" pitchFamily="34" charset="0"/>
-                        <a:ea typeface="Calibri" panose="020F0502020204030204" pitchFamily="34" charset="0"/>
-                        <a:cs typeface="Times New Roman" panose="02020603050405020304" pitchFamily="18" charset="0"/>
-                      </a:endParaRPr>
-                    </a:p>
-                  </a:txBody>
-                  <a:tcPr marL="0" marR="0" marT="0" marB="0"/>
-                </a:tc>
-                <a:extLst>
-                  <a:ext uri="{0D108BD9-81ED-4DB2-BD59-A6C34878D82A}">
-                    <a16:rowId xmlns:a16="http://schemas.microsoft.com/office/drawing/2014/main" val="1040401332"/>
-                  </a:ext>
-                </a:extLst>
-              </a:tr>
-              <a:tr h="263803">
-                <a:tc>
-                  <a:txBody>
-                    <a:bodyPr/>
-                    <a:lstStyle/>
-                    <a:p>
-                      <a:pPr marL="0" marR="0" algn="ctr">
-                        <a:lnSpc>
-                          <a:spcPct val="125000"/>
-                        </a:lnSpc>
-                        <a:spcBef>
-                          <a:spcPts val="0"/>
-                        </a:spcBef>
-                        <a:spcAft>
-                          <a:spcPts val="0"/>
-                        </a:spcAft>
-                      </a:pPr>
-                      <a:r>
-                        <a:rPr lang="en-US" sz="700">
-                          <a:effectLst/>
-                        </a:rPr>
-                        <a:t>Fx33</a:t>
-                      </a:r>
-                      <a:endParaRPr lang="en-US" sz="700">
-                        <a:solidFill>
-                          <a:srgbClr val="000000"/>
-                        </a:solidFill>
-                        <a:effectLst/>
-                        <a:latin typeface="Arial" panose="020B0604020202020204" pitchFamily="34" charset="0"/>
-                        <a:ea typeface="Calibri" panose="020F0502020204030204" pitchFamily="34" charset="0"/>
-                        <a:cs typeface="Times New Roman" panose="02020603050405020304" pitchFamily="18" charset="0"/>
-                      </a:endParaRPr>
-                    </a:p>
-                  </a:txBody>
-                  <a:tcPr marL="0" marR="0" marT="0" marB="0"/>
-                </a:tc>
-                <a:tc>
-                  <a:txBody>
-                    <a:bodyPr/>
-                    <a:lstStyle/>
-                    <a:p>
-                      <a:pPr marL="0" marR="0" algn="ctr">
-                        <a:lnSpc>
-                          <a:spcPct val="125000"/>
-                        </a:lnSpc>
-                        <a:spcBef>
-                          <a:spcPts val="0"/>
-                        </a:spcBef>
-                        <a:spcAft>
-                          <a:spcPts val="0"/>
-                        </a:spcAft>
-                      </a:pPr>
-                      <a:r>
-                        <a:rPr lang="en-US" sz="700">
-                          <a:effectLst/>
-                        </a:rPr>
-                        <a:t>LD B, Vx</a:t>
-                      </a:r>
-                      <a:endParaRPr lang="en-US" sz="700">
-                        <a:solidFill>
-                          <a:srgbClr val="000000"/>
-                        </a:solidFill>
-                        <a:effectLst/>
-                        <a:latin typeface="Arial" panose="020B0604020202020204" pitchFamily="34" charset="0"/>
-                        <a:ea typeface="Calibri" panose="020F0502020204030204" pitchFamily="34" charset="0"/>
-                        <a:cs typeface="Times New Roman" panose="02020603050405020304" pitchFamily="18" charset="0"/>
-                      </a:endParaRPr>
-                    </a:p>
-                  </a:txBody>
-                  <a:tcPr marL="0" marR="0" marT="0" marB="0"/>
-                </a:tc>
-                <a:tc>
-                  <a:txBody>
-                    <a:bodyPr/>
-                    <a:lstStyle/>
-                    <a:p>
-                      <a:pPr marL="0" marR="0" algn="ctr">
-                        <a:lnSpc>
-                          <a:spcPct val="125000"/>
-                        </a:lnSpc>
-                        <a:spcBef>
-                          <a:spcPts val="0"/>
-                        </a:spcBef>
-                        <a:spcAft>
-                          <a:spcPts val="0"/>
-                        </a:spcAft>
-                      </a:pPr>
-                      <a:r>
-                        <a:rPr lang="sr-Cyrl-RS" sz="600">
-                          <a:effectLst/>
-                        </a:rPr>
-                        <a:t>На меморијске локације </a:t>
-                      </a:r>
-                      <a:r>
-                        <a:rPr lang="en-US" sz="600">
-                          <a:effectLst/>
-                        </a:rPr>
-                        <a:t>I, I + 1, I + 2 </a:t>
-                      </a:r>
-                      <a:r>
-                        <a:rPr lang="sr-Cyrl-RS" sz="600">
-                          <a:effectLst/>
-                        </a:rPr>
-                        <a:t>учитај </a:t>
-                      </a:r>
-                      <a:r>
-                        <a:rPr lang="en-US" sz="600">
-                          <a:effectLst/>
-                        </a:rPr>
-                        <a:t>BCD </a:t>
-                      </a:r>
-                      <a:r>
-                        <a:rPr lang="sr-Cyrl-RS" sz="600">
-                          <a:effectLst/>
-                        </a:rPr>
-                        <a:t>вредности </a:t>
-                      </a:r>
-                      <a:r>
-                        <a:rPr lang="en-US" sz="600">
-                          <a:effectLst/>
-                        </a:rPr>
-                        <a:t>Vx</a:t>
-                      </a:r>
-                      <a:endParaRPr lang="en-US" sz="700">
-                        <a:solidFill>
-                          <a:srgbClr val="000000"/>
-                        </a:solidFill>
-                        <a:effectLst/>
-                        <a:latin typeface="Arial" panose="020B0604020202020204" pitchFamily="34" charset="0"/>
-                        <a:ea typeface="Calibri" panose="020F0502020204030204" pitchFamily="34" charset="0"/>
-                        <a:cs typeface="Times New Roman" panose="02020603050405020304" pitchFamily="18" charset="0"/>
-                      </a:endParaRPr>
-                    </a:p>
-                  </a:txBody>
-                  <a:tcPr marL="0" marR="0" marT="0" marB="0"/>
-                </a:tc>
-                <a:extLst>
-                  <a:ext uri="{0D108BD9-81ED-4DB2-BD59-A6C34878D82A}">
-                    <a16:rowId xmlns:a16="http://schemas.microsoft.com/office/drawing/2014/main" val="3868564561"/>
-                  </a:ext>
-                </a:extLst>
-              </a:tr>
-              <a:tr h="402525">
-                <a:tc>
-                  <a:txBody>
-                    <a:bodyPr/>
-                    <a:lstStyle/>
-                    <a:p>
-                      <a:pPr marL="0" marR="0" algn="ctr">
-                        <a:lnSpc>
-                          <a:spcPct val="125000"/>
-                        </a:lnSpc>
-                        <a:spcBef>
-                          <a:spcPts val="0"/>
-                        </a:spcBef>
-                        <a:spcAft>
-                          <a:spcPts val="0"/>
-                        </a:spcAft>
-                      </a:pPr>
-                      <a:r>
-                        <a:rPr lang="en-US" sz="700">
-                          <a:effectLst/>
-                        </a:rPr>
-                        <a:t>Fx55</a:t>
-                      </a:r>
-                      <a:endParaRPr lang="en-US" sz="700">
-                        <a:solidFill>
-                          <a:srgbClr val="000000"/>
-                        </a:solidFill>
-                        <a:effectLst/>
-                        <a:latin typeface="Arial" panose="020B0604020202020204" pitchFamily="34" charset="0"/>
-                        <a:ea typeface="Calibri" panose="020F0502020204030204" pitchFamily="34" charset="0"/>
-                        <a:cs typeface="Times New Roman" panose="02020603050405020304" pitchFamily="18" charset="0"/>
-                      </a:endParaRPr>
-                    </a:p>
-                  </a:txBody>
-                  <a:tcPr marL="0" marR="0" marT="0" marB="0"/>
-                </a:tc>
-                <a:tc>
-                  <a:txBody>
-                    <a:bodyPr/>
-                    <a:lstStyle/>
-                    <a:p>
-                      <a:pPr marL="0" marR="0" algn="ctr">
-                        <a:lnSpc>
-                          <a:spcPct val="125000"/>
-                        </a:lnSpc>
-                        <a:spcBef>
-                          <a:spcPts val="0"/>
-                        </a:spcBef>
-                        <a:spcAft>
-                          <a:spcPts val="0"/>
-                        </a:spcAft>
-                      </a:pPr>
-                      <a:r>
-                        <a:rPr lang="en-US" sz="700">
-                          <a:effectLst/>
-                        </a:rPr>
-                        <a:t>LD [I], Vx</a:t>
-                      </a:r>
-                      <a:endParaRPr lang="en-US" sz="700">
-                        <a:solidFill>
-                          <a:srgbClr val="000000"/>
-                        </a:solidFill>
-                        <a:effectLst/>
-                        <a:latin typeface="Arial" panose="020B0604020202020204" pitchFamily="34" charset="0"/>
-                        <a:ea typeface="Calibri" panose="020F0502020204030204" pitchFamily="34" charset="0"/>
-                        <a:cs typeface="Times New Roman" panose="02020603050405020304" pitchFamily="18" charset="0"/>
-                      </a:endParaRPr>
-                    </a:p>
-                  </a:txBody>
-                  <a:tcPr marL="0" marR="0" marT="0" marB="0"/>
-                </a:tc>
-                <a:tc>
-                  <a:txBody>
-                    <a:bodyPr/>
-                    <a:lstStyle/>
-                    <a:p>
-                      <a:pPr marL="0" marR="0" algn="ctr">
-                        <a:lnSpc>
-                          <a:spcPct val="125000"/>
-                        </a:lnSpc>
-                        <a:spcBef>
-                          <a:spcPts val="0"/>
-                        </a:spcBef>
-                        <a:spcAft>
-                          <a:spcPts val="0"/>
-                        </a:spcAft>
-                      </a:pPr>
-                      <a:r>
-                        <a:rPr lang="sr-Cyrl-RS" sz="600">
-                          <a:effectLst/>
-                        </a:rPr>
-                        <a:t>Учитај вредности регистара </a:t>
-                      </a:r>
-                      <a:r>
-                        <a:rPr lang="en-US" sz="600">
-                          <a:effectLst/>
-                        </a:rPr>
-                        <a:t>V0 – Vx </a:t>
-                      </a:r>
-                      <a:r>
-                        <a:rPr lang="sr-Cyrl-RS" sz="600">
-                          <a:effectLst/>
-                        </a:rPr>
-                        <a:t>у меморију почевши од локације </a:t>
-                      </a:r>
-                      <a:r>
-                        <a:rPr lang="en-US" sz="600">
-                          <a:effectLst/>
-                        </a:rPr>
-                        <a:t>I</a:t>
-                      </a:r>
-                      <a:endParaRPr lang="en-US" sz="700">
-                        <a:solidFill>
-                          <a:srgbClr val="000000"/>
-                        </a:solidFill>
-                        <a:effectLst/>
-                        <a:latin typeface="Arial" panose="020B0604020202020204" pitchFamily="34" charset="0"/>
-                        <a:ea typeface="Calibri" panose="020F0502020204030204" pitchFamily="34" charset="0"/>
-                        <a:cs typeface="Times New Roman" panose="02020603050405020304" pitchFamily="18" charset="0"/>
-                      </a:endParaRPr>
-                    </a:p>
-                  </a:txBody>
-                  <a:tcPr marL="0" marR="0" marT="0" marB="0"/>
-                </a:tc>
-                <a:extLst>
-                  <a:ext uri="{0D108BD9-81ED-4DB2-BD59-A6C34878D82A}">
-                    <a16:rowId xmlns:a16="http://schemas.microsoft.com/office/drawing/2014/main" val="4137396324"/>
-                  </a:ext>
-                </a:extLst>
-              </a:tr>
-              <a:tr h="402525">
-                <a:tc>
-                  <a:txBody>
-                    <a:bodyPr/>
-                    <a:lstStyle/>
-                    <a:p>
-                      <a:pPr marL="0" marR="0" algn="ctr">
-                        <a:lnSpc>
-                          <a:spcPct val="125000"/>
-                        </a:lnSpc>
-                        <a:spcBef>
-                          <a:spcPts val="0"/>
-                        </a:spcBef>
-                        <a:spcAft>
-                          <a:spcPts val="0"/>
-                        </a:spcAft>
-                      </a:pPr>
-                      <a:r>
-                        <a:rPr lang="en-US" sz="700">
-                          <a:effectLst/>
-                        </a:rPr>
-                        <a:t>Fx65</a:t>
-                      </a:r>
-                      <a:endParaRPr lang="en-US" sz="700">
-                        <a:solidFill>
-                          <a:srgbClr val="000000"/>
-                        </a:solidFill>
-                        <a:effectLst/>
-                        <a:latin typeface="Arial" panose="020B0604020202020204" pitchFamily="34" charset="0"/>
-                        <a:ea typeface="Calibri" panose="020F0502020204030204" pitchFamily="34" charset="0"/>
-                        <a:cs typeface="Times New Roman" panose="02020603050405020304" pitchFamily="18" charset="0"/>
-                      </a:endParaRPr>
-                    </a:p>
-                  </a:txBody>
-                  <a:tcPr marL="0" marR="0" marT="0" marB="0"/>
-                </a:tc>
-                <a:tc>
-                  <a:txBody>
-                    <a:bodyPr/>
-                    <a:lstStyle/>
-                    <a:p>
-                      <a:pPr marL="0" marR="0" algn="ctr">
-                        <a:lnSpc>
-                          <a:spcPct val="125000"/>
-                        </a:lnSpc>
-                        <a:spcBef>
-                          <a:spcPts val="0"/>
-                        </a:spcBef>
-                        <a:spcAft>
-                          <a:spcPts val="0"/>
-                        </a:spcAft>
-                      </a:pPr>
-                      <a:r>
-                        <a:rPr lang="en-US" sz="700">
-                          <a:effectLst/>
-                        </a:rPr>
-                        <a:t>LD Vx, [I]</a:t>
-                      </a:r>
-                      <a:endParaRPr lang="en-US" sz="700">
-                        <a:solidFill>
-                          <a:srgbClr val="000000"/>
-                        </a:solidFill>
-                        <a:effectLst/>
-                        <a:latin typeface="Arial" panose="020B0604020202020204" pitchFamily="34" charset="0"/>
-                        <a:ea typeface="Calibri" panose="020F0502020204030204" pitchFamily="34" charset="0"/>
-                        <a:cs typeface="Times New Roman" panose="02020603050405020304" pitchFamily="18" charset="0"/>
-                      </a:endParaRPr>
-                    </a:p>
-                  </a:txBody>
-                  <a:tcPr marL="0" marR="0" marT="0" marB="0"/>
-                </a:tc>
-                <a:tc>
-                  <a:txBody>
-                    <a:bodyPr/>
-                    <a:lstStyle/>
-                    <a:p>
-                      <a:pPr marL="0" marR="0" algn="ctr">
-                        <a:lnSpc>
-                          <a:spcPct val="125000"/>
-                        </a:lnSpc>
-                        <a:spcBef>
-                          <a:spcPts val="0"/>
-                        </a:spcBef>
-                        <a:spcAft>
-                          <a:spcPts val="0"/>
-                        </a:spcAft>
-                      </a:pPr>
-                      <a:r>
-                        <a:rPr lang="sr-Cyrl-RS" sz="600">
-                          <a:effectLst/>
-                        </a:rPr>
-                        <a:t>Прочитај вредности регистара </a:t>
-                      </a:r>
-                      <a:r>
-                        <a:rPr lang="en-US" sz="600">
-                          <a:effectLst/>
-                        </a:rPr>
-                        <a:t>V0 – Vx </a:t>
-                      </a:r>
-                      <a:r>
-                        <a:rPr lang="sr-Cyrl-RS" sz="600">
-                          <a:effectLst/>
-                        </a:rPr>
-                        <a:t>у меморију почевши од локације </a:t>
-                      </a:r>
-                      <a:r>
-                        <a:rPr lang="en-US" sz="600">
-                          <a:effectLst/>
-                        </a:rPr>
-                        <a:t>I</a:t>
-                      </a:r>
-                      <a:endParaRPr lang="en-US" sz="700">
-                        <a:solidFill>
-                          <a:srgbClr val="000000"/>
-                        </a:solidFill>
-                        <a:effectLst/>
-                        <a:latin typeface="Arial" panose="020B0604020202020204" pitchFamily="34" charset="0"/>
-                        <a:ea typeface="Calibri" panose="020F0502020204030204" pitchFamily="34" charset="0"/>
-                        <a:cs typeface="Times New Roman" panose="02020603050405020304" pitchFamily="18" charset="0"/>
-                      </a:endParaRPr>
-                    </a:p>
-                  </a:txBody>
-                  <a:tcPr marL="0" marR="0" marT="0" marB="0"/>
-                </a:tc>
-                <a:extLst>
-                  <a:ext uri="{0D108BD9-81ED-4DB2-BD59-A6C34878D82A}">
-                    <a16:rowId xmlns:a16="http://schemas.microsoft.com/office/drawing/2014/main" val="3517388415"/>
-                  </a:ext>
-                </a:extLst>
-              </a:tr>
-            </a:tbl>
-          </a:graphicData>
-        </a:graphic>
-      </p:graphicFrame>
-    </p:spTree>
-    <p:extLst>
-      <p:ext uri="{BB962C8B-B14F-4D97-AF65-F5344CB8AC3E}">
-        <p14:creationId xmlns:p14="http://schemas.microsoft.com/office/powerpoint/2010/main" val="17328384"/>
-      </p:ext>
-    </p:extLst>
-  </p:cSld>
-  <p:clrMapOvr>
-    <a:masterClrMapping/>
-  </p:clrMapOvr>
-</p:sld>
-</file>
-
 <file path=ppt/slides/slide7.xml><?xml version="1.0" encoding="utf-8"?>
 <p:sld xmlns:a="http://schemas.openxmlformats.org/drawingml/2006/main" xmlns:r="http://schemas.openxmlformats.org/officeDocument/2006/relationships" xmlns:p="http://schemas.openxmlformats.org/presentationml/2006/main">
   <p:cSld>
@@ -12007,7 +6805,7 @@
           <a:p>
             <a:r>
               <a:rPr lang="sr-Cyrl-RS"/>
-              <a:t>Имплементација емулатора</a:t>
+              <a:t>Закључак</a:t>
             </a:r>
             <a:endParaRPr lang="en-US"/>
           </a:p>
@@ -12036,31 +6834,102 @@
           <a:p>
             <a:r>
               <a:rPr lang="sr-Cyrl-RS"/>
-              <a:t>Интерпретативни емулатор коришћен у реализацији</a:t>
-            </a:r>
-          </a:p>
-          <a:p>
+              <a:t>Потпуно искуство играња аркадних видео игара</a:t>
+            </a:r>
+            <a:r>
+              <a:rPr lang="en-US"/>
+              <a:t>:</a:t>
+            </a:r>
+          </a:p>
+          <a:p>
+            <a:pPr lvl="1"/>
             <a:r>
               <a:rPr lang="sr-Cyrl-RS"/>
-              <a:t>Дохватање, декодовање, извршавање инструкција</a:t>
-            </a:r>
-          </a:p>
-          <a:p>
+              <a:t>Интерактивни мени за одабир игара</a:t>
+            </a:r>
+          </a:p>
+          <a:p>
+            <a:pPr lvl="1"/>
             <a:r>
               <a:rPr lang="sr-Cyrl-RS"/>
-              <a:t>Једноставнија имплементација и преносивост</a:t>
-            </a:r>
-          </a:p>
-          <a:p>
+              <a:t>Конфигурабилни монохроматски дисплеј</a:t>
+            </a:r>
+          </a:p>
+          <a:p>
+            <a:pPr lvl="1"/>
             <a:r>
               <a:rPr lang="sr-Cyrl-RS"/>
-              <a:t>Лошије перформансе од осталих врста емулатора</a:t>
-            </a:r>
-          </a:p>
-          <a:p>
-            <a:pPr marL="0" indent="0">
-              <a:buNone/>
-            </a:pPr>
+              <a:t>Прозор са упутством за сваку игру</a:t>
+            </a:r>
+          </a:p>
+          <a:p>
+            <a:pPr lvl="1"/>
+            <a:r>
+              <a:rPr lang="sr-Cyrl-RS"/>
+              <a:t>Музика коју је могуће укључити</a:t>
+            </a:r>
+            <a:r>
+              <a:rPr lang="en-US"/>
+              <a:t>/</a:t>
+            </a:r>
+            <a:r>
+              <a:rPr lang="sr-Cyrl-RS"/>
+              <a:t>искључити</a:t>
+            </a:r>
+          </a:p>
+          <a:p>
+            <a:pPr lvl="1"/>
+            <a:r>
+              <a:rPr lang="sr-Cyrl-RS"/>
+              <a:t>Емулатор који интерпретира игре и приказује их на екрану</a:t>
+            </a:r>
+          </a:p>
+          <a:p>
+            <a:r>
+              <a:rPr lang="sr-Cyrl-RS"/>
+              <a:t>Унапређење тренутне имплементације</a:t>
+            </a:r>
+            <a:r>
+              <a:rPr lang="en-US"/>
+              <a:t>:</a:t>
+            </a:r>
+          </a:p>
+          <a:p>
+            <a:pPr lvl="1"/>
+            <a:r>
+              <a:rPr lang="sr-Cyrl-RS"/>
+              <a:t>Динамичка рекомпилација</a:t>
+            </a:r>
+          </a:p>
+          <a:p>
+            <a:pPr lvl="1"/>
+            <a:r>
+              <a:rPr lang="sr-Cyrl-RS"/>
+              <a:t>Граматика и асемблер за програме написане на </a:t>
+            </a:r>
+            <a:r>
+              <a:rPr lang="en-US"/>
+              <a:t>CHIP-8 </a:t>
+            </a:r>
+            <a:r>
+              <a:rPr lang="sr-Cyrl-RS"/>
+              <a:t>језику</a:t>
+            </a:r>
+          </a:p>
+          <a:p>
+            <a:pPr lvl="1"/>
+            <a:r>
+              <a:rPr lang="sr-Cyrl-RS"/>
+              <a:t>Допуњени инструкцијски сет у новијим верзијама </a:t>
+            </a:r>
+            <a:r>
+              <a:rPr lang="en-US"/>
+              <a:t>CHIP-8 </a:t>
+            </a:r>
+            <a:r>
+              <a:rPr lang="sr-Cyrl-RS"/>
+              <a:t>архитектуре</a:t>
+            </a:r>
             <a:endParaRPr lang="en-US"/>
           </a:p>
         </p:txBody>
@@ -12068,7 +6937,7 @@
     </p:spTree>
     <p:extLst>
       <p:ext uri="{BB962C8B-B14F-4D97-AF65-F5344CB8AC3E}">
-        <p14:creationId xmlns:p14="http://schemas.microsoft.com/office/powerpoint/2010/main" val="369977669"/>
+        <p14:creationId xmlns:p14="http://schemas.microsoft.com/office/powerpoint/2010/main" val="3911287364"/>
       </p:ext>
     </p:extLst>
   </p:cSld>
@@ -12097,10 +6966,10 @@
       </p:grpSpPr>
       <p:sp>
         <p:nvSpPr>
-          <p:cNvPr id="2" name="Title 1">
+          <p:cNvPr id="3" name="Content Placeholder 2">
             <a:extLst>
               <a:ext uri="{FF2B5EF4-FFF2-40B4-BE49-F238E27FC236}">
-                <a16:creationId xmlns:a16="http://schemas.microsoft.com/office/drawing/2014/main" id="{45C3D9FA-C7E0-49C3-A9FD-D13F0AEAF233}"/>
+                <a16:creationId xmlns:a16="http://schemas.microsoft.com/office/drawing/2014/main" id="{BB0114EB-1C67-41BE-A19D-C0D521AD4C7A}"/>
               </a:ext>
             </a:extLst>
           </p:cNvPr>
@@ -12108,237 +6977,36 @@
             <a:spLocks noGrp="1"/>
           </p:cNvSpPr>
           <p:nvPr>
-            <p:ph type="title"/>
-          </p:nvPr>
-        </p:nvSpPr>
-        <p:spPr/>
-        <p:txBody>
-          <a:bodyPr/>
-          <a:lstStyle/>
-          <a:p>
-            <a:r>
-              <a:rPr lang="sr-Cyrl-RS"/>
-              <a:t>Графички приказ емулатора</a:t>
-            </a:r>
-            <a:endParaRPr lang="en-US"/>
-          </a:p>
-        </p:txBody>
-      </p:sp>
-      <p:pic>
-        <p:nvPicPr>
-          <p:cNvPr id="5" name="Content Placeholder 4">
-            <a:extLst>
-              <a:ext uri="{FF2B5EF4-FFF2-40B4-BE49-F238E27FC236}">
-                <a16:creationId xmlns:a16="http://schemas.microsoft.com/office/drawing/2014/main" id="{7D9D509A-0BEB-4065-8B60-B143D516FCF4}"/>
-              </a:ext>
-            </a:extLst>
-          </p:cNvPr>
-          <p:cNvPicPr>
-            <a:picLocks noGrp="1" noChangeAspect="1"/>
-          </p:cNvPicPr>
-          <p:nvPr>
             <p:ph idx="1"/>
           </p:nvPr>
-        </p:nvPicPr>
-        <p:blipFill>
-          <a:blip r:embed="rId2"/>
-          <a:stretch>
-            <a:fillRect/>
-          </a:stretch>
-        </p:blipFill>
-        <p:spPr>
-          <a:xfrm>
-            <a:off x="6274965" y="1971412"/>
-            <a:ext cx="5719318" cy="3043683"/>
-          </a:xfrm>
-        </p:spPr>
-      </p:pic>
-      <p:pic>
-        <p:nvPicPr>
-          <p:cNvPr id="7" name="Picture 6">
-            <a:extLst>
-              <a:ext uri="{FF2B5EF4-FFF2-40B4-BE49-F238E27FC236}">
-                <a16:creationId xmlns:a16="http://schemas.microsoft.com/office/drawing/2014/main" id="{B344D65E-3A31-4316-ADF3-F8665ABF5A07}"/>
-              </a:ext>
-            </a:extLst>
-          </p:cNvPr>
-          <p:cNvPicPr>
-            <a:picLocks noChangeAspect="1"/>
-          </p:cNvPicPr>
-          <p:nvPr/>
-        </p:nvPicPr>
-        <p:blipFill>
-          <a:blip r:embed="rId3"/>
-          <a:stretch>
-            <a:fillRect/>
-          </a:stretch>
-        </p:blipFill>
-        <p:spPr>
-          <a:xfrm>
-            <a:off x="170439" y="1971412"/>
-            <a:ext cx="5746597" cy="3043683"/>
-          </a:xfrm>
-          <a:prstGeom prst="rect">
-            <a:avLst/>
-          </a:prstGeom>
-        </p:spPr>
-      </p:pic>
+        </p:nvSpPr>
+        <p:spPr>
+          <a:xfrm>
+            <a:off x="1187391" y="2328784"/>
+            <a:ext cx="9817217" cy="2956279"/>
+          </a:xfrm>
+        </p:spPr>
+        <p:txBody>
+          <a:bodyPr>
+            <a:noAutofit/>
+          </a:bodyPr>
+          <a:lstStyle/>
+          <a:p>
+            <a:pPr marL="0" indent="0" algn="ctr">
+              <a:buNone/>
+            </a:pPr>
+            <a:r>
+              <a:rPr lang="sr-Cyrl-RS" sz="9600"/>
+              <a:t>ХВАЛА НА ПАЖЊИ!</a:t>
+            </a:r>
+            <a:endParaRPr lang="en-US" sz="9600"/>
+          </a:p>
+        </p:txBody>
+      </p:sp>
     </p:spTree>
     <p:extLst>
       <p:ext uri="{BB962C8B-B14F-4D97-AF65-F5344CB8AC3E}">
-        <p14:creationId xmlns:p14="http://schemas.microsoft.com/office/powerpoint/2010/main" val="3998515542"/>
-      </p:ext>
-    </p:extLst>
-  </p:cSld>
-  <p:clrMapOvr>
-    <a:masterClrMapping/>
-  </p:clrMapOvr>
-</p:sld>
-</file>
-
-<file path=ppt/slides/slide9.xml><?xml version="1.0" encoding="utf-8"?>
-<p:sld xmlns:a="http://schemas.openxmlformats.org/drawingml/2006/main" xmlns:r="http://schemas.openxmlformats.org/officeDocument/2006/relationships" xmlns:p="http://schemas.openxmlformats.org/presentationml/2006/main">
-  <p:cSld>
-    <p:bg>
-      <p:bgPr>
-        <a:solidFill>
-          <a:schemeClr val="bg1"/>
-        </a:solidFill>
-        <a:effectLst/>
-      </p:bgPr>
-    </p:bg>
-    <p:spTree>
-      <p:nvGrpSpPr>
-        <p:cNvPr id="1" name=""/>
-        <p:cNvGrpSpPr/>
-        <p:nvPr/>
-      </p:nvGrpSpPr>
-      <p:grpSpPr>
-        <a:xfrm>
-          <a:off x="0" y="0"/>
-          <a:ext cx="0" cy="0"/>
-          <a:chOff x="0" y="0"/>
-          <a:chExt cx="0" cy="0"/>
-        </a:xfrm>
-      </p:grpSpPr>
-      <p:sp>
-        <p:nvSpPr>
-          <p:cNvPr id="2" name="Title 1">
-            <a:extLst>
-              <a:ext uri="{FF2B5EF4-FFF2-40B4-BE49-F238E27FC236}">
-                <a16:creationId xmlns:a16="http://schemas.microsoft.com/office/drawing/2014/main" id="{45C3D9FA-C7E0-49C3-A9FD-D13F0AEAF233}"/>
-              </a:ext>
-            </a:extLst>
-          </p:cNvPr>
-          <p:cNvSpPr>
-            <a:spLocks noGrp="1"/>
-          </p:cNvSpPr>
-          <p:nvPr>
-            <p:ph type="title"/>
-          </p:nvPr>
-        </p:nvSpPr>
-        <p:spPr>
-          <a:xfrm>
-            <a:off x="2895600" y="764373"/>
-            <a:ext cx="8610600" cy="1293028"/>
-          </a:xfrm>
-        </p:spPr>
-        <p:txBody>
-          <a:bodyPr>
-            <a:normAutofit/>
-          </a:bodyPr>
-          <a:lstStyle/>
-          <a:p>
-            <a:r>
-              <a:rPr lang="sr-Cyrl-RS"/>
-              <a:t>Избор игара</a:t>
-            </a:r>
-            <a:endParaRPr lang="en-US"/>
-          </a:p>
-        </p:txBody>
-      </p:sp>
-      <p:sp>
-        <p:nvSpPr>
-          <p:cNvPr id="9" name="Content Placeholder 8">
-            <a:extLst>
-              <a:ext uri="{FF2B5EF4-FFF2-40B4-BE49-F238E27FC236}">
-                <a16:creationId xmlns:a16="http://schemas.microsoft.com/office/drawing/2014/main" id="{DD89AB47-EDB5-4B27-BBB5-047C7C5809BF}"/>
-              </a:ext>
-            </a:extLst>
-          </p:cNvPr>
-          <p:cNvSpPr>
-            <a:spLocks noGrp="1"/>
-          </p:cNvSpPr>
-          <p:nvPr>
-            <p:ph idx="1"/>
-          </p:nvPr>
-        </p:nvSpPr>
-        <p:spPr>
-          <a:xfrm>
-            <a:off x="677334" y="2194561"/>
-            <a:ext cx="4205060" cy="3342174"/>
-          </a:xfrm>
-        </p:spPr>
-        <p:txBody>
-          <a:bodyPr>
-            <a:normAutofit/>
-          </a:bodyPr>
-          <a:lstStyle/>
-          <a:p>
-            <a:r>
-              <a:rPr lang="sr-Cyrl-RS"/>
-              <a:t>11 подржаних игара</a:t>
-            </a:r>
-          </a:p>
-          <a:p>
-            <a:r>
-              <a:rPr lang="sr-Cyrl-RS"/>
-              <a:t>Игре учитаване као бинаризоване датотеке</a:t>
-            </a:r>
-          </a:p>
-          <a:p>
-            <a:r>
-              <a:rPr lang="sr-Cyrl-RS"/>
-              <a:t>Могућност играња за једног или више корисника</a:t>
-            </a:r>
-            <a:endParaRPr lang="en-US"/>
-          </a:p>
-        </p:txBody>
-      </p:sp>
-      <p:pic>
-        <p:nvPicPr>
-          <p:cNvPr id="5" name="Content Placeholder 4">
-            <a:extLst>
-              <a:ext uri="{FF2B5EF4-FFF2-40B4-BE49-F238E27FC236}">
-                <a16:creationId xmlns:a16="http://schemas.microsoft.com/office/drawing/2014/main" id="{7B2743DE-A9AF-4DC6-8AAF-AB65CABC72E1}"/>
-              </a:ext>
-            </a:extLst>
-          </p:cNvPr>
-          <p:cNvPicPr>
-            <a:picLocks noChangeAspect="1"/>
-          </p:cNvPicPr>
-          <p:nvPr/>
-        </p:nvPicPr>
-        <p:blipFill>
-          <a:blip r:embed="rId2"/>
-          <a:stretch>
-            <a:fillRect/>
-          </a:stretch>
-        </p:blipFill>
-        <p:spPr>
-          <a:xfrm>
-            <a:off x="4882394" y="2194560"/>
-            <a:ext cx="6994517" cy="3692864"/>
-          </a:xfrm>
-          <a:prstGeom prst="rect">
-            <a:avLst/>
-          </a:prstGeom>
-        </p:spPr>
-      </p:pic>
-    </p:spTree>
-    <p:extLst>
-      <p:ext uri="{BB962C8B-B14F-4D97-AF65-F5344CB8AC3E}">
-        <p14:creationId xmlns:p14="http://schemas.microsoft.com/office/powerpoint/2010/main" val="975779682"/>
+        <p14:creationId xmlns:p14="http://schemas.microsoft.com/office/powerpoint/2010/main" val="2387478300"/>
       </p:ext>
     </p:extLst>
   </p:cSld>
